--- a/Misc/Powerpoints/DFD1.pptx
+++ b/Misc/Powerpoints/DFD1.pptx
@@ -259,7 +259,7 @@
           <a:p>
             <a:fld id="{D310E9F0-CEA3-4C94-9E93-8FB6D6024B87}" type="datetimeFigureOut">
               <a:rPr lang="en-US" smtClean="0"/>
-              <a:t>3/24/2018</a:t>
+              <a:t>4/7/2018</a:t>
             </a:fld>
             <a:endParaRPr lang="en-US"/>
           </a:p>
@@ -457,7 +457,7 @@
           <a:p>
             <a:fld id="{D310E9F0-CEA3-4C94-9E93-8FB6D6024B87}" type="datetimeFigureOut">
               <a:rPr lang="en-US" smtClean="0"/>
-              <a:t>3/24/2018</a:t>
+              <a:t>4/7/2018</a:t>
             </a:fld>
             <a:endParaRPr lang="en-US"/>
           </a:p>
@@ -665,7 +665,7 @@
           <a:p>
             <a:fld id="{D310E9F0-CEA3-4C94-9E93-8FB6D6024B87}" type="datetimeFigureOut">
               <a:rPr lang="en-US" smtClean="0"/>
-              <a:t>3/24/2018</a:t>
+              <a:t>4/7/2018</a:t>
             </a:fld>
             <a:endParaRPr lang="en-US"/>
           </a:p>
@@ -863,7 +863,7 @@
           <a:p>
             <a:fld id="{D310E9F0-CEA3-4C94-9E93-8FB6D6024B87}" type="datetimeFigureOut">
               <a:rPr lang="en-US" smtClean="0"/>
-              <a:t>3/24/2018</a:t>
+              <a:t>4/7/2018</a:t>
             </a:fld>
             <a:endParaRPr lang="en-US"/>
           </a:p>
@@ -1138,7 +1138,7 @@
           <a:p>
             <a:fld id="{D310E9F0-CEA3-4C94-9E93-8FB6D6024B87}" type="datetimeFigureOut">
               <a:rPr lang="en-US" smtClean="0"/>
-              <a:t>3/24/2018</a:t>
+              <a:t>4/7/2018</a:t>
             </a:fld>
             <a:endParaRPr lang="en-US"/>
           </a:p>
@@ -1403,7 +1403,7 @@
           <a:p>
             <a:fld id="{D310E9F0-CEA3-4C94-9E93-8FB6D6024B87}" type="datetimeFigureOut">
               <a:rPr lang="en-US" smtClean="0"/>
-              <a:t>3/24/2018</a:t>
+              <a:t>4/7/2018</a:t>
             </a:fld>
             <a:endParaRPr lang="en-US"/>
           </a:p>
@@ -1815,7 +1815,7 @@
           <a:p>
             <a:fld id="{D310E9F0-CEA3-4C94-9E93-8FB6D6024B87}" type="datetimeFigureOut">
               <a:rPr lang="en-US" smtClean="0"/>
-              <a:t>3/24/2018</a:t>
+              <a:t>4/7/2018</a:t>
             </a:fld>
             <a:endParaRPr lang="en-US"/>
           </a:p>
@@ -1956,7 +1956,7 @@
           <a:p>
             <a:fld id="{D310E9F0-CEA3-4C94-9E93-8FB6D6024B87}" type="datetimeFigureOut">
               <a:rPr lang="en-US" smtClean="0"/>
-              <a:t>3/24/2018</a:t>
+              <a:t>4/7/2018</a:t>
             </a:fld>
             <a:endParaRPr lang="en-US"/>
           </a:p>
@@ -2069,7 +2069,7 @@
           <a:p>
             <a:fld id="{D310E9F0-CEA3-4C94-9E93-8FB6D6024B87}" type="datetimeFigureOut">
               <a:rPr lang="en-US" smtClean="0"/>
-              <a:t>3/24/2018</a:t>
+              <a:t>4/7/2018</a:t>
             </a:fld>
             <a:endParaRPr lang="en-US"/>
           </a:p>
@@ -2380,7 +2380,7 @@
           <a:p>
             <a:fld id="{D310E9F0-CEA3-4C94-9E93-8FB6D6024B87}" type="datetimeFigureOut">
               <a:rPr lang="en-US" smtClean="0"/>
-              <a:t>3/24/2018</a:t>
+              <a:t>4/7/2018</a:t>
             </a:fld>
             <a:endParaRPr lang="en-US"/>
           </a:p>
@@ -2668,7 +2668,7 @@
           <a:p>
             <a:fld id="{D310E9F0-CEA3-4C94-9E93-8FB6D6024B87}" type="datetimeFigureOut">
               <a:rPr lang="en-US" smtClean="0"/>
-              <a:t>3/24/2018</a:t>
+              <a:t>4/7/2018</a:t>
             </a:fld>
             <a:endParaRPr lang="en-US"/>
           </a:p>
@@ -2909,7 +2909,7 @@
           <a:p>
             <a:fld id="{D310E9F0-CEA3-4C94-9E93-8FB6D6024B87}" type="datetimeFigureOut">
               <a:rPr lang="en-US" smtClean="0"/>
-              <a:t>3/24/2018</a:t>
+              <a:t>4/7/2018</a:t>
             </a:fld>
             <a:endParaRPr lang="en-US"/>
           </a:p>
@@ -3326,1486 +3326,1695 @@
           <a:chExt cx="0" cy="0"/>
         </a:xfrm>
       </p:grpSpPr>
-      <p:sp>
-        <p:nvSpPr>
-          <p:cNvPr id="4" name="Oval 3">
-            <a:extLst>
-              <a:ext uri="{FF2B5EF4-FFF2-40B4-BE49-F238E27FC236}">
-                <a16:creationId xmlns:a16="http://schemas.microsoft.com/office/drawing/2014/main" xmlns="" id="{C5313E0B-547C-4E04-B979-0792C2A89D2E}"/>
-              </a:ext>
-            </a:extLst>
-          </p:cNvPr>
-          <p:cNvSpPr/>
+      <p:grpSp>
+        <p:nvGrpSpPr>
+          <p:cNvPr id="5" name="Group 4"/>
+          <p:cNvGrpSpPr/>
           <p:nvPr/>
-        </p:nvSpPr>
-        <p:spPr>
+        </p:nvGrpSpPr>
+        <p:grpSpPr>
           <a:xfrm>
-            <a:off x="5656083" y="2873406"/>
-            <a:ext cx="1335463" cy="1245517"/>
+            <a:off x="84220" y="-12067"/>
+            <a:ext cx="12031579" cy="6702049"/>
+            <a:chOff x="84220" y="-12067"/>
+            <a:chExt cx="12031579" cy="6702049"/>
           </a:xfrm>
-          <a:prstGeom prst="ellipse">
-            <a:avLst/>
-          </a:prstGeom>
-        </p:spPr>
-        <p:style>
-          <a:lnRef idx="2">
-            <a:schemeClr val="accent1">
-              <a:shade val="50000"/>
-            </a:schemeClr>
-          </a:lnRef>
-          <a:fillRef idx="1">
-            <a:schemeClr val="accent1"/>
-          </a:fillRef>
-          <a:effectRef idx="0">
-            <a:schemeClr val="accent1"/>
-          </a:effectRef>
-          <a:fontRef idx="minor">
-            <a:schemeClr val="lt1"/>
-          </a:fontRef>
-        </p:style>
-        <p:txBody>
-          <a:bodyPr rtlCol="0" anchor="ctr"/>
-          <a:lstStyle/>
-          <a:p>
-            <a:pPr algn="ctr"/>
-            <a:r>
-              <a:rPr lang="en-US" dirty="0"/>
-              <a:t>Main Control Module</a:t>
-            </a:r>
-          </a:p>
-        </p:txBody>
-      </p:sp>
-      <p:sp>
-        <p:nvSpPr>
-          <p:cNvPr id="7" name="Arrow: Right 6">
-            <a:extLst>
-              <a:ext uri="{FF2B5EF4-FFF2-40B4-BE49-F238E27FC236}">
-                <a16:creationId xmlns:a16="http://schemas.microsoft.com/office/drawing/2014/main" xmlns="" id="{0EBEE394-3906-42E6-A819-4359192806D5}"/>
-              </a:ext>
-            </a:extLst>
-          </p:cNvPr>
-          <p:cNvSpPr/>
-          <p:nvPr/>
-        </p:nvSpPr>
-        <p:spPr>
-          <a:xfrm>
-            <a:off x="7204136" y="3038052"/>
-            <a:ext cx="1543937" cy="458113"/>
-          </a:xfrm>
-          <a:prstGeom prst="rightArrow">
-            <a:avLst/>
-          </a:prstGeom>
-        </p:spPr>
-        <p:style>
-          <a:lnRef idx="2">
-            <a:schemeClr val="accent1">
-              <a:shade val="50000"/>
-            </a:schemeClr>
-          </a:lnRef>
-          <a:fillRef idx="1">
-            <a:schemeClr val="accent1"/>
-          </a:fillRef>
-          <a:effectRef idx="0">
-            <a:schemeClr val="accent1"/>
-          </a:effectRef>
-          <a:fontRef idx="minor">
-            <a:schemeClr val="lt1"/>
-          </a:fontRef>
-        </p:style>
-        <p:txBody>
-          <a:bodyPr rtlCol="0" anchor="ctr"/>
-          <a:lstStyle/>
-          <a:p>
-            <a:pPr algn="ctr"/>
-            <a:r>
-              <a:rPr lang="en-US" dirty="0"/>
-              <a:t>Request Info</a:t>
-            </a:r>
-          </a:p>
-        </p:txBody>
-      </p:sp>
-      <p:sp>
-        <p:nvSpPr>
-          <p:cNvPr id="8" name="Arrow: Right 7">
-            <a:extLst>
-              <a:ext uri="{FF2B5EF4-FFF2-40B4-BE49-F238E27FC236}">
-                <a16:creationId xmlns:a16="http://schemas.microsoft.com/office/drawing/2014/main" xmlns="" id="{47C041F1-21A4-4E98-8AA6-D169B5D634DF}"/>
-              </a:ext>
-            </a:extLst>
-          </p:cNvPr>
-          <p:cNvSpPr/>
-          <p:nvPr/>
-        </p:nvSpPr>
-        <p:spPr>
-          <a:xfrm rot="10800000" flipV="1">
-            <a:off x="6991546" y="3429000"/>
-            <a:ext cx="1756528" cy="689923"/>
-          </a:xfrm>
-          <a:prstGeom prst="rightArrow">
-            <a:avLst/>
-          </a:prstGeom>
-        </p:spPr>
-        <p:style>
-          <a:lnRef idx="2">
-            <a:schemeClr val="accent1">
-              <a:shade val="50000"/>
-            </a:schemeClr>
-          </a:lnRef>
-          <a:fillRef idx="1">
-            <a:schemeClr val="accent1"/>
-          </a:fillRef>
-          <a:effectRef idx="0">
-            <a:schemeClr val="accent1"/>
-          </a:effectRef>
-          <a:fontRef idx="minor">
-            <a:schemeClr val="lt1"/>
-          </a:fontRef>
-        </p:style>
-        <p:txBody>
-          <a:bodyPr rtlCol="0" anchor="ctr"/>
-          <a:lstStyle/>
-          <a:p>
-            <a:pPr algn="ctr"/>
-            <a:r>
-              <a:rPr lang="en-US" dirty="0"/>
-              <a:t>Retrieve Info</a:t>
-            </a:r>
-          </a:p>
-        </p:txBody>
-      </p:sp>
-      <p:sp>
-        <p:nvSpPr>
-          <p:cNvPr id="10" name="Oval 9">
-            <a:extLst>
-              <a:ext uri="{FF2B5EF4-FFF2-40B4-BE49-F238E27FC236}">
-                <a16:creationId xmlns:a16="http://schemas.microsoft.com/office/drawing/2014/main" xmlns="" id="{95BDDDFF-5E13-441C-BA28-8704AADF3220}"/>
-              </a:ext>
-            </a:extLst>
-          </p:cNvPr>
-          <p:cNvSpPr/>
-          <p:nvPr/>
-        </p:nvSpPr>
-        <p:spPr>
-          <a:xfrm>
-            <a:off x="7869811" y="417136"/>
-            <a:ext cx="1302470" cy="1015736"/>
-          </a:xfrm>
-          <a:prstGeom prst="ellipse">
-            <a:avLst/>
-          </a:prstGeom>
-        </p:spPr>
-        <p:style>
-          <a:lnRef idx="2">
-            <a:schemeClr val="accent1">
-              <a:shade val="50000"/>
-            </a:schemeClr>
-          </a:lnRef>
-          <a:fillRef idx="1">
-            <a:schemeClr val="accent1"/>
-          </a:fillRef>
-          <a:effectRef idx="0">
-            <a:schemeClr val="accent1"/>
-          </a:effectRef>
-          <a:fontRef idx="minor">
-            <a:schemeClr val="lt1"/>
-          </a:fontRef>
-        </p:style>
-        <p:txBody>
-          <a:bodyPr rtlCol="0" anchor="ctr"/>
-          <a:lstStyle/>
-          <a:p>
-            <a:pPr algn="ctr"/>
-            <a:r>
-              <a:rPr lang="en-US" dirty="0"/>
-              <a:t>Display Module</a:t>
-            </a:r>
-          </a:p>
-          <a:p>
-            <a:pPr algn="ctr"/>
-            <a:endParaRPr lang="en-US" dirty="0"/>
-          </a:p>
-        </p:txBody>
-      </p:sp>
-      <p:sp>
-        <p:nvSpPr>
-          <p:cNvPr id="11" name="Arrow: Right 10">
-            <a:extLst>
-              <a:ext uri="{FF2B5EF4-FFF2-40B4-BE49-F238E27FC236}">
-                <a16:creationId xmlns:a16="http://schemas.microsoft.com/office/drawing/2014/main" xmlns="" id="{A9AE702D-41B2-451D-8979-7C43757D9DF8}"/>
-              </a:ext>
-            </a:extLst>
-          </p:cNvPr>
-          <p:cNvSpPr/>
-          <p:nvPr/>
-        </p:nvSpPr>
-        <p:spPr>
-          <a:xfrm rot="18551164">
-            <a:off x="6163670" y="1763891"/>
-            <a:ext cx="2080607" cy="575033"/>
-          </a:xfrm>
-          <a:prstGeom prst="rightArrow">
-            <a:avLst/>
-          </a:prstGeom>
-        </p:spPr>
-        <p:style>
-          <a:lnRef idx="2">
-            <a:schemeClr val="accent1">
-              <a:shade val="50000"/>
-            </a:schemeClr>
-          </a:lnRef>
-          <a:fillRef idx="1">
-            <a:schemeClr val="accent1"/>
-          </a:fillRef>
-          <a:effectRef idx="0">
-            <a:schemeClr val="accent1"/>
-          </a:effectRef>
-          <a:fontRef idx="minor">
-            <a:schemeClr val="lt1"/>
-          </a:fontRef>
-        </p:style>
-        <p:txBody>
-          <a:bodyPr rtlCol="0" anchor="ctr"/>
-          <a:lstStyle/>
-          <a:p>
-            <a:pPr algn="ctr"/>
-            <a:r>
-              <a:rPr lang="en-US" dirty="0"/>
-              <a:t>Output Signal</a:t>
-            </a:r>
-          </a:p>
-        </p:txBody>
-      </p:sp>
-      <p:sp>
-        <p:nvSpPr>
-          <p:cNvPr id="12" name="Arrow: Right 11">
-            <a:extLst>
-              <a:ext uri="{FF2B5EF4-FFF2-40B4-BE49-F238E27FC236}">
-                <a16:creationId xmlns:a16="http://schemas.microsoft.com/office/drawing/2014/main" xmlns="" id="{8D289C19-E9A8-4101-B8D9-0FA055B78844}"/>
-              </a:ext>
-            </a:extLst>
-          </p:cNvPr>
-          <p:cNvSpPr/>
-          <p:nvPr/>
-        </p:nvSpPr>
-        <p:spPr>
-          <a:xfrm rot="7899070" flipV="1">
-            <a:off x="6775904" y="1962369"/>
-            <a:ext cx="1756528" cy="503954"/>
-          </a:xfrm>
-          <a:prstGeom prst="rightArrow">
-            <a:avLst/>
-          </a:prstGeom>
-        </p:spPr>
-        <p:style>
-          <a:lnRef idx="2">
-            <a:schemeClr val="accent1">
-              <a:shade val="50000"/>
-            </a:schemeClr>
-          </a:lnRef>
-          <a:fillRef idx="1">
-            <a:schemeClr val="accent1"/>
-          </a:fillRef>
-          <a:effectRef idx="0">
-            <a:schemeClr val="accent1"/>
-          </a:effectRef>
-          <a:fontRef idx="minor">
-            <a:schemeClr val="lt1"/>
-          </a:fontRef>
-        </p:style>
-        <p:txBody>
-          <a:bodyPr rtlCol="0" anchor="ctr"/>
-          <a:lstStyle/>
-          <a:p>
-            <a:pPr algn="ctr"/>
-            <a:r>
-              <a:rPr lang="en-US" dirty="0"/>
-              <a:t>Request Info</a:t>
-            </a:r>
-          </a:p>
-        </p:txBody>
-      </p:sp>
-      <p:sp>
-        <p:nvSpPr>
-          <p:cNvPr id="13" name="Oval 12">
-            <a:extLst>
-              <a:ext uri="{FF2B5EF4-FFF2-40B4-BE49-F238E27FC236}">
-                <a16:creationId xmlns:a16="http://schemas.microsoft.com/office/drawing/2014/main" xmlns="" id="{5F0A5D71-78F8-4DBF-B682-5C39CA16E58F}"/>
-              </a:ext>
-            </a:extLst>
-          </p:cNvPr>
-          <p:cNvSpPr/>
-          <p:nvPr/>
-        </p:nvSpPr>
-        <p:spPr>
-          <a:xfrm>
-            <a:off x="8909280" y="4581537"/>
-            <a:ext cx="1756528" cy="1015736"/>
-          </a:xfrm>
-          <a:prstGeom prst="ellipse">
-            <a:avLst/>
-          </a:prstGeom>
-        </p:spPr>
-        <p:style>
-          <a:lnRef idx="2">
-            <a:schemeClr val="accent1">
-              <a:shade val="50000"/>
-            </a:schemeClr>
-          </a:lnRef>
-          <a:fillRef idx="1">
-            <a:schemeClr val="accent1"/>
-          </a:fillRef>
-          <a:effectRef idx="0">
-            <a:schemeClr val="accent1"/>
-          </a:effectRef>
-          <a:fontRef idx="minor">
-            <a:schemeClr val="lt1"/>
-          </a:fontRef>
-        </p:style>
-        <p:txBody>
-          <a:bodyPr rtlCol="0" anchor="ctr"/>
-          <a:lstStyle/>
-          <a:p>
-            <a:pPr algn="ctr"/>
-            <a:r>
-              <a:rPr lang="en-US" dirty="0"/>
-              <a:t>Cereal Dispensing Module</a:t>
-            </a:r>
-          </a:p>
-        </p:txBody>
-      </p:sp>
-      <p:sp>
-        <p:nvSpPr>
-          <p:cNvPr id="15" name="Arrow: Right 14">
-            <a:extLst>
-              <a:ext uri="{FF2B5EF4-FFF2-40B4-BE49-F238E27FC236}">
-                <a16:creationId xmlns:a16="http://schemas.microsoft.com/office/drawing/2014/main" xmlns="" id="{20CA004A-E8E9-4432-B816-F13D1FD9E527}"/>
-              </a:ext>
-            </a:extLst>
-          </p:cNvPr>
-          <p:cNvSpPr/>
-          <p:nvPr/>
-        </p:nvSpPr>
-        <p:spPr>
-          <a:xfrm rot="1387462">
-            <a:off x="6682618" y="4315219"/>
-            <a:ext cx="2323663" cy="580369"/>
-          </a:xfrm>
-          <a:prstGeom prst="rightArrow">
-            <a:avLst/>
-          </a:prstGeom>
-        </p:spPr>
-        <p:style>
-          <a:lnRef idx="2">
-            <a:schemeClr val="accent1">
-              <a:shade val="50000"/>
-            </a:schemeClr>
-          </a:lnRef>
-          <a:fillRef idx="1">
-            <a:schemeClr val="accent1"/>
-          </a:fillRef>
-          <a:effectRef idx="0">
-            <a:schemeClr val="accent1"/>
-          </a:effectRef>
-          <a:fontRef idx="minor">
-            <a:schemeClr val="lt1"/>
-          </a:fontRef>
-        </p:style>
-        <p:txBody>
-          <a:bodyPr rtlCol="0" anchor="ctr"/>
-          <a:lstStyle/>
-          <a:p>
-            <a:pPr algn="ctr"/>
-            <a:r>
-              <a:rPr lang="en-US" sz="1300" dirty="0"/>
-              <a:t>Cereal Dispensing Commands</a:t>
-            </a:r>
-          </a:p>
-        </p:txBody>
-      </p:sp>
-      <p:sp>
-        <p:nvSpPr>
-          <p:cNvPr id="16" name="Arrow: Right 15">
-            <a:extLst>
-              <a:ext uri="{FF2B5EF4-FFF2-40B4-BE49-F238E27FC236}">
-                <a16:creationId xmlns:a16="http://schemas.microsoft.com/office/drawing/2014/main" xmlns="" id="{19ADEE23-9535-4B7C-8E9E-FAC5D7910C2B}"/>
-              </a:ext>
-            </a:extLst>
-          </p:cNvPr>
-          <p:cNvSpPr/>
-          <p:nvPr/>
-        </p:nvSpPr>
-        <p:spPr>
-          <a:xfrm flipH="1">
-            <a:off x="6755727" y="5928924"/>
-            <a:ext cx="1529500" cy="458113"/>
-          </a:xfrm>
-          <a:prstGeom prst="rightArrow">
-            <a:avLst/>
-          </a:prstGeom>
-        </p:spPr>
-        <p:style>
-          <a:lnRef idx="2">
-            <a:schemeClr val="accent1">
-              <a:shade val="50000"/>
-            </a:schemeClr>
-          </a:lnRef>
-          <a:fillRef idx="1">
-            <a:schemeClr val="accent1"/>
-          </a:fillRef>
-          <a:effectRef idx="0">
-            <a:schemeClr val="accent1"/>
-          </a:effectRef>
-          <a:fontRef idx="minor">
-            <a:schemeClr val="lt1"/>
-          </a:fontRef>
-        </p:style>
-        <p:txBody>
-          <a:bodyPr rtlCol="0" anchor="ctr"/>
-          <a:lstStyle/>
-          <a:p>
-            <a:pPr algn="ctr"/>
-            <a:r>
-              <a:rPr lang="en-US" dirty="0"/>
-              <a:t>Drop Cereal</a:t>
-            </a:r>
-          </a:p>
-        </p:txBody>
-      </p:sp>
-      <p:sp>
-        <p:nvSpPr>
-          <p:cNvPr id="18" name="Arrow: Right 17">
-            <a:extLst>
-              <a:ext uri="{FF2B5EF4-FFF2-40B4-BE49-F238E27FC236}">
-                <a16:creationId xmlns:a16="http://schemas.microsoft.com/office/drawing/2014/main" xmlns="" id="{B8E7918F-A836-4578-9571-907A74812FCA}"/>
-              </a:ext>
-            </a:extLst>
-          </p:cNvPr>
-          <p:cNvSpPr/>
-          <p:nvPr/>
-        </p:nvSpPr>
-        <p:spPr>
-          <a:xfrm rot="21007349">
-            <a:off x="4113903" y="5907738"/>
-            <a:ext cx="1400804" cy="458113"/>
-          </a:xfrm>
-          <a:prstGeom prst="rightArrow">
-            <a:avLst/>
-          </a:prstGeom>
-        </p:spPr>
-        <p:style>
-          <a:lnRef idx="2">
-            <a:schemeClr val="accent1">
-              <a:shade val="50000"/>
-            </a:schemeClr>
-          </a:lnRef>
-          <a:fillRef idx="1">
-            <a:schemeClr val="accent1"/>
-          </a:fillRef>
-          <a:effectRef idx="0">
-            <a:schemeClr val="accent1"/>
-          </a:effectRef>
-          <a:fontRef idx="minor">
-            <a:schemeClr val="lt1"/>
-          </a:fontRef>
-        </p:style>
-        <p:txBody>
-          <a:bodyPr rtlCol="0" anchor="ctr"/>
-          <a:lstStyle/>
-          <a:p>
-            <a:pPr algn="ctr"/>
-            <a:r>
-              <a:rPr lang="en-US" dirty="0"/>
-              <a:t>Drop Milk</a:t>
-            </a:r>
-          </a:p>
-        </p:txBody>
-      </p:sp>
-      <p:sp>
-        <p:nvSpPr>
-          <p:cNvPr id="19" name="Oval 18">
-            <a:extLst>
-              <a:ext uri="{FF2B5EF4-FFF2-40B4-BE49-F238E27FC236}">
-                <a16:creationId xmlns:a16="http://schemas.microsoft.com/office/drawing/2014/main" xmlns="" id="{269FB962-68FD-40A9-9DAC-2C9ADB046A5C}"/>
-              </a:ext>
-            </a:extLst>
-          </p:cNvPr>
-          <p:cNvSpPr/>
-          <p:nvPr/>
-        </p:nvSpPr>
-        <p:spPr>
-          <a:xfrm>
-            <a:off x="1812625" y="4277407"/>
-            <a:ext cx="1780244" cy="1245517"/>
-          </a:xfrm>
-          <a:prstGeom prst="ellipse">
-            <a:avLst/>
-          </a:prstGeom>
-        </p:spPr>
-        <p:style>
-          <a:lnRef idx="2">
-            <a:schemeClr val="accent1">
-              <a:shade val="50000"/>
-            </a:schemeClr>
-          </a:lnRef>
-          <a:fillRef idx="1">
-            <a:schemeClr val="accent1"/>
-          </a:fillRef>
-          <a:effectRef idx="0">
-            <a:schemeClr val="accent1"/>
-          </a:effectRef>
-          <a:fontRef idx="minor">
-            <a:schemeClr val="lt1"/>
-          </a:fontRef>
-        </p:style>
-        <p:txBody>
-          <a:bodyPr rtlCol="0" anchor="ctr"/>
-          <a:lstStyle/>
-          <a:p>
-            <a:pPr algn="ctr"/>
-            <a:r>
-              <a:rPr lang="en-US" dirty="0"/>
-              <a:t>Milk Dispensing Module</a:t>
-            </a:r>
-          </a:p>
-        </p:txBody>
-      </p:sp>
-      <p:sp>
-        <p:nvSpPr>
-          <p:cNvPr id="20" name="Arrow: Right 19">
-            <a:extLst>
-              <a:ext uri="{FF2B5EF4-FFF2-40B4-BE49-F238E27FC236}">
-                <a16:creationId xmlns:a16="http://schemas.microsoft.com/office/drawing/2014/main" xmlns="" id="{1E83FAAC-28F9-46B8-AFB2-F5CA5F7AD5F0}"/>
-              </a:ext>
-            </a:extLst>
-          </p:cNvPr>
-          <p:cNvSpPr/>
-          <p:nvPr/>
-        </p:nvSpPr>
-        <p:spPr>
-          <a:xfrm rot="8974749" flipV="1">
-            <a:off x="3483373" y="4108456"/>
-            <a:ext cx="2323663" cy="337903"/>
-          </a:xfrm>
-          <a:prstGeom prst="rightArrow">
-            <a:avLst/>
-          </a:prstGeom>
-        </p:spPr>
-        <p:style>
-          <a:lnRef idx="2">
-            <a:schemeClr val="accent1">
-              <a:shade val="50000"/>
-            </a:schemeClr>
-          </a:lnRef>
-          <a:fillRef idx="1">
-            <a:schemeClr val="accent1"/>
-          </a:fillRef>
-          <a:effectRef idx="0">
-            <a:schemeClr val="accent1"/>
-          </a:effectRef>
-          <a:fontRef idx="minor">
-            <a:schemeClr val="lt1"/>
-          </a:fontRef>
-        </p:style>
-        <p:txBody>
-          <a:bodyPr rtlCol="0" anchor="ctr"/>
-          <a:lstStyle/>
-          <a:p>
-            <a:pPr algn="ctr"/>
-            <a:r>
-              <a:rPr lang="en-US" sz="1300" dirty="0"/>
-              <a:t>Milk Dispensing Commands</a:t>
-            </a:r>
-          </a:p>
-        </p:txBody>
-      </p:sp>
-      <p:sp>
-        <p:nvSpPr>
-          <p:cNvPr id="37" name="Oval 36">
-            <a:extLst>
-              <a:ext uri="{FF2B5EF4-FFF2-40B4-BE49-F238E27FC236}">
-                <a16:creationId xmlns:a16="http://schemas.microsoft.com/office/drawing/2014/main" xmlns="" id="{75DB43E7-A0F6-415F-99E0-28B7156098E2}"/>
-              </a:ext>
-            </a:extLst>
-          </p:cNvPr>
-          <p:cNvSpPr/>
-          <p:nvPr/>
-        </p:nvSpPr>
-        <p:spPr>
-          <a:xfrm>
-            <a:off x="4907325" y="177507"/>
-            <a:ext cx="2043187" cy="1245517"/>
-          </a:xfrm>
-          <a:prstGeom prst="ellipse">
-            <a:avLst/>
-          </a:prstGeom>
-        </p:spPr>
-        <p:style>
-          <a:lnRef idx="2">
-            <a:schemeClr val="accent1">
-              <a:shade val="50000"/>
-            </a:schemeClr>
-          </a:lnRef>
-          <a:fillRef idx="1">
-            <a:schemeClr val="accent1"/>
-          </a:fillRef>
-          <a:effectRef idx="0">
-            <a:schemeClr val="accent1"/>
-          </a:effectRef>
-          <a:fontRef idx="minor">
-            <a:schemeClr val="lt1"/>
-          </a:fontRef>
-        </p:style>
-        <p:txBody>
-          <a:bodyPr rtlCol="0" anchor="ctr"/>
-          <a:lstStyle/>
-          <a:p>
-            <a:pPr algn="ctr"/>
-            <a:r>
-              <a:rPr lang="en-US" dirty="0" smtClean="0"/>
-              <a:t>Response</a:t>
-            </a:r>
-            <a:r>
-              <a:rPr lang="en-US" dirty="0" smtClean="0"/>
-              <a:t> </a:t>
-            </a:r>
-            <a:r>
-              <a:rPr lang="en-US" dirty="0"/>
-              <a:t>Module</a:t>
-            </a:r>
-          </a:p>
-        </p:txBody>
-      </p:sp>
-      <p:sp>
-        <p:nvSpPr>
-          <p:cNvPr id="41" name="Arrow: Right 40">
-            <a:extLst>
-              <a:ext uri="{FF2B5EF4-FFF2-40B4-BE49-F238E27FC236}">
-                <a16:creationId xmlns:a16="http://schemas.microsoft.com/office/drawing/2014/main" xmlns="" id="{BA985AC9-CD5E-44E7-96A1-2A2FB11CF07F}"/>
-              </a:ext>
-            </a:extLst>
-          </p:cNvPr>
-          <p:cNvSpPr/>
-          <p:nvPr/>
-        </p:nvSpPr>
-        <p:spPr>
-          <a:xfrm rot="15485511" flipV="1">
-            <a:off x="5313793" y="1572509"/>
-            <a:ext cx="1342891" cy="1048013"/>
-          </a:xfrm>
-          <a:prstGeom prst="rightArrow">
-            <a:avLst/>
-          </a:prstGeom>
-        </p:spPr>
-        <p:style>
-          <a:lnRef idx="2">
-            <a:schemeClr val="accent1">
-              <a:shade val="50000"/>
-            </a:schemeClr>
-          </a:lnRef>
-          <a:fillRef idx="1">
-            <a:schemeClr val="accent1"/>
-          </a:fillRef>
-          <a:effectRef idx="0">
-            <a:schemeClr val="accent1"/>
-          </a:effectRef>
-          <a:fontRef idx="minor">
-            <a:schemeClr val="lt1"/>
-          </a:fontRef>
-        </p:style>
-        <p:txBody>
-          <a:bodyPr rtlCol="0" anchor="ctr"/>
-          <a:lstStyle/>
-          <a:p>
-            <a:pPr algn="ctr"/>
-            <a:r>
-              <a:rPr lang="en-US" dirty="0"/>
-              <a:t>Send Signal</a:t>
-            </a:r>
-          </a:p>
-        </p:txBody>
-      </p:sp>
-      <p:sp>
-        <p:nvSpPr>
-          <p:cNvPr id="3" name="Rectangle 2"/>
-          <p:cNvSpPr/>
-          <p:nvPr/>
-        </p:nvSpPr>
-        <p:spPr>
-          <a:xfrm>
-            <a:off x="510224" y="461326"/>
-            <a:ext cx="1818452" cy="1015736"/>
-          </a:xfrm>
-          <a:prstGeom prst="rect">
-            <a:avLst/>
-          </a:prstGeom>
-        </p:spPr>
-        <p:style>
-          <a:lnRef idx="2">
-            <a:schemeClr val="accent1">
-              <a:shade val="50000"/>
-            </a:schemeClr>
-          </a:lnRef>
-          <a:fillRef idx="1">
-            <a:schemeClr val="accent1"/>
-          </a:fillRef>
-          <a:effectRef idx="0">
-            <a:schemeClr val="accent1"/>
-          </a:effectRef>
-          <a:fontRef idx="minor">
-            <a:schemeClr val="lt1"/>
-          </a:fontRef>
-        </p:style>
-        <p:txBody>
-          <a:bodyPr rtlCol="0" anchor="ctr"/>
-          <a:lstStyle/>
-          <a:p>
-            <a:pPr algn="ctr"/>
-            <a:r>
-              <a:rPr lang="en-US" dirty="0" smtClean="0"/>
-              <a:t>Microphone</a:t>
-            </a:r>
-            <a:endParaRPr lang="en-US" dirty="0"/>
-          </a:p>
-        </p:txBody>
-      </p:sp>
-      <p:sp>
-        <p:nvSpPr>
-          <p:cNvPr id="6" name="Oval 5"/>
-          <p:cNvSpPr/>
-          <p:nvPr/>
-        </p:nvSpPr>
-        <p:spPr>
-          <a:xfrm>
-            <a:off x="1859152" y="2008106"/>
-            <a:ext cx="2147361" cy="1657602"/>
-          </a:xfrm>
-          <a:prstGeom prst="ellipse">
-            <a:avLst/>
-          </a:prstGeom>
-        </p:spPr>
-        <p:style>
-          <a:lnRef idx="2">
-            <a:schemeClr val="accent1">
-              <a:shade val="50000"/>
-            </a:schemeClr>
-          </a:lnRef>
-          <a:fillRef idx="1">
-            <a:schemeClr val="accent1"/>
-          </a:fillRef>
-          <a:effectRef idx="0">
-            <a:schemeClr val="accent1"/>
-          </a:effectRef>
-          <a:fontRef idx="minor">
-            <a:schemeClr val="lt1"/>
-          </a:fontRef>
-        </p:style>
-        <p:txBody>
-          <a:bodyPr rtlCol="0" anchor="ctr"/>
-          <a:lstStyle/>
-          <a:p>
-            <a:pPr algn="ctr"/>
-            <a:r>
-              <a:rPr lang="en-US" dirty="0" smtClean="0"/>
-              <a:t>Speech Recognition Module</a:t>
-            </a:r>
-            <a:endParaRPr lang="en-US" dirty="0"/>
-          </a:p>
-        </p:txBody>
-      </p:sp>
-      <p:sp>
-        <p:nvSpPr>
-          <p:cNvPr id="14" name="Freeform 13"/>
-          <p:cNvSpPr/>
-          <p:nvPr/>
-        </p:nvSpPr>
-        <p:spPr>
-          <a:xfrm rot="1925648">
-            <a:off x="2020359" y="1541760"/>
-            <a:ext cx="616633" cy="460280"/>
-          </a:xfrm>
-          <a:custGeom>
-            <a:avLst/>
-            <a:gdLst>
-              <a:gd name="connsiteX0" fmla="*/ 0 w 616633"/>
-              <a:gd name="connsiteY0" fmla="*/ 33226 h 460280"/>
-              <a:gd name="connsiteX1" fmla="*/ 78828 w 616633"/>
-              <a:gd name="connsiteY1" fmla="*/ 17461 h 460280"/>
-              <a:gd name="connsiteX2" fmla="*/ 126125 w 616633"/>
-              <a:gd name="connsiteY2" fmla="*/ 1695 h 460280"/>
-              <a:gd name="connsiteX3" fmla="*/ 141890 w 616633"/>
-              <a:gd name="connsiteY3" fmla="*/ 48992 h 460280"/>
-              <a:gd name="connsiteX4" fmla="*/ 157656 w 616633"/>
-              <a:gd name="connsiteY4" fmla="*/ 238178 h 460280"/>
-              <a:gd name="connsiteX5" fmla="*/ 204952 w 616633"/>
-              <a:gd name="connsiteY5" fmla="*/ 206647 h 460280"/>
-              <a:gd name="connsiteX6" fmla="*/ 236483 w 616633"/>
-              <a:gd name="connsiteY6" fmla="*/ 159351 h 460280"/>
-              <a:gd name="connsiteX7" fmla="*/ 268014 w 616633"/>
-              <a:gd name="connsiteY7" fmla="*/ 206647 h 460280"/>
-              <a:gd name="connsiteX8" fmla="*/ 299545 w 616633"/>
-              <a:gd name="connsiteY8" fmla="*/ 395833 h 460280"/>
-              <a:gd name="connsiteX9" fmla="*/ 362607 w 616633"/>
-              <a:gd name="connsiteY9" fmla="*/ 348537 h 460280"/>
-              <a:gd name="connsiteX10" fmla="*/ 457200 w 616633"/>
-              <a:gd name="connsiteY10" fmla="*/ 253944 h 460280"/>
-              <a:gd name="connsiteX11" fmla="*/ 472966 w 616633"/>
-              <a:gd name="connsiteY11" fmla="*/ 301240 h 460280"/>
-              <a:gd name="connsiteX12" fmla="*/ 504497 w 616633"/>
-              <a:gd name="connsiteY12" fmla="*/ 411599 h 460280"/>
-              <a:gd name="connsiteX13" fmla="*/ 551793 w 616633"/>
-              <a:gd name="connsiteY13" fmla="*/ 395833 h 460280"/>
-              <a:gd name="connsiteX14" fmla="*/ 599090 w 616633"/>
-              <a:gd name="connsiteY14" fmla="*/ 395833 h 460280"/>
-              <a:gd name="connsiteX15" fmla="*/ 614856 w 616633"/>
-              <a:gd name="connsiteY15" fmla="*/ 443130 h 460280"/>
-              <a:gd name="connsiteX16" fmla="*/ 488731 w 616633"/>
-              <a:gd name="connsiteY16" fmla="*/ 458895 h 460280"/>
-            </a:gdLst>
-            <a:ahLst/>
-            <a:cxnLst>
-              <a:cxn ang="0">
-                <a:pos x="connsiteX0" y="connsiteY0"/>
-              </a:cxn>
-              <a:cxn ang="0">
-                <a:pos x="connsiteX1" y="connsiteY1"/>
-              </a:cxn>
-              <a:cxn ang="0">
-                <a:pos x="connsiteX2" y="connsiteY2"/>
-              </a:cxn>
-              <a:cxn ang="0">
-                <a:pos x="connsiteX3" y="connsiteY3"/>
-              </a:cxn>
-              <a:cxn ang="0">
-                <a:pos x="connsiteX4" y="connsiteY4"/>
-              </a:cxn>
-              <a:cxn ang="0">
-                <a:pos x="connsiteX5" y="connsiteY5"/>
-              </a:cxn>
-              <a:cxn ang="0">
-                <a:pos x="connsiteX6" y="connsiteY6"/>
-              </a:cxn>
-              <a:cxn ang="0">
-                <a:pos x="connsiteX7" y="connsiteY7"/>
-              </a:cxn>
-              <a:cxn ang="0">
-                <a:pos x="connsiteX8" y="connsiteY8"/>
-              </a:cxn>
-              <a:cxn ang="0">
-                <a:pos x="connsiteX9" y="connsiteY9"/>
-              </a:cxn>
-              <a:cxn ang="0">
-                <a:pos x="connsiteX10" y="connsiteY10"/>
-              </a:cxn>
-              <a:cxn ang="0">
-                <a:pos x="connsiteX11" y="connsiteY11"/>
-              </a:cxn>
-              <a:cxn ang="0">
-                <a:pos x="connsiteX12" y="connsiteY12"/>
-              </a:cxn>
-              <a:cxn ang="0">
-                <a:pos x="connsiteX13" y="connsiteY13"/>
-              </a:cxn>
-              <a:cxn ang="0">
-                <a:pos x="connsiteX14" y="connsiteY14"/>
-              </a:cxn>
-              <a:cxn ang="0">
-                <a:pos x="connsiteX15" y="connsiteY15"/>
-              </a:cxn>
-              <a:cxn ang="0">
-                <a:pos x="connsiteX16" y="connsiteY16"/>
-              </a:cxn>
-            </a:cxnLst>
-            <a:rect l="l" t="t" r="r" b="b"/>
-            <a:pathLst>
-              <a:path w="616633" h="460280">
-                <a:moveTo>
-                  <a:pt x="0" y="33226"/>
-                </a:moveTo>
-                <a:cubicBezTo>
-                  <a:pt x="26276" y="27971"/>
-                  <a:pt x="52832" y="23960"/>
-                  <a:pt x="78828" y="17461"/>
-                </a:cubicBezTo>
-                <a:cubicBezTo>
-                  <a:pt x="94950" y="13430"/>
-                  <a:pt x="111261" y="-5737"/>
-                  <a:pt x="126125" y="1695"/>
-                </a:cubicBezTo>
-                <a:cubicBezTo>
-                  <a:pt x="140989" y="9127"/>
-                  <a:pt x="136635" y="33226"/>
-                  <a:pt x="141890" y="48992"/>
-                </a:cubicBezTo>
-                <a:cubicBezTo>
-                  <a:pt x="147145" y="112054"/>
-                  <a:pt x="134154" y="179423"/>
-                  <a:pt x="157656" y="238178"/>
-                </a:cubicBezTo>
-                <a:cubicBezTo>
-                  <a:pt x="164693" y="255770"/>
-                  <a:pt x="191554" y="220045"/>
-                  <a:pt x="204952" y="206647"/>
-                </a:cubicBezTo>
-                <a:cubicBezTo>
-                  <a:pt x="218350" y="193249"/>
-                  <a:pt x="225973" y="175116"/>
-                  <a:pt x="236483" y="159351"/>
-                </a:cubicBezTo>
-                <a:cubicBezTo>
-                  <a:pt x="246993" y="175116"/>
-                  <a:pt x="259540" y="189700"/>
-                  <a:pt x="268014" y="206647"/>
-                </a:cubicBezTo>
-                <a:cubicBezTo>
-                  <a:pt x="294427" y="259472"/>
-                  <a:pt x="294549" y="350871"/>
-                  <a:pt x="299545" y="395833"/>
-                </a:cubicBezTo>
-                <a:cubicBezTo>
-                  <a:pt x="320566" y="380068"/>
-                  <a:pt x="345304" y="368311"/>
-                  <a:pt x="362607" y="348537"/>
-                </a:cubicBezTo>
-                <a:cubicBezTo>
-                  <a:pt x="454590" y="243414"/>
-                  <a:pt x="361236" y="285931"/>
-                  <a:pt x="457200" y="253944"/>
-                </a:cubicBezTo>
-                <a:cubicBezTo>
-                  <a:pt x="462455" y="269709"/>
-                  <a:pt x="468401" y="285261"/>
-                  <a:pt x="472966" y="301240"/>
-                </a:cubicBezTo>
-                <a:cubicBezTo>
-                  <a:pt x="512561" y="439821"/>
-                  <a:pt x="466693" y="298191"/>
-                  <a:pt x="504497" y="411599"/>
-                </a:cubicBezTo>
-                <a:cubicBezTo>
-                  <a:pt x="520262" y="406344"/>
-                  <a:pt x="536929" y="388401"/>
-                  <a:pt x="551793" y="395833"/>
-                </a:cubicBezTo>
-                <a:cubicBezTo>
-                  <a:pt x="600748" y="420310"/>
-                  <a:pt x="527332" y="503471"/>
-                  <a:pt x="599090" y="395833"/>
-                </a:cubicBezTo>
-                <a:cubicBezTo>
-                  <a:pt x="604345" y="411599"/>
-                  <a:pt x="622288" y="428266"/>
-                  <a:pt x="614856" y="443130"/>
-                </a:cubicBezTo>
-                <a:cubicBezTo>
-                  <a:pt x="602819" y="467204"/>
-                  <a:pt x="489012" y="458895"/>
-                  <a:pt x="488731" y="458895"/>
-                </a:cubicBezTo>
-              </a:path>
-            </a:pathLst>
-          </a:custGeom>
-          <a:noFill/>
-        </p:spPr>
-        <p:style>
-          <a:lnRef idx="2">
-            <a:schemeClr val="accent1">
-              <a:shade val="50000"/>
-            </a:schemeClr>
-          </a:lnRef>
-          <a:fillRef idx="1">
-            <a:schemeClr val="accent1"/>
-          </a:fillRef>
-          <a:effectRef idx="0">
-            <a:schemeClr val="accent1"/>
-          </a:effectRef>
-          <a:fontRef idx="minor">
-            <a:schemeClr val="lt1"/>
-          </a:fontRef>
-        </p:style>
-        <p:txBody>
-          <a:bodyPr rtlCol="0" anchor="ctr"/>
-          <a:lstStyle/>
-          <a:p>
-            <a:pPr algn="ctr"/>
-            <a:endParaRPr lang="en-US"/>
-          </a:p>
-        </p:txBody>
-      </p:sp>
-      <p:sp>
-        <p:nvSpPr>
-          <p:cNvPr id="21" name="Right Arrow 20"/>
-          <p:cNvSpPr/>
-          <p:nvPr/>
-        </p:nvSpPr>
-        <p:spPr>
-          <a:xfrm rot="1144137">
-            <a:off x="3929903" y="2664222"/>
-            <a:ext cx="1820649" cy="723940"/>
-          </a:xfrm>
-          <a:prstGeom prst="rightArrow">
-            <a:avLst/>
-          </a:prstGeom>
-        </p:spPr>
-        <p:style>
-          <a:lnRef idx="2">
-            <a:schemeClr val="accent1">
-              <a:shade val="50000"/>
-            </a:schemeClr>
-          </a:lnRef>
-          <a:fillRef idx="1">
-            <a:schemeClr val="accent1"/>
-          </a:fillRef>
-          <a:effectRef idx="0">
-            <a:schemeClr val="accent1"/>
-          </a:effectRef>
-          <a:fontRef idx="minor">
-            <a:schemeClr val="lt1"/>
-          </a:fontRef>
-        </p:style>
-        <p:txBody>
-          <a:bodyPr rtlCol="0" anchor="ctr"/>
-          <a:lstStyle/>
-          <a:p>
-            <a:pPr algn="ctr"/>
-            <a:endParaRPr lang="en-US"/>
-          </a:p>
-        </p:txBody>
-      </p:sp>
-      <p:sp>
-        <p:nvSpPr>
-          <p:cNvPr id="23" name="Rectangle 22"/>
-          <p:cNvSpPr/>
-          <p:nvPr/>
-        </p:nvSpPr>
-        <p:spPr>
-          <a:xfrm>
-            <a:off x="2807256" y="5985549"/>
-            <a:ext cx="1260593" cy="562997"/>
-          </a:xfrm>
-          <a:prstGeom prst="rect">
-            <a:avLst/>
-          </a:prstGeom>
-        </p:spPr>
-        <p:style>
-          <a:lnRef idx="2">
-            <a:schemeClr val="accent1">
-              <a:shade val="50000"/>
-            </a:schemeClr>
-          </a:lnRef>
-          <a:fillRef idx="1">
-            <a:schemeClr val="accent1"/>
-          </a:fillRef>
-          <a:effectRef idx="0">
-            <a:schemeClr val="accent1"/>
-          </a:effectRef>
-          <a:fontRef idx="minor">
-            <a:schemeClr val="lt1"/>
-          </a:fontRef>
-        </p:style>
-        <p:txBody>
-          <a:bodyPr rtlCol="0" anchor="ctr"/>
-          <a:lstStyle/>
-          <a:p>
-            <a:pPr algn="ctr"/>
-            <a:r>
-              <a:rPr lang="en-US" dirty="0" smtClean="0"/>
-              <a:t>Milk Pump</a:t>
-            </a:r>
-            <a:endParaRPr lang="en-US" dirty="0"/>
-          </a:p>
-        </p:txBody>
-      </p:sp>
-      <p:sp>
-        <p:nvSpPr>
-          <p:cNvPr id="34" name="Right Arrow 33"/>
-          <p:cNvSpPr/>
-          <p:nvPr/>
-        </p:nvSpPr>
-        <p:spPr>
-          <a:xfrm rot="3372987">
-            <a:off x="2981422" y="5570877"/>
-            <a:ext cx="510172" cy="306453"/>
-          </a:xfrm>
-          <a:prstGeom prst="rightArrow">
-            <a:avLst/>
-          </a:prstGeom>
-        </p:spPr>
-        <p:style>
-          <a:lnRef idx="2">
-            <a:schemeClr val="accent1">
-              <a:shade val="50000"/>
-            </a:schemeClr>
-          </a:lnRef>
-          <a:fillRef idx="1">
-            <a:schemeClr val="accent1"/>
-          </a:fillRef>
-          <a:effectRef idx="0">
-            <a:schemeClr val="accent1"/>
-          </a:effectRef>
-          <a:fontRef idx="minor">
-            <a:schemeClr val="lt1"/>
-          </a:fontRef>
-        </p:style>
-        <p:txBody>
-          <a:bodyPr rtlCol="0" anchor="ctr"/>
-          <a:lstStyle/>
-          <a:p>
-            <a:pPr algn="ctr"/>
-            <a:endParaRPr lang="en-US"/>
-          </a:p>
-        </p:txBody>
-      </p:sp>
-      <p:sp>
-        <p:nvSpPr>
-          <p:cNvPr id="35" name="Rectangle 34"/>
-          <p:cNvSpPr/>
-          <p:nvPr/>
-        </p:nvSpPr>
-        <p:spPr>
-          <a:xfrm>
-            <a:off x="5656083" y="5497465"/>
-            <a:ext cx="1051384" cy="884003"/>
-          </a:xfrm>
-          <a:prstGeom prst="rect">
-            <a:avLst/>
-          </a:prstGeom>
-        </p:spPr>
-        <p:style>
-          <a:lnRef idx="2">
-            <a:schemeClr val="accent1">
-              <a:shade val="50000"/>
-            </a:schemeClr>
-          </a:lnRef>
-          <a:fillRef idx="1">
-            <a:schemeClr val="accent1"/>
-          </a:fillRef>
-          <a:effectRef idx="0">
-            <a:schemeClr val="accent1"/>
-          </a:effectRef>
-          <a:fontRef idx="minor">
-            <a:schemeClr val="lt1"/>
-          </a:fontRef>
-        </p:style>
-        <p:txBody>
-          <a:bodyPr rtlCol="0" anchor="ctr"/>
-          <a:lstStyle/>
-          <a:p>
-            <a:pPr algn="ctr"/>
-            <a:r>
-              <a:rPr lang="en-US" dirty="0" smtClean="0"/>
-              <a:t>Bowl</a:t>
-            </a:r>
-            <a:endParaRPr lang="en-US" dirty="0"/>
-          </a:p>
-        </p:txBody>
-      </p:sp>
-      <p:sp>
-        <p:nvSpPr>
-          <p:cNvPr id="42" name="Rectangle 41"/>
-          <p:cNvSpPr/>
-          <p:nvPr/>
-        </p:nvSpPr>
-        <p:spPr>
-          <a:xfrm>
-            <a:off x="8333487" y="5880208"/>
-            <a:ext cx="1583429" cy="773678"/>
-          </a:xfrm>
-          <a:prstGeom prst="rect">
-            <a:avLst/>
-          </a:prstGeom>
-        </p:spPr>
-        <p:style>
-          <a:lnRef idx="2">
-            <a:schemeClr val="accent1">
-              <a:shade val="50000"/>
-            </a:schemeClr>
-          </a:lnRef>
-          <a:fillRef idx="1">
-            <a:schemeClr val="accent1"/>
-          </a:fillRef>
-          <a:effectRef idx="0">
-            <a:schemeClr val="accent1"/>
-          </a:effectRef>
-          <a:fontRef idx="minor">
-            <a:schemeClr val="lt1"/>
-          </a:fontRef>
-        </p:style>
-        <p:txBody>
-          <a:bodyPr rtlCol="0" anchor="ctr"/>
-          <a:lstStyle/>
-          <a:p>
-            <a:pPr algn="ctr"/>
-            <a:r>
-              <a:rPr lang="en-US" dirty="0" smtClean="0"/>
-              <a:t>Cereal Dispensing Motors</a:t>
-            </a:r>
-            <a:endParaRPr lang="en-US" dirty="0"/>
-          </a:p>
-        </p:txBody>
-      </p:sp>
-      <p:sp>
-        <p:nvSpPr>
-          <p:cNvPr id="43" name="Right Arrow 42"/>
-          <p:cNvSpPr/>
-          <p:nvPr/>
-        </p:nvSpPr>
-        <p:spPr>
-          <a:xfrm rot="7419508">
-            <a:off x="8661630" y="5495436"/>
-            <a:ext cx="510172" cy="306453"/>
-          </a:xfrm>
-          <a:prstGeom prst="rightArrow">
-            <a:avLst/>
-          </a:prstGeom>
-        </p:spPr>
-        <p:style>
-          <a:lnRef idx="2">
-            <a:schemeClr val="accent1">
-              <a:shade val="50000"/>
-            </a:schemeClr>
-          </a:lnRef>
-          <a:fillRef idx="1">
-            <a:schemeClr val="accent1"/>
-          </a:fillRef>
-          <a:effectRef idx="0">
-            <a:schemeClr val="accent1"/>
-          </a:effectRef>
-          <a:fontRef idx="minor">
-            <a:schemeClr val="lt1"/>
-          </a:fontRef>
-        </p:style>
-        <p:txBody>
-          <a:bodyPr rtlCol="0" anchor="ctr"/>
-          <a:lstStyle/>
-          <a:p>
-            <a:pPr algn="ctr"/>
-            <a:endParaRPr lang="en-US"/>
-          </a:p>
-        </p:txBody>
-      </p:sp>
-      <p:sp>
-        <p:nvSpPr>
-          <p:cNvPr id="36" name="Rectangle 35"/>
-          <p:cNvSpPr/>
-          <p:nvPr/>
-        </p:nvSpPr>
-        <p:spPr>
-          <a:xfrm>
-            <a:off x="9916916" y="735825"/>
-            <a:ext cx="1465787" cy="622759"/>
-          </a:xfrm>
-          <a:prstGeom prst="rect">
-            <a:avLst/>
-          </a:prstGeom>
-        </p:spPr>
-        <p:style>
-          <a:lnRef idx="2">
-            <a:schemeClr val="accent1">
-              <a:shade val="50000"/>
-            </a:schemeClr>
-          </a:lnRef>
-          <a:fillRef idx="1">
-            <a:schemeClr val="accent1"/>
-          </a:fillRef>
-          <a:effectRef idx="0">
-            <a:schemeClr val="accent1"/>
-          </a:effectRef>
-          <a:fontRef idx="minor">
-            <a:schemeClr val="lt1"/>
-          </a:fontRef>
-        </p:style>
-        <p:txBody>
-          <a:bodyPr rtlCol="0" anchor="ctr"/>
-          <a:lstStyle/>
-          <a:p>
-            <a:pPr algn="ctr"/>
-            <a:r>
-              <a:rPr lang="en-US" dirty="0" smtClean="0"/>
-              <a:t>Display</a:t>
-            </a:r>
-            <a:endParaRPr lang="en-US" dirty="0"/>
-          </a:p>
-        </p:txBody>
-      </p:sp>
-      <p:sp>
-        <p:nvSpPr>
-          <p:cNvPr id="38" name="Rectangle 37"/>
-          <p:cNvSpPr/>
-          <p:nvPr/>
-        </p:nvSpPr>
-        <p:spPr>
-          <a:xfrm>
-            <a:off x="2942626" y="461326"/>
-            <a:ext cx="1142766" cy="602079"/>
-          </a:xfrm>
-          <a:prstGeom prst="rect">
-            <a:avLst/>
-          </a:prstGeom>
-        </p:spPr>
-        <p:style>
-          <a:lnRef idx="2">
-            <a:schemeClr val="accent1">
-              <a:shade val="50000"/>
-            </a:schemeClr>
-          </a:lnRef>
-          <a:fillRef idx="1">
-            <a:schemeClr val="accent1"/>
-          </a:fillRef>
-          <a:effectRef idx="0">
-            <a:schemeClr val="accent1"/>
-          </a:effectRef>
-          <a:fontRef idx="minor">
-            <a:schemeClr val="lt1"/>
-          </a:fontRef>
-        </p:style>
-        <p:txBody>
-          <a:bodyPr rtlCol="0" anchor="ctr"/>
-          <a:lstStyle/>
-          <a:p>
-            <a:pPr algn="ctr"/>
-            <a:r>
-              <a:rPr lang="en-US" dirty="0" smtClean="0"/>
-              <a:t>Speaker</a:t>
-            </a:r>
-            <a:endParaRPr lang="en-US" dirty="0"/>
-          </a:p>
-        </p:txBody>
-      </p:sp>
-      <p:sp>
-        <p:nvSpPr>
-          <p:cNvPr id="45" name="Right Arrow 44"/>
-          <p:cNvSpPr/>
-          <p:nvPr/>
-        </p:nvSpPr>
-        <p:spPr>
-          <a:xfrm rot="11131607">
-            <a:off x="4100213" y="603793"/>
-            <a:ext cx="789680" cy="400103"/>
-          </a:xfrm>
-          <a:prstGeom prst="rightArrow">
-            <a:avLst/>
-          </a:prstGeom>
-        </p:spPr>
-        <p:style>
-          <a:lnRef idx="2">
-            <a:schemeClr val="accent1">
-              <a:shade val="50000"/>
-            </a:schemeClr>
-          </a:lnRef>
-          <a:fillRef idx="1">
-            <a:schemeClr val="accent1"/>
-          </a:fillRef>
-          <a:effectRef idx="0">
-            <a:schemeClr val="accent1"/>
-          </a:effectRef>
-          <a:fontRef idx="minor">
-            <a:schemeClr val="lt1"/>
-          </a:fontRef>
-        </p:style>
-        <p:txBody>
-          <a:bodyPr rtlCol="0" anchor="ctr"/>
-          <a:lstStyle/>
-          <a:p>
-            <a:pPr algn="ctr"/>
-            <a:endParaRPr lang="en-US"/>
-          </a:p>
-        </p:txBody>
-      </p:sp>
-      <p:sp>
-        <p:nvSpPr>
-          <p:cNvPr id="47" name="Right Arrow 46"/>
-          <p:cNvSpPr/>
-          <p:nvPr/>
-        </p:nvSpPr>
-        <p:spPr>
-          <a:xfrm rot="327079">
-            <a:off x="9225622" y="917160"/>
-            <a:ext cx="678936" cy="292490"/>
-          </a:xfrm>
-          <a:prstGeom prst="rightArrow">
-            <a:avLst/>
-          </a:prstGeom>
-        </p:spPr>
-        <p:style>
-          <a:lnRef idx="2">
-            <a:schemeClr val="accent1">
-              <a:shade val="50000"/>
-            </a:schemeClr>
-          </a:lnRef>
-          <a:fillRef idx="1">
-            <a:schemeClr val="accent1"/>
-          </a:fillRef>
-          <a:effectRef idx="0">
-            <a:schemeClr val="accent1"/>
-          </a:effectRef>
-          <a:fontRef idx="minor">
-            <a:schemeClr val="lt1"/>
-          </a:fontRef>
-        </p:style>
-        <p:txBody>
-          <a:bodyPr rtlCol="0" anchor="ctr"/>
-          <a:lstStyle/>
-          <a:p>
-            <a:pPr algn="ctr"/>
-            <a:endParaRPr lang="en-US"/>
-          </a:p>
-        </p:txBody>
-      </p:sp>
-      <p:sp>
-        <p:nvSpPr>
-          <p:cNvPr id="40" name="Equal 39"/>
-          <p:cNvSpPr/>
-          <p:nvPr/>
-        </p:nvSpPr>
-        <p:spPr>
-          <a:xfrm>
-            <a:off x="8614744" y="3076197"/>
-            <a:ext cx="2604344" cy="1008843"/>
-          </a:xfrm>
-          <a:prstGeom prst="mathEqual">
-            <a:avLst>
-              <a:gd name="adj1" fmla="val 11018"/>
-              <a:gd name="adj2" fmla="val 77964"/>
-            </a:avLst>
-          </a:prstGeom>
-        </p:spPr>
-        <p:style>
-          <a:lnRef idx="2">
-            <a:schemeClr val="accent1">
-              <a:shade val="50000"/>
-            </a:schemeClr>
-          </a:lnRef>
-          <a:fillRef idx="1">
-            <a:schemeClr val="accent1"/>
-          </a:fillRef>
-          <a:effectRef idx="0">
-            <a:schemeClr val="accent1"/>
-          </a:effectRef>
-          <a:fontRef idx="minor">
-            <a:schemeClr val="lt1"/>
-          </a:fontRef>
-        </p:style>
-        <p:txBody>
-          <a:bodyPr rtlCol="0" anchor="ctr"/>
-          <a:lstStyle/>
-          <a:p>
-            <a:pPr algn="ctr"/>
-            <a:r>
-              <a:rPr lang="en-US" dirty="0" smtClean="0">
+        </p:grpSpPr>
+        <p:grpSp>
+          <p:nvGrpSpPr>
+            <p:cNvPr id="2" name="Group 1"/>
+            <p:cNvGrpSpPr/>
+            <p:nvPr/>
+          </p:nvGrpSpPr>
+          <p:grpSpPr>
+            <a:xfrm>
+              <a:off x="84220" y="1118937"/>
+              <a:ext cx="12031579" cy="5571045"/>
+              <a:chOff x="510224" y="177507"/>
+              <a:chExt cx="10872479" cy="6476379"/>
+            </a:xfrm>
+          </p:grpSpPr>
+          <p:sp>
+            <p:nvSpPr>
+              <p:cNvPr id="4" name="Oval 3">
+                <a:extLst>
+                  <a:ext uri="{FF2B5EF4-FFF2-40B4-BE49-F238E27FC236}">
+                    <a16:creationId xmlns:a16="http://schemas.microsoft.com/office/drawing/2014/main" xmlns="" id="{C5313E0B-547C-4E04-B979-0792C2A89D2E}"/>
+                  </a:ext>
+                </a:extLst>
+              </p:cNvPr>
+              <p:cNvSpPr/>
+              <p:nvPr/>
+            </p:nvSpPr>
+            <p:spPr>
+              <a:xfrm>
+                <a:off x="5656083" y="2873406"/>
+                <a:ext cx="1335463" cy="1245517"/>
+              </a:xfrm>
+              <a:prstGeom prst="ellipse">
+                <a:avLst/>
+              </a:prstGeom>
+            </p:spPr>
+            <p:style>
+              <a:lnRef idx="2">
+                <a:schemeClr val="accent1">
+                  <a:shade val="50000"/>
+                </a:schemeClr>
+              </a:lnRef>
+              <a:fillRef idx="1">
+                <a:schemeClr val="accent1"/>
+              </a:fillRef>
+              <a:effectRef idx="0">
+                <a:schemeClr val="accent1"/>
+              </a:effectRef>
+              <a:fontRef idx="minor">
+                <a:schemeClr val="lt1"/>
+              </a:fontRef>
+            </p:style>
+            <p:txBody>
+              <a:bodyPr rtlCol="0" anchor="ctr"/>
+              <a:lstStyle/>
+              <a:p>
+                <a:pPr algn="ctr"/>
+                <a:r>
+                  <a:rPr lang="en-US" dirty="0"/>
+                  <a:t>Main Control Module</a:t>
+                </a:r>
+              </a:p>
+            </p:txBody>
+          </p:sp>
+          <p:sp>
+            <p:nvSpPr>
+              <p:cNvPr id="7" name="Arrow: Right 6">
+                <a:extLst>
+                  <a:ext uri="{FF2B5EF4-FFF2-40B4-BE49-F238E27FC236}">
+                    <a16:creationId xmlns:a16="http://schemas.microsoft.com/office/drawing/2014/main" xmlns="" id="{0EBEE394-3906-42E6-A819-4359192806D5}"/>
+                  </a:ext>
+                </a:extLst>
+              </p:cNvPr>
+              <p:cNvSpPr/>
+              <p:nvPr/>
+            </p:nvSpPr>
+            <p:spPr>
+              <a:xfrm>
+                <a:off x="7204136" y="3038052"/>
+                <a:ext cx="1543937" cy="458113"/>
+              </a:xfrm>
+              <a:prstGeom prst="rightArrow">
+                <a:avLst/>
+              </a:prstGeom>
+            </p:spPr>
+            <p:style>
+              <a:lnRef idx="2">
+                <a:schemeClr val="accent1">
+                  <a:shade val="50000"/>
+                </a:schemeClr>
+              </a:lnRef>
+              <a:fillRef idx="1">
+                <a:schemeClr val="accent1"/>
+              </a:fillRef>
+              <a:effectRef idx="0">
+                <a:schemeClr val="accent1"/>
+              </a:effectRef>
+              <a:fontRef idx="minor">
+                <a:schemeClr val="lt1"/>
+              </a:fontRef>
+            </p:style>
+            <p:txBody>
+              <a:bodyPr rtlCol="0" anchor="ctr"/>
+              <a:lstStyle/>
+              <a:p>
+                <a:pPr algn="ctr"/>
+                <a:r>
+                  <a:rPr lang="en-US" dirty="0"/>
+                  <a:t>Request Info</a:t>
+                </a:r>
+              </a:p>
+            </p:txBody>
+          </p:sp>
+          <p:sp>
+            <p:nvSpPr>
+              <p:cNvPr id="8" name="Arrow: Right 7">
+                <a:extLst>
+                  <a:ext uri="{FF2B5EF4-FFF2-40B4-BE49-F238E27FC236}">
+                    <a16:creationId xmlns:a16="http://schemas.microsoft.com/office/drawing/2014/main" xmlns="" id="{47C041F1-21A4-4E98-8AA6-D169B5D634DF}"/>
+                  </a:ext>
+                </a:extLst>
+              </p:cNvPr>
+              <p:cNvSpPr/>
+              <p:nvPr/>
+            </p:nvSpPr>
+            <p:spPr>
+              <a:xfrm rot="10800000" flipV="1">
+                <a:off x="6991546" y="3429000"/>
+                <a:ext cx="1756528" cy="689923"/>
+              </a:xfrm>
+              <a:prstGeom prst="rightArrow">
+                <a:avLst/>
+              </a:prstGeom>
+            </p:spPr>
+            <p:style>
+              <a:lnRef idx="2">
+                <a:schemeClr val="accent1">
+                  <a:shade val="50000"/>
+                </a:schemeClr>
+              </a:lnRef>
+              <a:fillRef idx="1">
+                <a:schemeClr val="accent1"/>
+              </a:fillRef>
+              <a:effectRef idx="0">
+                <a:schemeClr val="accent1"/>
+              </a:effectRef>
+              <a:fontRef idx="minor">
+                <a:schemeClr val="lt1"/>
+              </a:fontRef>
+            </p:style>
+            <p:txBody>
+              <a:bodyPr rtlCol="0" anchor="ctr"/>
+              <a:lstStyle/>
+              <a:p>
+                <a:pPr algn="ctr"/>
+                <a:r>
+                  <a:rPr lang="en-US" dirty="0"/>
+                  <a:t>Retrieve Info</a:t>
+                </a:r>
+              </a:p>
+            </p:txBody>
+          </p:sp>
+          <p:sp>
+            <p:nvSpPr>
+              <p:cNvPr id="10" name="Oval 9">
+                <a:extLst>
+                  <a:ext uri="{FF2B5EF4-FFF2-40B4-BE49-F238E27FC236}">
+                    <a16:creationId xmlns:a16="http://schemas.microsoft.com/office/drawing/2014/main" xmlns="" id="{95BDDDFF-5E13-441C-BA28-8704AADF3220}"/>
+                  </a:ext>
+                </a:extLst>
+              </p:cNvPr>
+              <p:cNvSpPr/>
+              <p:nvPr/>
+            </p:nvSpPr>
+            <p:spPr>
+              <a:xfrm>
+                <a:off x="7869811" y="417136"/>
+                <a:ext cx="1302470" cy="1015736"/>
+              </a:xfrm>
+              <a:prstGeom prst="ellipse">
+                <a:avLst/>
+              </a:prstGeom>
+            </p:spPr>
+            <p:style>
+              <a:lnRef idx="2">
+                <a:schemeClr val="accent1">
+                  <a:shade val="50000"/>
+                </a:schemeClr>
+              </a:lnRef>
+              <a:fillRef idx="1">
+                <a:schemeClr val="accent1"/>
+              </a:fillRef>
+              <a:effectRef idx="0">
+                <a:schemeClr val="accent1"/>
+              </a:effectRef>
+              <a:fontRef idx="minor">
+                <a:schemeClr val="lt1"/>
+              </a:fontRef>
+            </p:style>
+            <p:txBody>
+              <a:bodyPr rtlCol="0" anchor="ctr"/>
+              <a:lstStyle/>
+              <a:p>
+                <a:pPr algn="ctr"/>
+                <a:r>
+                  <a:rPr lang="en-US" dirty="0"/>
+                  <a:t>Display Module</a:t>
+                </a:r>
+              </a:p>
+              <a:p>
+                <a:pPr algn="ctr"/>
+                <a:endParaRPr lang="en-US" dirty="0"/>
+              </a:p>
+            </p:txBody>
+          </p:sp>
+          <p:sp>
+            <p:nvSpPr>
+              <p:cNvPr id="11" name="Arrow: Right 10">
+                <a:extLst>
+                  <a:ext uri="{FF2B5EF4-FFF2-40B4-BE49-F238E27FC236}">
+                    <a16:creationId xmlns:a16="http://schemas.microsoft.com/office/drawing/2014/main" xmlns="" id="{A9AE702D-41B2-451D-8979-7C43757D9DF8}"/>
+                  </a:ext>
+                </a:extLst>
+              </p:cNvPr>
+              <p:cNvSpPr/>
+              <p:nvPr/>
+            </p:nvSpPr>
+            <p:spPr>
+              <a:xfrm rot="18551164">
+                <a:off x="6163670" y="1763891"/>
+                <a:ext cx="2080607" cy="575033"/>
+              </a:xfrm>
+              <a:prstGeom prst="rightArrow">
+                <a:avLst/>
+              </a:prstGeom>
+            </p:spPr>
+            <p:style>
+              <a:lnRef idx="2">
+                <a:schemeClr val="accent1">
+                  <a:shade val="50000"/>
+                </a:schemeClr>
+              </a:lnRef>
+              <a:fillRef idx="1">
+                <a:schemeClr val="accent1"/>
+              </a:fillRef>
+              <a:effectRef idx="0">
+                <a:schemeClr val="accent1"/>
+              </a:effectRef>
+              <a:fontRef idx="minor">
+                <a:schemeClr val="lt1"/>
+              </a:fontRef>
+            </p:style>
+            <p:txBody>
+              <a:bodyPr rtlCol="0" anchor="ctr"/>
+              <a:lstStyle/>
+              <a:p>
+                <a:pPr algn="ctr"/>
+                <a:r>
+                  <a:rPr lang="en-US" dirty="0"/>
+                  <a:t>Output Signal</a:t>
+                </a:r>
+              </a:p>
+            </p:txBody>
+          </p:sp>
+          <p:sp>
+            <p:nvSpPr>
+              <p:cNvPr id="12" name="Arrow: Right 11">
+                <a:extLst>
+                  <a:ext uri="{FF2B5EF4-FFF2-40B4-BE49-F238E27FC236}">
+                    <a16:creationId xmlns:a16="http://schemas.microsoft.com/office/drawing/2014/main" xmlns="" id="{8D289C19-E9A8-4101-B8D9-0FA055B78844}"/>
+                  </a:ext>
+                </a:extLst>
+              </p:cNvPr>
+              <p:cNvSpPr/>
+              <p:nvPr/>
+            </p:nvSpPr>
+            <p:spPr>
+              <a:xfrm rot="7899070" flipV="1">
+                <a:off x="6775904" y="1962369"/>
+                <a:ext cx="1756528" cy="503954"/>
+              </a:xfrm>
+              <a:prstGeom prst="rightArrow">
+                <a:avLst/>
+              </a:prstGeom>
+            </p:spPr>
+            <p:style>
+              <a:lnRef idx="2">
+                <a:schemeClr val="accent1">
+                  <a:shade val="50000"/>
+                </a:schemeClr>
+              </a:lnRef>
+              <a:fillRef idx="1">
+                <a:schemeClr val="accent1"/>
+              </a:fillRef>
+              <a:effectRef idx="0">
+                <a:schemeClr val="accent1"/>
+              </a:effectRef>
+              <a:fontRef idx="minor">
+                <a:schemeClr val="lt1"/>
+              </a:fontRef>
+            </p:style>
+            <p:txBody>
+              <a:bodyPr rtlCol="0" anchor="ctr"/>
+              <a:lstStyle/>
+              <a:p>
+                <a:pPr algn="ctr"/>
+                <a:r>
+                  <a:rPr lang="en-US" dirty="0"/>
+                  <a:t>Request Info</a:t>
+                </a:r>
+              </a:p>
+            </p:txBody>
+          </p:sp>
+          <p:sp>
+            <p:nvSpPr>
+              <p:cNvPr id="13" name="Oval 12">
+                <a:extLst>
+                  <a:ext uri="{FF2B5EF4-FFF2-40B4-BE49-F238E27FC236}">
+                    <a16:creationId xmlns:a16="http://schemas.microsoft.com/office/drawing/2014/main" xmlns="" id="{5F0A5D71-78F8-4DBF-B682-5C39CA16E58F}"/>
+                  </a:ext>
+                </a:extLst>
+              </p:cNvPr>
+              <p:cNvSpPr/>
+              <p:nvPr/>
+            </p:nvSpPr>
+            <p:spPr>
+              <a:xfrm>
+                <a:off x="8909280" y="4581537"/>
+                <a:ext cx="1756528" cy="1015736"/>
+              </a:xfrm>
+              <a:prstGeom prst="ellipse">
+                <a:avLst/>
+              </a:prstGeom>
+            </p:spPr>
+            <p:style>
+              <a:lnRef idx="2">
+                <a:schemeClr val="accent1">
+                  <a:shade val="50000"/>
+                </a:schemeClr>
+              </a:lnRef>
+              <a:fillRef idx="1">
+                <a:schemeClr val="accent1"/>
+              </a:fillRef>
+              <a:effectRef idx="0">
+                <a:schemeClr val="accent1"/>
+              </a:effectRef>
+              <a:fontRef idx="minor">
+                <a:schemeClr val="lt1"/>
+              </a:fontRef>
+            </p:style>
+            <p:txBody>
+              <a:bodyPr rtlCol="0" anchor="ctr"/>
+              <a:lstStyle/>
+              <a:p>
+                <a:pPr algn="ctr"/>
+                <a:r>
+                  <a:rPr lang="en-US" dirty="0"/>
+                  <a:t>Cereal Dispensing Module</a:t>
+                </a:r>
+              </a:p>
+            </p:txBody>
+          </p:sp>
+          <p:sp>
+            <p:nvSpPr>
+              <p:cNvPr id="15" name="Arrow: Right 14">
+                <a:extLst>
+                  <a:ext uri="{FF2B5EF4-FFF2-40B4-BE49-F238E27FC236}">
+                    <a16:creationId xmlns:a16="http://schemas.microsoft.com/office/drawing/2014/main" xmlns="" id="{20CA004A-E8E9-4432-B816-F13D1FD9E527}"/>
+                  </a:ext>
+                </a:extLst>
+              </p:cNvPr>
+              <p:cNvSpPr/>
+              <p:nvPr/>
+            </p:nvSpPr>
+            <p:spPr>
+              <a:xfrm rot="1387462">
+                <a:off x="6682618" y="4315219"/>
+                <a:ext cx="2323663" cy="580369"/>
+              </a:xfrm>
+              <a:prstGeom prst="rightArrow">
+                <a:avLst/>
+              </a:prstGeom>
+            </p:spPr>
+            <p:style>
+              <a:lnRef idx="2">
+                <a:schemeClr val="accent1">
+                  <a:shade val="50000"/>
+                </a:schemeClr>
+              </a:lnRef>
+              <a:fillRef idx="1">
+                <a:schemeClr val="accent1"/>
+              </a:fillRef>
+              <a:effectRef idx="0">
+                <a:schemeClr val="accent1"/>
+              </a:effectRef>
+              <a:fontRef idx="minor">
+                <a:schemeClr val="lt1"/>
+              </a:fontRef>
+            </p:style>
+            <p:txBody>
+              <a:bodyPr rtlCol="0" anchor="ctr"/>
+              <a:lstStyle/>
+              <a:p>
+                <a:pPr algn="ctr"/>
+                <a:r>
+                  <a:rPr lang="en-US" sz="1300" dirty="0"/>
+                  <a:t>Cereal Dispensing Commands</a:t>
+                </a:r>
+              </a:p>
+            </p:txBody>
+          </p:sp>
+          <p:sp>
+            <p:nvSpPr>
+              <p:cNvPr id="16" name="Arrow: Right 15">
+                <a:extLst>
+                  <a:ext uri="{FF2B5EF4-FFF2-40B4-BE49-F238E27FC236}">
+                    <a16:creationId xmlns:a16="http://schemas.microsoft.com/office/drawing/2014/main" xmlns="" id="{19ADEE23-9535-4B7C-8E9E-FAC5D7910C2B}"/>
+                  </a:ext>
+                </a:extLst>
+              </p:cNvPr>
+              <p:cNvSpPr/>
+              <p:nvPr/>
+            </p:nvSpPr>
+            <p:spPr>
+              <a:xfrm flipH="1">
+                <a:off x="6755727" y="5928924"/>
+                <a:ext cx="1529500" cy="458113"/>
+              </a:xfrm>
+              <a:prstGeom prst="rightArrow">
+                <a:avLst/>
+              </a:prstGeom>
+            </p:spPr>
+            <p:style>
+              <a:lnRef idx="2">
+                <a:schemeClr val="accent1">
+                  <a:shade val="50000"/>
+                </a:schemeClr>
+              </a:lnRef>
+              <a:fillRef idx="1">
+                <a:schemeClr val="accent1"/>
+              </a:fillRef>
+              <a:effectRef idx="0">
+                <a:schemeClr val="accent1"/>
+              </a:effectRef>
+              <a:fontRef idx="minor">
+                <a:schemeClr val="lt1"/>
+              </a:fontRef>
+            </p:style>
+            <p:txBody>
+              <a:bodyPr rtlCol="0" anchor="ctr"/>
+              <a:lstStyle/>
+              <a:p>
+                <a:pPr algn="ctr"/>
+                <a:r>
+                  <a:rPr lang="en-US" dirty="0"/>
+                  <a:t>Drop Cereal</a:t>
+                </a:r>
+              </a:p>
+            </p:txBody>
+          </p:sp>
+          <p:sp>
+            <p:nvSpPr>
+              <p:cNvPr id="18" name="Arrow: Right 17">
+                <a:extLst>
+                  <a:ext uri="{FF2B5EF4-FFF2-40B4-BE49-F238E27FC236}">
+                    <a16:creationId xmlns:a16="http://schemas.microsoft.com/office/drawing/2014/main" xmlns="" id="{B8E7918F-A836-4578-9571-907A74812FCA}"/>
+                  </a:ext>
+                </a:extLst>
+              </p:cNvPr>
+              <p:cNvSpPr/>
+              <p:nvPr/>
+            </p:nvSpPr>
+            <p:spPr>
+              <a:xfrm rot="21007349">
+                <a:off x="4113903" y="5907738"/>
+                <a:ext cx="1400804" cy="458113"/>
+              </a:xfrm>
+              <a:prstGeom prst="rightArrow">
+                <a:avLst/>
+              </a:prstGeom>
+            </p:spPr>
+            <p:style>
+              <a:lnRef idx="2">
+                <a:schemeClr val="accent1">
+                  <a:shade val="50000"/>
+                </a:schemeClr>
+              </a:lnRef>
+              <a:fillRef idx="1">
+                <a:schemeClr val="accent1"/>
+              </a:fillRef>
+              <a:effectRef idx="0">
+                <a:schemeClr val="accent1"/>
+              </a:effectRef>
+              <a:fontRef idx="minor">
+                <a:schemeClr val="lt1"/>
+              </a:fontRef>
+            </p:style>
+            <p:txBody>
+              <a:bodyPr rtlCol="0" anchor="ctr"/>
+              <a:lstStyle/>
+              <a:p>
+                <a:pPr algn="ctr"/>
+                <a:r>
+                  <a:rPr lang="en-US" dirty="0"/>
+                  <a:t>Drop Milk</a:t>
+                </a:r>
+              </a:p>
+            </p:txBody>
+          </p:sp>
+          <p:sp>
+            <p:nvSpPr>
+              <p:cNvPr id="19" name="Oval 18">
+                <a:extLst>
+                  <a:ext uri="{FF2B5EF4-FFF2-40B4-BE49-F238E27FC236}">
+                    <a16:creationId xmlns:a16="http://schemas.microsoft.com/office/drawing/2014/main" xmlns="" id="{269FB962-68FD-40A9-9DAC-2C9ADB046A5C}"/>
+                  </a:ext>
+                </a:extLst>
+              </p:cNvPr>
+              <p:cNvSpPr/>
+              <p:nvPr/>
+            </p:nvSpPr>
+            <p:spPr>
+              <a:xfrm>
+                <a:off x="1812625" y="4277407"/>
+                <a:ext cx="1780244" cy="1245517"/>
+              </a:xfrm>
+              <a:prstGeom prst="ellipse">
+                <a:avLst/>
+              </a:prstGeom>
+            </p:spPr>
+            <p:style>
+              <a:lnRef idx="2">
+                <a:schemeClr val="accent1">
+                  <a:shade val="50000"/>
+                </a:schemeClr>
+              </a:lnRef>
+              <a:fillRef idx="1">
+                <a:schemeClr val="accent1"/>
+              </a:fillRef>
+              <a:effectRef idx="0">
+                <a:schemeClr val="accent1"/>
+              </a:effectRef>
+              <a:fontRef idx="minor">
+                <a:schemeClr val="lt1"/>
+              </a:fontRef>
+            </p:style>
+            <p:txBody>
+              <a:bodyPr rtlCol="0" anchor="ctr"/>
+              <a:lstStyle/>
+              <a:p>
+                <a:pPr algn="ctr"/>
+                <a:r>
+                  <a:rPr lang="en-US" dirty="0"/>
+                  <a:t>Milk Dispensing Module</a:t>
+                </a:r>
+              </a:p>
+            </p:txBody>
+          </p:sp>
+          <p:sp>
+            <p:nvSpPr>
+              <p:cNvPr id="20" name="Arrow: Right 19">
+                <a:extLst>
+                  <a:ext uri="{FF2B5EF4-FFF2-40B4-BE49-F238E27FC236}">
+                    <a16:creationId xmlns:a16="http://schemas.microsoft.com/office/drawing/2014/main" xmlns="" id="{1E83FAAC-28F9-46B8-AFB2-F5CA5F7AD5F0}"/>
+                  </a:ext>
+                </a:extLst>
+              </p:cNvPr>
+              <p:cNvSpPr/>
+              <p:nvPr/>
+            </p:nvSpPr>
+            <p:spPr>
+              <a:xfrm rot="8974749" flipV="1">
+                <a:off x="3483373" y="4108456"/>
+                <a:ext cx="2323663" cy="337903"/>
+              </a:xfrm>
+              <a:prstGeom prst="rightArrow">
+                <a:avLst/>
+              </a:prstGeom>
+            </p:spPr>
+            <p:style>
+              <a:lnRef idx="2">
+                <a:schemeClr val="accent1">
+                  <a:shade val="50000"/>
+                </a:schemeClr>
+              </a:lnRef>
+              <a:fillRef idx="1">
+                <a:schemeClr val="accent1"/>
+              </a:fillRef>
+              <a:effectRef idx="0">
+                <a:schemeClr val="accent1"/>
+              </a:effectRef>
+              <a:fontRef idx="minor">
+                <a:schemeClr val="lt1"/>
+              </a:fontRef>
+            </p:style>
+            <p:txBody>
+              <a:bodyPr rtlCol="0" anchor="ctr"/>
+              <a:lstStyle/>
+              <a:p>
+                <a:pPr algn="ctr"/>
+                <a:r>
+                  <a:rPr lang="en-US" sz="1300" dirty="0"/>
+                  <a:t>Milk Dispensing Commands</a:t>
+                </a:r>
+              </a:p>
+            </p:txBody>
+          </p:sp>
+          <p:sp>
+            <p:nvSpPr>
+              <p:cNvPr id="37" name="Oval 36">
+                <a:extLst>
+                  <a:ext uri="{FF2B5EF4-FFF2-40B4-BE49-F238E27FC236}">
+                    <a16:creationId xmlns:a16="http://schemas.microsoft.com/office/drawing/2014/main" xmlns="" id="{75DB43E7-A0F6-415F-99E0-28B7156098E2}"/>
+                  </a:ext>
+                </a:extLst>
+              </p:cNvPr>
+              <p:cNvSpPr/>
+              <p:nvPr/>
+            </p:nvSpPr>
+            <p:spPr>
+              <a:xfrm>
+                <a:off x="4907325" y="177507"/>
+                <a:ext cx="2043187" cy="1245517"/>
+              </a:xfrm>
+              <a:prstGeom prst="ellipse">
+                <a:avLst/>
+              </a:prstGeom>
+            </p:spPr>
+            <p:style>
+              <a:lnRef idx="2">
+                <a:schemeClr val="accent1">
+                  <a:shade val="50000"/>
+                </a:schemeClr>
+              </a:lnRef>
+              <a:fillRef idx="1">
+                <a:schemeClr val="accent1"/>
+              </a:fillRef>
+              <a:effectRef idx="0">
+                <a:schemeClr val="accent1"/>
+              </a:effectRef>
+              <a:fontRef idx="minor">
+                <a:schemeClr val="lt1"/>
+              </a:fontRef>
+            </p:style>
+            <p:txBody>
+              <a:bodyPr rtlCol="0" anchor="ctr"/>
+              <a:lstStyle/>
+              <a:p>
+                <a:pPr algn="ctr"/>
+                <a:r>
+                  <a:rPr lang="en-US" dirty="0" smtClean="0"/>
+                  <a:t>Response </a:t>
+                </a:r>
+                <a:r>
+                  <a:rPr lang="en-US" dirty="0"/>
+                  <a:t>Module</a:t>
+                </a:r>
+              </a:p>
+            </p:txBody>
+          </p:sp>
+          <p:sp>
+            <p:nvSpPr>
+              <p:cNvPr id="41" name="Arrow: Right 40">
+                <a:extLst>
+                  <a:ext uri="{FF2B5EF4-FFF2-40B4-BE49-F238E27FC236}">
+                    <a16:creationId xmlns:a16="http://schemas.microsoft.com/office/drawing/2014/main" xmlns="" id="{BA985AC9-CD5E-44E7-96A1-2A2FB11CF07F}"/>
+                  </a:ext>
+                </a:extLst>
+              </p:cNvPr>
+              <p:cNvSpPr/>
+              <p:nvPr/>
+            </p:nvSpPr>
+            <p:spPr>
+              <a:xfrm rot="15485511" flipV="1">
+                <a:off x="5313793" y="1572509"/>
+                <a:ext cx="1342891" cy="1048013"/>
+              </a:xfrm>
+              <a:prstGeom prst="rightArrow">
+                <a:avLst/>
+              </a:prstGeom>
+            </p:spPr>
+            <p:style>
+              <a:lnRef idx="2">
+                <a:schemeClr val="accent1">
+                  <a:shade val="50000"/>
+                </a:schemeClr>
+              </a:lnRef>
+              <a:fillRef idx="1">
+                <a:schemeClr val="accent1"/>
+              </a:fillRef>
+              <a:effectRef idx="0">
+                <a:schemeClr val="accent1"/>
+              </a:effectRef>
+              <a:fontRef idx="minor">
+                <a:schemeClr val="lt1"/>
+              </a:fontRef>
+            </p:style>
+            <p:txBody>
+              <a:bodyPr rtlCol="0" anchor="ctr"/>
+              <a:lstStyle/>
+              <a:p>
+                <a:pPr algn="ctr"/>
+                <a:r>
+                  <a:rPr lang="en-US" dirty="0"/>
+                  <a:t>Send Signal</a:t>
+                </a:r>
+              </a:p>
+            </p:txBody>
+          </p:sp>
+          <p:sp>
+            <p:nvSpPr>
+              <p:cNvPr id="3" name="Rectangle 2"/>
+              <p:cNvSpPr/>
+              <p:nvPr/>
+            </p:nvSpPr>
+            <p:spPr>
+              <a:xfrm>
+                <a:off x="510224" y="461326"/>
+                <a:ext cx="1818452" cy="1015736"/>
+              </a:xfrm>
+              <a:prstGeom prst="rect">
+                <a:avLst/>
+              </a:prstGeom>
+            </p:spPr>
+            <p:style>
+              <a:lnRef idx="2">
+                <a:schemeClr val="accent1">
+                  <a:shade val="50000"/>
+                </a:schemeClr>
+              </a:lnRef>
+              <a:fillRef idx="1">
+                <a:schemeClr val="accent1"/>
+              </a:fillRef>
+              <a:effectRef idx="0">
+                <a:schemeClr val="accent1"/>
+              </a:effectRef>
+              <a:fontRef idx="minor">
+                <a:schemeClr val="lt1"/>
+              </a:fontRef>
+            </p:style>
+            <p:txBody>
+              <a:bodyPr rtlCol="0" anchor="ctr"/>
+              <a:lstStyle/>
+              <a:p>
+                <a:pPr algn="ctr"/>
+                <a:r>
+                  <a:rPr lang="en-US" dirty="0" smtClean="0"/>
+                  <a:t>Microphone</a:t>
+                </a:r>
+                <a:endParaRPr lang="en-US" dirty="0"/>
+              </a:p>
+            </p:txBody>
+          </p:sp>
+          <p:sp>
+            <p:nvSpPr>
+              <p:cNvPr id="6" name="Oval 5"/>
+              <p:cNvSpPr/>
+              <p:nvPr/>
+            </p:nvSpPr>
+            <p:spPr>
+              <a:xfrm>
+                <a:off x="1859152" y="2008106"/>
+                <a:ext cx="2147361" cy="1657602"/>
+              </a:xfrm>
+              <a:prstGeom prst="ellipse">
+                <a:avLst/>
+              </a:prstGeom>
+            </p:spPr>
+            <p:style>
+              <a:lnRef idx="2">
+                <a:schemeClr val="accent1">
+                  <a:shade val="50000"/>
+                </a:schemeClr>
+              </a:lnRef>
+              <a:fillRef idx="1">
+                <a:schemeClr val="accent1"/>
+              </a:fillRef>
+              <a:effectRef idx="0">
+                <a:schemeClr val="accent1"/>
+              </a:effectRef>
+              <a:fontRef idx="minor">
+                <a:schemeClr val="lt1"/>
+              </a:fontRef>
+            </p:style>
+            <p:txBody>
+              <a:bodyPr rtlCol="0" anchor="ctr"/>
+              <a:lstStyle/>
+              <a:p>
+                <a:pPr algn="ctr"/>
+                <a:r>
+                  <a:rPr lang="en-US" dirty="0" smtClean="0"/>
+                  <a:t>Speech Recognition Module</a:t>
+                </a:r>
+                <a:endParaRPr lang="en-US" dirty="0"/>
+              </a:p>
+            </p:txBody>
+          </p:sp>
+          <p:sp>
+            <p:nvSpPr>
+              <p:cNvPr id="14" name="Freeform 13"/>
+              <p:cNvSpPr/>
+              <p:nvPr/>
+            </p:nvSpPr>
+            <p:spPr>
+              <a:xfrm rot="1925648">
+                <a:off x="2020359" y="1541760"/>
+                <a:ext cx="616633" cy="460280"/>
+              </a:xfrm>
+              <a:custGeom>
+                <a:avLst/>
+                <a:gdLst>
+                  <a:gd name="connsiteX0" fmla="*/ 0 w 616633"/>
+                  <a:gd name="connsiteY0" fmla="*/ 33226 h 460280"/>
+                  <a:gd name="connsiteX1" fmla="*/ 78828 w 616633"/>
+                  <a:gd name="connsiteY1" fmla="*/ 17461 h 460280"/>
+                  <a:gd name="connsiteX2" fmla="*/ 126125 w 616633"/>
+                  <a:gd name="connsiteY2" fmla="*/ 1695 h 460280"/>
+                  <a:gd name="connsiteX3" fmla="*/ 141890 w 616633"/>
+                  <a:gd name="connsiteY3" fmla="*/ 48992 h 460280"/>
+                  <a:gd name="connsiteX4" fmla="*/ 157656 w 616633"/>
+                  <a:gd name="connsiteY4" fmla="*/ 238178 h 460280"/>
+                  <a:gd name="connsiteX5" fmla="*/ 204952 w 616633"/>
+                  <a:gd name="connsiteY5" fmla="*/ 206647 h 460280"/>
+                  <a:gd name="connsiteX6" fmla="*/ 236483 w 616633"/>
+                  <a:gd name="connsiteY6" fmla="*/ 159351 h 460280"/>
+                  <a:gd name="connsiteX7" fmla="*/ 268014 w 616633"/>
+                  <a:gd name="connsiteY7" fmla="*/ 206647 h 460280"/>
+                  <a:gd name="connsiteX8" fmla="*/ 299545 w 616633"/>
+                  <a:gd name="connsiteY8" fmla="*/ 395833 h 460280"/>
+                  <a:gd name="connsiteX9" fmla="*/ 362607 w 616633"/>
+                  <a:gd name="connsiteY9" fmla="*/ 348537 h 460280"/>
+                  <a:gd name="connsiteX10" fmla="*/ 457200 w 616633"/>
+                  <a:gd name="connsiteY10" fmla="*/ 253944 h 460280"/>
+                  <a:gd name="connsiteX11" fmla="*/ 472966 w 616633"/>
+                  <a:gd name="connsiteY11" fmla="*/ 301240 h 460280"/>
+                  <a:gd name="connsiteX12" fmla="*/ 504497 w 616633"/>
+                  <a:gd name="connsiteY12" fmla="*/ 411599 h 460280"/>
+                  <a:gd name="connsiteX13" fmla="*/ 551793 w 616633"/>
+                  <a:gd name="connsiteY13" fmla="*/ 395833 h 460280"/>
+                  <a:gd name="connsiteX14" fmla="*/ 599090 w 616633"/>
+                  <a:gd name="connsiteY14" fmla="*/ 395833 h 460280"/>
+                  <a:gd name="connsiteX15" fmla="*/ 614856 w 616633"/>
+                  <a:gd name="connsiteY15" fmla="*/ 443130 h 460280"/>
+                  <a:gd name="connsiteX16" fmla="*/ 488731 w 616633"/>
+                  <a:gd name="connsiteY16" fmla="*/ 458895 h 460280"/>
+                </a:gdLst>
+                <a:ahLst/>
+                <a:cxnLst>
+                  <a:cxn ang="0">
+                    <a:pos x="connsiteX0" y="connsiteY0"/>
+                  </a:cxn>
+                  <a:cxn ang="0">
+                    <a:pos x="connsiteX1" y="connsiteY1"/>
+                  </a:cxn>
+                  <a:cxn ang="0">
+                    <a:pos x="connsiteX2" y="connsiteY2"/>
+                  </a:cxn>
+                  <a:cxn ang="0">
+                    <a:pos x="connsiteX3" y="connsiteY3"/>
+                  </a:cxn>
+                  <a:cxn ang="0">
+                    <a:pos x="connsiteX4" y="connsiteY4"/>
+                  </a:cxn>
+                  <a:cxn ang="0">
+                    <a:pos x="connsiteX5" y="connsiteY5"/>
+                  </a:cxn>
+                  <a:cxn ang="0">
+                    <a:pos x="connsiteX6" y="connsiteY6"/>
+                  </a:cxn>
+                  <a:cxn ang="0">
+                    <a:pos x="connsiteX7" y="connsiteY7"/>
+                  </a:cxn>
+                  <a:cxn ang="0">
+                    <a:pos x="connsiteX8" y="connsiteY8"/>
+                  </a:cxn>
+                  <a:cxn ang="0">
+                    <a:pos x="connsiteX9" y="connsiteY9"/>
+                  </a:cxn>
+                  <a:cxn ang="0">
+                    <a:pos x="connsiteX10" y="connsiteY10"/>
+                  </a:cxn>
+                  <a:cxn ang="0">
+                    <a:pos x="connsiteX11" y="connsiteY11"/>
+                  </a:cxn>
+                  <a:cxn ang="0">
+                    <a:pos x="connsiteX12" y="connsiteY12"/>
+                  </a:cxn>
+                  <a:cxn ang="0">
+                    <a:pos x="connsiteX13" y="connsiteY13"/>
+                  </a:cxn>
+                  <a:cxn ang="0">
+                    <a:pos x="connsiteX14" y="connsiteY14"/>
+                  </a:cxn>
+                  <a:cxn ang="0">
+                    <a:pos x="connsiteX15" y="connsiteY15"/>
+                  </a:cxn>
+                  <a:cxn ang="0">
+                    <a:pos x="connsiteX16" y="connsiteY16"/>
+                  </a:cxn>
+                </a:cxnLst>
+                <a:rect l="l" t="t" r="r" b="b"/>
+                <a:pathLst>
+                  <a:path w="616633" h="460280">
+                    <a:moveTo>
+                      <a:pt x="0" y="33226"/>
+                    </a:moveTo>
+                    <a:cubicBezTo>
+                      <a:pt x="26276" y="27971"/>
+                      <a:pt x="52832" y="23960"/>
+                      <a:pt x="78828" y="17461"/>
+                    </a:cubicBezTo>
+                    <a:cubicBezTo>
+                      <a:pt x="94950" y="13430"/>
+                      <a:pt x="111261" y="-5737"/>
+                      <a:pt x="126125" y="1695"/>
+                    </a:cubicBezTo>
+                    <a:cubicBezTo>
+                      <a:pt x="140989" y="9127"/>
+                      <a:pt x="136635" y="33226"/>
+                      <a:pt x="141890" y="48992"/>
+                    </a:cubicBezTo>
+                    <a:cubicBezTo>
+                      <a:pt x="147145" y="112054"/>
+                      <a:pt x="134154" y="179423"/>
+                      <a:pt x="157656" y="238178"/>
+                    </a:cubicBezTo>
+                    <a:cubicBezTo>
+                      <a:pt x="164693" y="255770"/>
+                      <a:pt x="191554" y="220045"/>
+                      <a:pt x="204952" y="206647"/>
+                    </a:cubicBezTo>
+                    <a:cubicBezTo>
+                      <a:pt x="218350" y="193249"/>
+                      <a:pt x="225973" y="175116"/>
+                      <a:pt x="236483" y="159351"/>
+                    </a:cubicBezTo>
+                    <a:cubicBezTo>
+                      <a:pt x="246993" y="175116"/>
+                      <a:pt x="259540" y="189700"/>
+                      <a:pt x="268014" y="206647"/>
+                    </a:cubicBezTo>
+                    <a:cubicBezTo>
+                      <a:pt x="294427" y="259472"/>
+                      <a:pt x="294549" y="350871"/>
+                      <a:pt x="299545" y="395833"/>
+                    </a:cubicBezTo>
+                    <a:cubicBezTo>
+                      <a:pt x="320566" y="380068"/>
+                      <a:pt x="345304" y="368311"/>
+                      <a:pt x="362607" y="348537"/>
+                    </a:cubicBezTo>
+                    <a:cubicBezTo>
+                      <a:pt x="454590" y="243414"/>
+                      <a:pt x="361236" y="285931"/>
+                      <a:pt x="457200" y="253944"/>
+                    </a:cubicBezTo>
+                    <a:cubicBezTo>
+                      <a:pt x="462455" y="269709"/>
+                      <a:pt x="468401" y="285261"/>
+                      <a:pt x="472966" y="301240"/>
+                    </a:cubicBezTo>
+                    <a:cubicBezTo>
+                      <a:pt x="512561" y="439821"/>
+                      <a:pt x="466693" y="298191"/>
+                      <a:pt x="504497" y="411599"/>
+                    </a:cubicBezTo>
+                    <a:cubicBezTo>
+                      <a:pt x="520262" y="406344"/>
+                      <a:pt x="536929" y="388401"/>
+                      <a:pt x="551793" y="395833"/>
+                    </a:cubicBezTo>
+                    <a:cubicBezTo>
+                      <a:pt x="600748" y="420310"/>
+                      <a:pt x="527332" y="503471"/>
+                      <a:pt x="599090" y="395833"/>
+                    </a:cubicBezTo>
+                    <a:cubicBezTo>
+                      <a:pt x="604345" y="411599"/>
+                      <a:pt x="622288" y="428266"/>
+                      <a:pt x="614856" y="443130"/>
+                    </a:cubicBezTo>
+                    <a:cubicBezTo>
+                      <a:pt x="602819" y="467204"/>
+                      <a:pt x="489012" y="458895"/>
+                      <a:pt x="488731" y="458895"/>
+                    </a:cubicBezTo>
+                  </a:path>
+                </a:pathLst>
+              </a:custGeom>
+              <a:noFill/>
+            </p:spPr>
+            <p:style>
+              <a:lnRef idx="2">
+                <a:schemeClr val="accent1">
+                  <a:shade val="50000"/>
+                </a:schemeClr>
+              </a:lnRef>
+              <a:fillRef idx="1">
+                <a:schemeClr val="accent1"/>
+              </a:fillRef>
+              <a:effectRef idx="0">
+                <a:schemeClr val="accent1"/>
+              </a:effectRef>
+              <a:fontRef idx="minor">
+                <a:schemeClr val="lt1"/>
+              </a:fontRef>
+            </p:style>
+            <p:txBody>
+              <a:bodyPr rtlCol="0" anchor="ctr"/>
+              <a:lstStyle/>
+              <a:p>
+                <a:pPr algn="ctr"/>
+                <a:endParaRPr lang="en-US"/>
+              </a:p>
+            </p:txBody>
+          </p:sp>
+          <p:sp>
+            <p:nvSpPr>
+              <p:cNvPr id="21" name="Right Arrow 20"/>
+              <p:cNvSpPr/>
+              <p:nvPr/>
+            </p:nvSpPr>
+            <p:spPr>
+              <a:xfrm rot="1144137">
+                <a:off x="3929903" y="2664222"/>
+                <a:ext cx="1820649" cy="723940"/>
+              </a:xfrm>
+              <a:prstGeom prst="rightArrow">
+                <a:avLst/>
+              </a:prstGeom>
+            </p:spPr>
+            <p:style>
+              <a:lnRef idx="2">
+                <a:schemeClr val="accent1">
+                  <a:shade val="50000"/>
+                </a:schemeClr>
+              </a:lnRef>
+              <a:fillRef idx="1">
+                <a:schemeClr val="accent1"/>
+              </a:fillRef>
+              <a:effectRef idx="0">
+                <a:schemeClr val="accent1"/>
+              </a:effectRef>
+              <a:fontRef idx="minor">
+                <a:schemeClr val="lt1"/>
+              </a:fontRef>
+            </p:style>
+            <p:txBody>
+              <a:bodyPr rtlCol="0" anchor="ctr"/>
+              <a:lstStyle/>
+              <a:p>
+                <a:pPr algn="ctr"/>
+                <a:endParaRPr lang="en-US"/>
+              </a:p>
+            </p:txBody>
+          </p:sp>
+          <p:sp>
+            <p:nvSpPr>
+              <p:cNvPr id="23" name="Rectangle 22"/>
+              <p:cNvSpPr/>
+              <p:nvPr/>
+            </p:nvSpPr>
+            <p:spPr>
+              <a:xfrm>
+                <a:off x="2807256" y="5985549"/>
+                <a:ext cx="1260593" cy="562997"/>
+              </a:xfrm>
+              <a:prstGeom prst="rect">
+                <a:avLst/>
+              </a:prstGeom>
+            </p:spPr>
+            <p:style>
+              <a:lnRef idx="2">
+                <a:schemeClr val="accent1">
+                  <a:shade val="50000"/>
+                </a:schemeClr>
+              </a:lnRef>
+              <a:fillRef idx="1">
+                <a:schemeClr val="accent1"/>
+              </a:fillRef>
+              <a:effectRef idx="0">
+                <a:schemeClr val="accent1"/>
+              </a:effectRef>
+              <a:fontRef idx="minor">
+                <a:schemeClr val="lt1"/>
+              </a:fontRef>
+            </p:style>
+            <p:txBody>
+              <a:bodyPr rtlCol="0" anchor="ctr"/>
+              <a:lstStyle/>
+              <a:p>
+                <a:pPr algn="ctr"/>
+                <a:r>
+                  <a:rPr lang="en-US" dirty="0" smtClean="0"/>
+                  <a:t>Milk Pump</a:t>
+                </a:r>
+                <a:endParaRPr lang="en-US" dirty="0"/>
+              </a:p>
+            </p:txBody>
+          </p:sp>
+          <p:sp>
+            <p:nvSpPr>
+              <p:cNvPr id="34" name="Right Arrow 33"/>
+              <p:cNvSpPr/>
+              <p:nvPr/>
+            </p:nvSpPr>
+            <p:spPr>
+              <a:xfrm rot="3372987">
+                <a:off x="2981422" y="5570877"/>
+                <a:ext cx="510172" cy="306453"/>
+              </a:xfrm>
+              <a:prstGeom prst="rightArrow">
+                <a:avLst/>
+              </a:prstGeom>
+            </p:spPr>
+            <p:style>
+              <a:lnRef idx="2">
+                <a:schemeClr val="accent1">
+                  <a:shade val="50000"/>
+                </a:schemeClr>
+              </a:lnRef>
+              <a:fillRef idx="1">
+                <a:schemeClr val="accent1"/>
+              </a:fillRef>
+              <a:effectRef idx="0">
+                <a:schemeClr val="accent1"/>
+              </a:effectRef>
+              <a:fontRef idx="minor">
+                <a:schemeClr val="lt1"/>
+              </a:fontRef>
+            </p:style>
+            <p:txBody>
+              <a:bodyPr rtlCol="0" anchor="ctr"/>
+              <a:lstStyle/>
+              <a:p>
+                <a:pPr algn="ctr"/>
+                <a:endParaRPr lang="en-US"/>
+              </a:p>
+            </p:txBody>
+          </p:sp>
+          <p:sp>
+            <p:nvSpPr>
+              <p:cNvPr id="35" name="Rectangle 34"/>
+              <p:cNvSpPr/>
+              <p:nvPr/>
+            </p:nvSpPr>
+            <p:spPr>
+              <a:xfrm>
+                <a:off x="5656083" y="5497465"/>
+                <a:ext cx="1051384" cy="884003"/>
+              </a:xfrm>
+              <a:prstGeom prst="rect">
+                <a:avLst/>
+              </a:prstGeom>
+            </p:spPr>
+            <p:style>
+              <a:lnRef idx="2">
+                <a:schemeClr val="accent1">
+                  <a:shade val="50000"/>
+                </a:schemeClr>
+              </a:lnRef>
+              <a:fillRef idx="1">
+                <a:schemeClr val="accent1"/>
+              </a:fillRef>
+              <a:effectRef idx="0">
+                <a:schemeClr val="accent1"/>
+              </a:effectRef>
+              <a:fontRef idx="minor">
+                <a:schemeClr val="lt1"/>
+              </a:fontRef>
+            </p:style>
+            <p:txBody>
+              <a:bodyPr rtlCol="0" anchor="ctr"/>
+              <a:lstStyle/>
+              <a:p>
+                <a:pPr algn="ctr"/>
+                <a:r>
+                  <a:rPr lang="en-US" dirty="0" smtClean="0"/>
+                  <a:t>Bowl</a:t>
+                </a:r>
+                <a:endParaRPr lang="en-US" dirty="0"/>
+              </a:p>
+            </p:txBody>
+          </p:sp>
+          <p:sp>
+            <p:nvSpPr>
+              <p:cNvPr id="42" name="Rectangle 41"/>
+              <p:cNvSpPr/>
+              <p:nvPr/>
+            </p:nvSpPr>
+            <p:spPr>
+              <a:xfrm>
+                <a:off x="8333487" y="5880208"/>
+                <a:ext cx="1583429" cy="773678"/>
+              </a:xfrm>
+              <a:prstGeom prst="rect">
+                <a:avLst/>
+              </a:prstGeom>
+            </p:spPr>
+            <p:style>
+              <a:lnRef idx="2">
+                <a:schemeClr val="accent1">
+                  <a:shade val="50000"/>
+                </a:schemeClr>
+              </a:lnRef>
+              <a:fillRef idx="1">
+                <a:schemeClr val="accent1"/>
+              </a:fillRef>
+              <a:effectRef idx="0">
+                <a:schemeClr val="accent1"/>
+              </a:effectRef>
+              <a:fontRef idx="minor">
+                <a:schemeClr val="lt1"/>
+              </a:fontRef>
+            </p:style>
+            <p:txBody>
+              <a:bodyPr rtlCol="0" anchor="ctr"/>
+              <a:lstStyle/>
+              <a:p>
+                <a:pPr algn="ctr"/>
+                <a:r>
+                  <a:rPr lang="en-US" dirty="0" smtClean="0"/>
+                  <a:t>Cereal Dispensing Motors</a:t>
+                </a:r>
+                <a:endParaRPr lang="en-US" dirty="0"/>
+              </a:p>
+            </p:txBody>
+          </p:sp>
+          <p:sp>
+            <p:nvSpPr>
+              <p:cNvPr id="43" name="Right Arrow 42"/>
+              <p:cNvSpPr/>
+              <p:nvPr/>
+            </p:nvSpPr>
+            <p:spPr>
+              <a:xfrm rot="7419508">
+                <a:off x="8661630" y="5495436"/>
+                <a:ext cx="510172" cy="306453"/>
+              </a:xfrm>
+              <a:prstGeom prst="rightArrow">
+                <a:avLst/>
+              </a:prstGeom>
+            </p:spPr>
+            <p:style>
+              <a:lnRef idx="2">
+                <a:schemeClr val="accent1">
+                  <a:shade val="50000"/>
+                </a:schemeClr>
+              </a:lnRef>
+              <a:fillRef idx="1">
+                <a:schemeClr val="accent1"/>
+              </a:fillRef>
+              <a:effectRef idx="0">
+                <a:schemeClr val="accent1"/>
+              </a:effectRef>
+              <a:fontRef idx="minor">
+                <a:schemeClr val="lt1"/>
+              </a:fontRef>
+            </p:style>
+            <p:txBody>
+              <a:bodyPr rtlCol="0" anchor="ctr"/>
+              <a:lstStyle/>
+              <a:p>
+                <a:pPr algn="ctr"/>
+                <a:endParaRPr lang="en-US"/>
+              </a:p>
+            </p:txBody>
+          </p:sp>
+          <p:sp>
+            <p:nvSpPr>
+              <p:cNvPr id="36" name="Rectangle 35"/>
+              <p:cNvSpPr/>
+              <p:nvPr/>
+            </p:nvSpPr>
+            <p:spPr>
+              <a:xfrm>
+                <a:off x="9916916" y="735825"/>
+                <a:ext cx="1465787" cy="622759"/>
+              </a:xfrm>
+              <a:prstGeom prst="rect">
+                <a:avLst/>
+              </a:prstGeom>
+            </p:spPr>
+            <p:style>
+              <a:lnRef idx="2">
+                <a:schemeClr val="accent1">
+                  <a:shade val="50000"/>
+                </a:schemeClr>
+              </a:lnRef>
+              <a:fillRef idx="1">
+                <a:schemeClr val="accent1"/>
+              </a:fillRef>
+              <a:effectRef idx="0">
+                <a:schemeClr val="accent1"/>
+              </a:effectRef>
+              <a:fontRef idx="minor">
+                <a:schemeClr val="lt1"/>
+              </a:fontRef>
+            </p:style>
+            <p:txBody>
+              <a:bodyPr rtlCol="0" anchor="ctr"/>
+              <a:lstStyle/>
+              <a:p>
+                <a:pPr algn="ctr"/>
+                <a:r>
+                  <a:rPr lang="en-US" dirty="0" smtClean="0"/>
+                  <a:t>Display</a:t>
+                </a:r>
+                <a:endParaRPr lang="en-US" dirty="0"/>
+              </a:p>
+            </p:txBody>
+          </p:sp>
+          <p:sp>
+            <p:nvSpPr>
+              <p:cNvPr id="38" name="Rectangle 37"/>
+              <p:cNvSpPr/>
+              <p:nvPr/>
+            </p:nvSpPr>
+            <p:spPr>
+              <a:xfrm>
+                <a:off x="2942626" y="461326"/>
+                <a:ext cx="1142766" cy="602079"/>
+              </a:xfrm>
+              <a:prstGeom prst="rect">
+                <a:avLst/>
+              </a:prstGeom>
+            </p:spPr>
+            <p:style>
+              <a:lnRef idx="2">
+                <a:schemeClr val="accent1">
+                  <a:shade val="50000"/>
+                </a:schemeClr>
+              </a:lnRef>
+              <a:fillRef idx="1">
+                <a:schemeClr val="accent1"/>
+              </a:fillRef>
+              <a:effectRef idx="0">
+                <a:schemeClr val="accent1"/>
+              </a:effectRef>
+              <a:fontRef idx="minor">
+                <a:schemeClr val="lt1"/>
+              </a:fontRef>
+            </p:style>
+            <p:txBody>
+              <a:bodyPr rtlCol="0" anchor="ctr"/>
+              <a:lstStyle/>
+              <a:p>
+                <a:pPr algn="ctr"/>
+                <a:r>
+                  <a:rPr lang="en-US" dirty="0" smtClean="0"/>
+                  <a:t>Speaker</a:t>
+                </a:r>
+                <a:endParaRPr lang="en-US" dirty="0"/>
+              </a:p>
+            </p:txBody>
+          </p:sp>
+          <p:sp>
+            <p:nvSpPr>
+              <p:cNvPr id="45" name="Right Arrow 44"/>
+              <p:cNvSpPr/>
+              <p:nvPr/>
+            </p:nvSpPr>
+            <p:spPr>
+              <a:xfrm rot="11131607">
+                <a:off x="4100213" y="603793"/>
+                <a:ext cx="789680" cy="400103"/>
+              </a:xfrm>
+              <a:prstGeom prst="rightArrow">
+                <a:avLst/>
+              </a:prstGeom>
+            </p:spPr>
+            <p:style>
+              <a:lnRef idx="2">
+                <a:schemeClr val="accent1">
+                  <a:shade val="50000"/>
+                </a:schemeClr>
+              </a:lnRef>
+              <a:fillRef idx="1">
+                <a:schemeClr val="accent1"/>
+              </a:fillRef>
+              <a:effectRef idx="0">
+                <a:schemeClr val="accent1"/>
+              </a:effectRef>
+              <a:fontRef idx="minor">
+                <a:schemeClr val="lt1"/>
+              </a:fontRef>
+            </p:style>
+            <p:txBody>
+              <a:bodyPr rtlCol="0" anchor="ctr"/>
+              <a:lstStyle/>
+              <a:p>
+                <a:pPr algn="ctr"/>
+                <a:endParaRPr lang="en-US"/>
+              </a:p>
+            </p:txBody>
+          </p:sp>
+          <p:sp>
+            <p:nvSpPr>
+              <p:cNvPr id="47" name="Right Arrow 46"/>
+              <p:cNvSpPr/>
+              <p:nvPr/>
+            </p:nvSpPr>
+            <p:spPr>
+              <a:xfrm rot="327079">
+                <a:off x="9225622" y="917160"/>
+                <a:ext cx="678936" cy="292490"/>
+              </a:xfrm>
+              <a:prstGeom prst="rightArrow">
+                <a:avLst/>
+              </a:prstGeom>
+            </p:spPr>
+            <p:style>
+              <a:lnRef idx="2">
+                <a:schemeClr val="accent1">
+                  <a:shade val="50000"/>
+                </a:schemeClr>
+              </a:lnRef>
+              <a:fillRef idx="1">
+                <a:schemeClr val="accent1"/>
+              </a:fillRef>
+              <a:effectRef idx="0">
+                <a:schemeClr val="accent1"/>
+              </a:effectRef>
+              <a:fontRef idx="minor">
+                <a:schemeClr val="lt1"/>
+              </a:fontRef>
+            </p:style>
+            <p:txBody>
+              <a:bodyPr rtlCol="0" anchor="ctr"/>
+              <a:lstStyle/>
+              <a:p>
+                <a:pPr algn="ctr"/>
+                <a:endParaRPr lang="en-US"/>
+              </a:p>
+            </p:txBody>
+          </p:sp>
+          <p:sp>
+            <p:nvSpPr>
+              <p:cNvPr id="40" name="Equal 39"/>
+              <p:cNvSpPr/>
+              <p:nvPr/>
+            </p:nvSpPr>
+            <p:spPr>
+              <a:xfrm>
+                <a:off x="8614744" y="3076197"/>
+                <a:ext cx="2604344" cy="1008843"/>
+              </a:xfrm>
+              <a:prstGeom prst="mathEqual">
+                <a:avLst>
+                  <a:gd name="adj1" fmla="val 11018"/>
+                  <a:gd name="adj2" fmla="val 77964"/>
+                </a:avLst>
+              </a:prstGeom>
+            </p:spPr>
+            <p:style>
+              <a:lnRef idx="2">
+                <a:schemeClr val="accent1">
+                  <a:shade val="50000"/>
+                </a:schemeClr>
+              </a:lnRef>
+              <a:fillRef idx="1">
+                <a:schemeClr val="accent1"/>
+              </a:fillRef>
+              <a:effectRef idx="0">
+                <a:schemeClr val="accent1"/>
+              </a:effectRef>
+              <a:fontRef idx="minor">
+                <a:schemeClr val="lt1"/>
+              </a:fontRef>
+            </p:style>
+            <p:txBody>
+              <a:bodyPr rtlCol="0" anchor="ctr"/>
+              <a:lstStyle/>
+              <a:p>
+                <a:pPr algn="ctr"/>
+                <a:r>
+                  <a:rPr lang="en-US" dirty="0" smtClean="0">
+                    <a:solidFill>
+                      <a:schemeClr val="tx1"/>
+                    </a:solidFill>
+                  </a:rPr>
+                  <a:t>Cereal Database</a:t>
+                </a:r>
+                <a:endParaRPr lang="en-US" dirty="0">
+                  <a:solidFill>
+                    <a:schemeClr val="tx1"/>
+                  </a:solidFill>
+                </a:endParaRPr>
+              </a:p>
+            </p:txBody>
+          </p:sp>
+        </p:grpSp>
+        <p:sp>
+          <p:nvSpPr>
+            <p:cNvPr id="31" name="Rectangle 30"/>
+            <p:cNvSpPr/>
+            <p:nvPr/>
+          </p:nvSpPr>
+          <p:spPr>
+            <a:xfrm>
+              <a:off x="4918865" y="-12067"/>
+              <a:ext cx="2448106" cy="1200329"/>
+            </a:xfrm>
+            <a:prstGeom prst="rect">
+              <a:avLst/>
+            </a:prstGeom>
+            <a:noFill/>
+          </p:spPr>
+          <p:txBody>
+            <a:bodyPr wrap="none" lIns="91440" tIns="45720" rIns="91440" bIns="45720">
+              <a:spAutoFit/>
+            </a:bodyPr>
+            <a:lstStyle>
+              <a:defPPr>
+                <a:defRPr lang="en-US"/>
+              </a:defPPr>
+              <a:lvl1pPr marL="0" algn="l" defTabSz="914400" rtl="0" eaLnBrk="1" latinLnBrk="0" hangingPunct="1">
+                <a:defRPr sz="1800" kern="1200">
+                  <a:solidFill>
+                    <a:schemeClr val="tx1"/>
+                  </a:solidFill>
+                  <a:latin typeface="+mn-lt"/>
+                  <a:ea typeface="+mn-ea"/>
+                  <a:cs typeface="+mn-cs"/>
+                </a:defRPr>
+              </a:lvl1pPr>
+              <a:lvl2pPr marL="457200" algn="l" defTabSz="914400" rtl="0" eaLnBrk="1" latinLnBrk="0" hangingPunct="1">
+                <a:defRPr sz="1800" kern="1200">
+                  <a:solidFill>
+                    <a:schemeClr val="tx1"/>
+                  </a:solidFill>
+                  <a:latin typeface="+mn-lt"/>
+                  <a:ea typeface="+mn-ea"/>
+                  <a:cs typeface="+mn-cs"/>
+                </a:defRPr>
+              </a:lvl2pPr>
+              <a:lvl3pPr marL="914400" algn="l" defTabSz="914400" rtl="0" eaLnBrk="1" latinLnBrk="0" hangingPunct="1">
+                <a:defRPr sz="1800" kern="1200">
+                  <a:solidFill>
+                    <a:schemeClr val="tx1"/>
+                  </a:solidFill>
+                  <a:latin typeface="+mn-lt"/>
+                  <a:ea typeface="+mn-ea"/>
+                  <a:cs typeface="+mn-cs"/>
+                </a:defRPr>
+              </a:lvl3pPr>
+              <a:lvl4pPr marL="1371600" algn="l" defTabSz="914400" rtl="0" eaLnBrk="1" latinLnBrk="0" hangingPunct="1">
+                <a:defRPr sz="1800" kern="1200">
+                  <a:solidFill>
+                    <a:schemeClr val="tx1"/>
+                  </a:solidFill>
+                  <a:latin typeface="+mn-lt"/>
+                  <a:ea typeface="+mn-ea"/>
+                  <a:cs typeface="+mn-cs"/>
+                </a:defRPr>
+              </a:lvl4pPr>
+              <a:lvl5pPr marL="1828800" algn="l" defTabSz="914400" rtl="0" eaLnBrk="1" latinLnBrk="0" hangingPunct="1">
+                <a:defRPr sz="1800" kern="1200">
+                  <a:solidFill>
+                    <a:schemeClr val="tx1"/>
+                  </a:solidFill>
+                  <a:latin typeface="+mn-lt"/>
+                  <a:ea typeface="+mn-ea"/>
+                  <a:cs typeface="+mn-cs"/>
+                </a:defRPr>
+              </a:lvl5pPr>
+              <a:lvl6pPr marL="2286000" algn="l" defTabSz="914400" rtl="0" eaLnBrk="1" latinLnBrk="0" hangingPunct="1">
+                <a:defRPr sz="1800" kern="1200">
+                  <a:solidFill>
+                    <a:schemeClr val="tx1"/>
+                  </a:solidFill>
+                  <a:latin typeface="+mn-lt"/>
+                  <a:ea typeface="+mn-ea"/>
+                  <a:cs typeface="+mn-cs"/>
+                </a:defRPr>
+              </a:lvl6pPr>
+              <a:lvl7pPr marL="2743200" algn="l" defTabSz="914400" rtl="0" eaLnBrk="1" latinLnBrk="0" hangingPunct="1">
+                <a:defRPr sz="1800" kern="1200">
+                  <a:solidFill>
+                    <a:schemeClr val="tx1"/>
+                  </a:solidFill>
+                  <a:latin typeface="+mn-lt"/>
+                  <a:ea typeface="+mn-ea"/>
+                  <a:cs typeface="+mn-cs"/>
+                </a:defRPr>
+              </a:lvl7pPr>
+              <a:lvl8pPr marL="3200400" algn="l" defTabSz="914400" rtl="0" eaLnBrk="1" latinLnBrk="0" hangingPunct="1">
+                <a:defRPr sz="1800" kern="1200">
+                  <a:solidFill>
+                    <a:schemeClr val="tx1"/>
+                  </a:solidFill>
+                  <a:latin typeface="+mn-lt"/>
+                  <a:ea typeface="+mn-ea"/>
+                  <a:cs typeface="+mn-cs"/>
+                </a:defRPr>
+              </a:lvl8pPr>
+              <a:lvl9pPr marL="3657600" algn="l" defTabSz="914400" rtl="0" eaLnBrk="1" latinLnBrk="0" hangingPunct="1">
+                <a:defRPr sz="1800" kern="1200">
+                  <a:solidFill>
+                    <a:schemeClr val="tx1"/>
+                  </a:solidFill>
+                  <a:latin typeface="+mn-lt"/>
+                  <a:ea typeface="+mn-ea"/>
+                  <a:cs typeface="+mn-cs"/>
+                </a:defRPr>
+              </a:lvl9pPr>
+            </a:lstStyle>
+            <a:p>
+              <a:pPr algn="ctr"/>
+              <a:r>
+                <a:rPr lang="en-US" sz="7200" b="1" cap="none" spc="0" dirty="0" smtClean="0">
+                  <a:ln w="13462">
+                    <a:solidFill>
+                      <a:schemeClr val="bg1"/>
+                    </a:solidFill>
+                    <a:prstDash val="solid"/>
+                  </a:ln>
+                  <a:solidFill>
+                    <a:schemeClr val="tx1">
+                      <a:lumMod val="85000"/>
+                      <a:lumOff val="15000"/>
+                    </a:schemeClr>
+                  </a:solidFill>
+                  <a:effectLst>
+                    <a:outerShdw dist="38100" dir="2700000" algn="bl" rotWithShape="0">
+                      <a:schemeClr val="accent5"/>
+                    </a:outerShdw>
+                  </a:effectLst>
+                </a:rPr>
+                <a:t>DFD </a:t>
+              </a:r>
+              <a:r>
+                <a:rPr lang="en-US" sz="7200" b="1" cap="none" spc="0" dirty="0" smtClean="0">
+                  <a:ln w="13462">
+                    <a:solidFill>
+                      <a:schemeClr val="bg1"/>
+                    </a:solidFill>
+                    <a:prstDash val="solid"/>
+                  </a:ln>
+                  <a:solidFill>
+                    <a:schemeClr val="tx1">
+                      <a:lumMod val="85000"/>
+                      <a:lumOff val="15000"/>
+                    </a:schemeClr>
+                  </a:solidFill>
+                  <a:effectLst>
+                    <a:outerShdw dist="38100" dir="2700000" algn="bl" rotWithShape="0">
+                      <a:schemeClr val="accent5"/>
+                    </a:outerShdw>
+                  </a:effectLst>
+                </a:rPr>
+                <a:t>1</a:t>
+              </a:r>
+              <a:endParaRPr lang="en-US" sz="7200" b="1" cap="none" spc="0" dirty="0">
+                <a:ln w="13462">
+                  <a:solidFill>
+                    <a:schemeClr val="bg1"/>
+                  </a:solidFill>
+                  <a:prstDash val="solid"/>
+                </a:ln>
                 <a:solidFill>
-                  <a:schemeClr val="tx1"/>
+                  <a:schemeClr val="tx1">
+                    <a:lumMod val="85000"/>
+                    <a:lumOff val="15000"/>
+                  </a:schemeClr>
                 </a:solidFill>
-              </a:rPr>
-              <a:t>Cereal Database</a:t>
-            </a:r>
-            <a:endParaRPr lang="en-US" dirty="0">
-              <a:solidFill>
-                <a:schemeClr val="tx1"/>
-              </a:solidFill>
-            </a:endParaRPr>
-          </a:p>
-        </p:txBody>
-      </p:sp>
+                <a:effectLst>
+                  <a:outerShdw dist="38100" dir="2700000" algn="bl" rotWithShape="0">
+                    <a:schemeClr val="accent5"/>
+                  </a:outerShdw>
+                </a:effectLst>
+              </a:endParaRPr>
+            </a:p>
+          </p:txBody>
+        </p:sp>
+      </p:grpSp>
     </p:spTree>
     <p:extLst>
       <p:ext uri="{BB962C8B-B14F-4D97-AF65-F5344CB8AC3E}">
@@ -4816,6 +5025,13 @@
   <p:clrMapOvr>
     <a:masterClrMapping/>
   </p:clrMapOvr>
+  <p:timing>
+    <p:tnLst>
+      <p:par>
+        <p:cTn id="1" dur="indefinite" restart="never" nodeType="tmRoot"/>
+      </p:par>
+    </p:tnLst>
+  </p:timing>
 </p:sld>
 </file>
 

--- a/Misc/Powerpoints/DFD1.pptx
+++ b/Misc/Powerpoints/DFD1.pptx
@@ -6,6 +6,7 @@
   </p:sldMasterIdLst>
   <p:sldIdLst>
     <p:sldId id="257" r:id="rId2"/>
+    <p:sldId id="258" r:id="rId3"/>
   </p:sldIdLst>
   <p:sldSz cx="12192000" cy="6858000"/>
   <p:notesSz cx="6858000" cy="9144000"/>
@@ -134,7 +135,7 @@
           <p:cNvPr id="2" name="Title 1">
             <a:extLst>
               <a:ext uri="{FF2B5EF4-FFF2-40B4-BE49-F238E27FC236}">
-                <a16:creationId xmlns:a16="http://schemas.microsoft.com/office/drawing/2014/main" xmlns="" id="{1D1F8109-BF83-442C-8C2C-AC444E2B7D52}"/>
+                <a16:creationId xmlns="" xmlns:a16="http://schemas.microsoft.com/office/drawing/2014/main" id="{1D1F8109-BF83-442C-8C2C-AC444E2B7D52}"/>
               </a:ext>
             </a:extLst>
           </p:cNvPr>
@@ -171,7 +172,7 @@
           <p:cNvPr id="3" name="Subtitle 2">
             <a:extLst>
               <a:ext uri="{FF2B5EF4-FFF2-40B4-BE49-F238E27FC236}">
-                <a16:creationId xmlns:a16="http://schemas.microsoft.com/office/drawing/2014/main" xmlns="" id="{716E4A13-0990-465A-8A03-0E9877E5B8BB}"/>
+                <a16:creationId xmlns="" xmlns:a16="http://schemas.microsoft.com/office/drawing/2014/main" id="{716E4A13-0990-465A-8A03-0E9877E5B8BB}"/>
               </a:ext>
             </a:extLst>
           </p:cNvPr>
@@ -241,7 +242,7 @@
           <p:cNvPr id="4" name="Date Placeholder 3">
             <a:extLst>
               <a:ext uri="{FF2B5EF4-FFF2-40B4-BE49-F238E27FC236}">
-                <a16:creationId xmlns:a16="http://schemas.microsoft.com/office/drawing/2014/main" xmlns="" id="{4DDB4DF9-F714-4EA2-97BC-859A9FF23A6D}"/>
+                <a16:creationId xmlns="" xmlns:a16="http://schemas.microsoft.com/office/drawing/2014/main" id="{4DDB4DF9-F714-4EA2-97BC-859A9FF23A6D}"/>
               </a:ext>
             </a:extLst>
           </p:cNvPr>
@@ -270,7 +271,7 @@
           <p:cNvPr id="5" name="Footer Placeholder 4">
             <a:extLst>
               <a:ext uri="{FF2B5EF4-FFF2-40B4-BE49-F238E27FC236}">
-                <a16:creationId xmlns:a16="http://schemas.microsoft.com/office/drawing/2014/main" xmlns="" id="{D3877583-566F-43AB-B691-A9D223C2032B}"/>
+                <a16:creationId xmlns="" xmlns:a16="http://schemas.microsoft.com/office/drawing/2014/main" id="{D3877583-566F-43AB-B691-A9D223C2032B}"/>
               </a:ext>
             </a:extLst>
           </p:cNvPr>
@@ -295,7 +296,7 @@
           <p:cNvPr id="6" name="Slide Number Placeholder 5">
             <a:extLst>
               <a:ext uri="{FF2B5EF4-FFF2-40B4-BE49-F238E27FC236}">
-                <a16:creationId xmlns:a16="http://schemas.microsoft.com/office/drawing/2014/main" xmlns="" id="{68E6C277-D4F5-48E8-8686-761913D38ECE}"/>
+                <a16:creationId xmlns="" xmlns:a16="http://schemas.microsoft.com/office/drawing/2014/main" id="{68E6C277-D4F5-48E8-8686-761913D38ECE}"/>
               </a:ext>
             </a:extLst>
           </p:cNvPr>
@@ -354,7 +355,7 @@
           <p:cNvPr id="2" name="Title 1">
             <a:extLst>
               <a:ext uri="{FF2B5EF4-FFF2-40B4-BE49-F238E27FC236}">
-                <a16:creationId xmlns:a16="http://schemas.microsoft.com/office/drawing/2014/main" xmlns="" id="{8D907813-C022-4AB7-947D-4D6DC76C8EF1}"/>
+                <a16:creationId xmlns="" xmlns:a16="http://schemas.microsoft.com/office/drawing/2014/main" id="{8D907813-C022-4AB7-947D-4D6DC76C8EF1}"/>
               </a:ext>
             </a:extLst>
           </p:cNvPr>
@@ -382,7 +383,7 @@
           <p:cNvPr id="3" name="Vertical Text Placeholder 2">
             <a:extLst>
               <a:ext uri="{FF2B5EF4-FFF2-40B4-BE49-F238E27FC236}">
-                <a16:creationId xmlns:a16="http://schemas.microsoft.com/office/drawing/2014/main" xmlns="" id="{23329B80-74FC-4FD3-8D8F-9A21E576F65B}"/>
+                <a16:creationId xmlns="" xmlns:a16="http://schemas.microsoft.com/office/drawing/2014/main" id="{23329B80-74FC-4FD3-8D8F-9A21E576F65B}"/>
               </a:ext>
             </a:extLst>
           </p:cNvPr>
@@ -439,7 +440,7 @@
           <p:cNvPr id="4" name="Date Placeholder 3">
             <a:extLst>
               <a:ext uri="{FF2B5EF4-FFF2-40B4-BE49-F238E27FC236}">
-                <a16:creationId xmlns:a16="http://schemas.microsoft.com/office/drawing/2014/main" xmlns="" id="{0C8EC651-8165-4AC6-86BE-E0DC0E6AABCA}"/>
+                <a16:creationId xmlns="" xmlns:a16="http://schemas.microsoft.com/office/drawing/2014/main" id="{0C8EC651-8165-4AC6-86BE-E0DC0E6AABCA}"/>
               </a:ext>
             </a:extLst>
           </p:cNvPr>
@@ -468,7 +469,7 @@
           <p:cNvPr id="5" name="Footer Placeholder 4">
             <a:extLst>
               <a:ext uri="{FF2B5EF4-FFF2-40B4-BE49-F238E27FC236}">
-                <a16:creationId xmlns:a16="http://schemas.microsoft.com/office/drawing/2014/main" xmlns="" id="{12C0EC95-B8BF-49E6-B572-DC7121158659}"/>
+                <a16:creationId xmlns="" xmlns:a16="http://schemas.microsoft.com/office/drawing/2014/main" id="{12C0EC95-B8BF-49E6-B572-DC7121158659}"/>
               </a:ext>
             </a:extLst>
           </p:cNvPr>
@@ -493,7 +494,7 @@
           <p:cNvPr id="6" name="Slide Number Placeholder 5">
             <a:extLst>
               <a:ext uri="{FF2B5EF4-FFF2-40B4-BE49-F238E27FC236}">
-                <a16:creationId xmlns:a16="http://schemas.microsoft.com/office/drawing/2014/main" xmlns="" id="{C82CB5B1-0BA2-4F4B-BCBE-4B969EA1362C}"/>
+                <a16:creationId xmlns="" xmlns:a16="http://schemas.microsoft.com/office/drawing/2014/main" id="{C82CB5B1-0BA2-4F4B-BCBE-4B969EA1362C}"/>
               </a:ext>
             </a:extLst>
           </p:cNvPr>
@@ -552,7 +553,7 @@
           <p:cNvPr id="2" name="Vertical Title 1">
             <a:extLst>
               <a:ext uri="{FF2B5EF4-FFF2-40B4-BE49-F238E27FC236}">
-                <a16:creationId xmlns:a16="http://schemas.microsoft.com/office/drawing/2014/main" xmlns="" id="{62D28341-79C7-4D70-A1EC-6CBC41251FD5}"/>
+                <a16:creationId xmlns="" xmlns:a16="http://schemas.microsoft.com/office/drawing/2014/main" id="{62D28341-79C7-4D70-A1EC-6CBC41251FD5}"/>
               </a:ext>
             </a:extLst>
           </p:cNvPr>
@@ -585,7 +586,7 @@
           <p:cNvPr id="3" name="Vertical Text Placeholder 2">
             <a:extLst>
               <a:ext uri="{FF2B5EF4-FFF2-40B4-BE49-F238E27FC236}">
-                <a16:creationId xmlns:a16="http://schemas.microsoft.com/office/drawing/2014/main" xmlns="" id="{74F1F345-564F-42D8-BFF9-64DAD0EF52C5}"/>
+                <a16:creationId xmlns="" xmlns:a16="http://schemas.microsoft.com/office/drawing/2014/main" id="{74F1F345-564F-42D8-BFF9-64DAD0EF52C5}"/>
               </a:ext>
             </a:extLst>
           </p:cNvPr>
@@ -647,7 +648,7 @@
           <p:cNvPr id="4" name="Date Placeholder 3">
             <a:extLst>
               <a:ext uri="{FF2B5EF4-FFF2-40B4-BE49-F238E27FC236}">
-                <a16:creationId xmlns:a16="http://schemas.microsoft.com/office/drawing/2014/main" xmlns="" id="{C9DC4D96-FF45-484E-ADB8-23094671A727}"/>
+                <a16:creationId xmlns="" xmlns:a16="http://schemas.microsoft.com/office/drawing/2014/main" id="{C9DC4D96-FF45-484E-ADB8-23094671A727}"/>
               </a:ext>
             </a:extLst>
           </p:cNvPr>
@@ -676,7 +677,7 @@
           <p:cNvPr id="5" name="Footer Placeholder 4">
             <a:extLst>
               <a:ext uri="{FF2B5EF4-FFF2-40B4-BE49-F238E27FC236}">
-                <a16:creationId xmlns:a16="http://schemas.microsoft.com/office/drawing/2014/main" xmlns="" id="{C098A996-6093-457C-A0C1-A384AD990A9A}"/>
+                <a16:creationId xmlns="" xmlns:a16="http://schemas.microsoft.com/office/drawing/2014/main" id="{C098A996-6093-457C-A0C1-A384AD990A9A}"/>
               </a:ext>
             </a:extLst>
           </p:cNvPr>
@@ -701,7 +702,7 @@
           <p:cNvPr id="6" name="Slide Number Placeholder 5">
             <a:extLst>
               <a:ext uri="{FF2B5EF4-FFF2-40B4-BE49-F238E27FC236}">
-                <a16:creationId xmlns:a16="http://schemas.microsoft.com/office/drawing/2014/main" xmlns="" id="{9592C434-7268-4014-9D41-4DBC5B99D826}"/>
+                <a16:creationId xmlns="" xmlns:a16="http://schemas.microsoft.com/office/drawing/2014/main" id="{9592C434-7268-4014-9D41-4DBC5B99D826}"/>
               </a:ext>
             </a:extLst>
           </p:cNvPr>
@@ -760,7 +761,7 @@
           <p:cNvPr id="2" name="Title 1">
             <a:extLst>
               <a:ext uri="{FF2B5EF4-FFF2-40B4-BE49-F238E27FC236}">
-                <a16:creationId xmlns:a16="http://schemas.microsoft.com/office/drawing/2014/main" xmlns="" id="{F269823C-1AE1-46FF-9ED9-24786157F282}"/>
+                <a16:creationId xmlns="" xmlns:a16="http://schemas.microsoft.com/office/drawing/2014/main" id="{F269823C-1AE1-46FF-9ED9-24786157F282}"/>
               </a:ext>
             </a:extLst>
           </p:cNvPr>
@@ -788,7 +789,7 @@
           <p:cNvPr id="3" name="Content Placeholder 2">
             <a:extLst>
               <a:ext uri="{FF2B5EF4-FFF2-40B4-BE49-F238E27FC236}">
-                <a16:creationId xmlns:a16="http://schemas.microsoft.com/office/drawing/2014/main" xmlns="" id="{D98D0993-918B-4897-B459-CC10CBB8DC41}"/>
+                <a16:creationId xmlns="" xmlns:a16="http://schemas.microsoft.com/office/drawing/2014/main" id="{D98D0993-918B-4897-B459-CC10CBB8DC41}"/>
               </a:ext>
             </a:extLst>
           </p:cNvPr>
@@ -845,7 +846,7 @@
           <p:cNvPr id="4" name="Date Placeholder 3">
             <a:extLst>
               <a:ext uri="{FF2B5EF4-FFF2-40B4-BE49-F238E27FC236}">
-                <a16:creationId xmlns:a16="http://schemas.microsoft.com/office/drawing/2014/main" xmlns="" id="{1F87F25E-9EEF-4D7E-ACED-D0EE17C24FA4}"/>
+                <a16:creationId xmlns="" xmlns:a16="http://schemas.microsoft.com/office/drawing/2014/main" id="{1F87F25E-9EEF-4D7E-ACED-D0EE17C24FA4}"/>
               </a:ext>
             </a:extLst>
           </p:cNvPr>
@@ -874,7 +875,7 @@
           <p:cNvPr id="5" name="Footer Placeholder 4">
             <a:extLst>
               <a:ext uri="{FF2B5EF4-FFF2-40B4-BE49-F238E27FC236}">
-                <a16:creationId xmlns:a16="http://schemas.microsoft.com/office/drawing/2014/main" xmlns="" id="{A6DCE8E9-5564-4E2D-8AD2-CBAE5FA4A77E}"/>
+                <a16:creationId xmlns="" xmlns:a16="http://schemas.microsoft.com/office/drawing/2014/main" id="{A6DCE8E9-5564-4E2D-8AD2-CBAE5FA4A77E}"/>
               </a:ext>
             </a:extLst>
           </p:cNvPr>
@@ -899,7 +900,7 @@
           <p:cNvPr id="6" name="Slide Number Placeholder 5">
             <a:extLst>
               <a:ext uri="{FF2B5EF4-FFF2-40B4-BE49-F238E27FC236}">
-                <a16:creationId xmlns:a16="http://schemas.microsoft.com/office/drawing/2014/main" xmlns="" id="{FC765DAD-4508-491D-89E3-98E51DF232AF}"/>
+                <a16:creationId xmlns="" xmlns:a16="http://schemas.microsoft.com/office/drawing/2014/main" id="{FC765DAD-4508-491D-89E3-98E51DF232AF}"/>
               </a:ext>
             </a:extLst>
           </p:cNvPr>
@@ -958,7 +959,7 @@
           <p:cNvPr id="2" name="Title 1">
             <a:extLst>
               <a:ext uri="{FF2B5EF4-FFF2-40B4-BE49-F238E27FC236}">
-                <a16:creationId xmlns:a16="http://schemas.microsoft.com/office/drawing/2014/main" xmlns="" id="{343E3C78-897F-492B-9456-E7D0BE875F35}"/>
+                <a16:creationId xmlns="" xmlns:a16="http://schemas.microsoft.com/office/drawing/2014/main" id="{343E3C78-897F-492B-9456-E7D0BE875F35}"/>
               </a:ext>
             </a:extLst>
           </p:cNvPr>
@@ -995,7 +996,7 @@
           <p:cNvPr id="3" name="Text Placeholder 2">
             <a:extLst>
               <a:ext uri="{FF2B5EF4-FFF2-40B4-BE49-F238E27FC236}">
-                <a16:creationId xmlns:a16="http://schemas.microsoft.com/office/drawing/2014/main" xmlns="" id="{49D40687-0276-45CA-80CA-B018C501040F}"/>
+                <a16:creationId xmlns="" xmlns:a16="http://schemas.microsoft.com/office/drawing/2014/main" id="{49D40687-0276-45CA-80CA-B018C501040F}"/>
               </a:ext>
             </a:extLst>
           </p:cNvPr>
@@ -1120,7 +1121,7 @@
           <p:cNvPr id="4" name="Date Placeholder 3">
             <a:extLst>
               <a:ext uri="{FF2B5EF4-FFF2-40B4-BE49-F238E27FC236}">
-                <a16:creationId xmlns:a16="http://schemas.microsoft.com/office/drawing/2014/main" xmlns="" id="{FA724557-794B-4B58-BEF3-1797D214830E}"/>
+                <a16:creationId xmlns="" xmlns:a16="http://schemas.microsoft.com/office/drawing/2014/main" id="{FA724557-794B-4B58-BEF3-1797D214830E}"/>
               </a:ext>
             </a:extLst>
           </p:cNvPr>
@@ -1149,7 +1150,7 @@
           <p:cNvPr id="5" name="Footer Placeholder 4">
             <a:extLst>
               <a:ext uri="{FF2B5EF4-FFF2-40B4-BE49-F238E27FC236}">
-                <a16:creationId xmlns:a16="http://schemas.microsoft.com/office/drawing/2014/main" xmlns="" id="{28EF3AA9-946F-47F9-8E60-F2A83394CB37}"/>
+                <a16:creationId xmlns="" xmlns:a16="http://schemas.microsoft.com/office/drawing/2014/main" id="{28EF3AA9-946F-47F9-8E60-F2A83394CB37}"/>
               </a:ext>
             </a:extLst>
           </p:cNvPr>
@@ -1174,7 +1175,7 @@
           <p:cNvPr id="6" name="Slide Number Placeholder 5">
             <a:extLst>
               <a:ext uri="{FF2B5EF4-FFF2-40B4-BE49-F238E27FC236}">
-                <a16:creationId xmlns:a16="http://schemas.microsoft.com/office/drawing/2014/main" xmlns="" id="{0EF475AE-DC8D-4837-ABE5-A5B08243B815}"/>
+                <a16:creationId xmlns="" xmlns:a16="http://schemas.microsoft.com/office/drawing/2014/main" id="{0EF475AE-DC8D-4837-ABE5-A5B08243B815}"/>
               </a:ext>
             </a:extLst>
           </p:cNvPr>
@@ -1233,7 +1234,7 @@
           <p:cNvPr id="2" name="Title 1">
             <a:extLst>
               <a:ext uri="{FF2B5EF4-FFF2-40B4-BE49-F238E27FC236}">
-                <a16:creationId xmlns:a16="http://schemas.microsoft.com/office/drawing/2014/main" xmlns="" id="{F2FA577A-32A8-4C7F-9809-AA51B545123F}"/>
+                <a16:creationId xmlns="" xmlns:a16="http://schemas.microsoft.com/office/drawing/2014/main" id="{F2FA577A-32A8-4C7F-9809-AA51B545123F}"/>
               </a:ext>
             </a:extLst>
           </p:cNvPr>
@@ -1261,7 +1262,7 @@
           <p:cNvPr id="3" name="Content Placeholder 2">
             <a:extLst>
               <a:ext uri="{FF2B5EF4-FFF2-40B4-BE49-F238E27FC236}">
-                <a16:creationId xmlns:a16="http://schemas.microsoft.com/office/drawing/2014/main" xmlns="" id="{25E424AD-4247-46F3-A164-9D1DC24DE70F}"/>
+                <a16:creationId xmlns="" xmlns:a16="http://schemas.microsoft.com/office/drawing/2014/main" id="{25E424AD-4247-46F3-A164-9D1DC24DE70F}"/>
               </a:ext>
             </a:extLst>
           </p:cNvPr>
@@ -1323,7 +1324,7 @@
           <p:cNvPr id="4" name="Content Placeholder 3">
             <a:extLst>
               <a:ext uri="{FF2B5EF4-FFF2-40B4-BE49-F238E27FC236}">
-                <a16:creationId xmlns:a16="http://schemas.microsoft.com/office/drawing/2014/main" xmlns="" id="{40820605-B179-499D-A5B0-45803B4CF2D5}"/>
+                <a16:creationId xmlns="" xmlns:a16="http://schemas.microsoft.com/office/drawing/2014/main" id="{40820605-B179-499D-A5B0-45803B4CF2D5}"/>
               </a:ext>
             </a:extLst>
           </p:cNvPr>
@@ -1385,7 +1386,7 @@
           <p:cNvPr id="5" name="Date Placeholder 4">
             <a:extLst>
               <a:ext uri="{FF2B5EF4-FFF2-40B4-BE49-F238E27FC236}">
-                <a16:creationId xmlns:a16="http://schemas.microsoft.com/office/drawing/2014/main" xmlns="" id="{47723EDA-1BC2-4D62-8DAD-D7E3AD78ACFF}"/>
+                <a16:creationId xmlns="" xmlns:a16="http://schemas.microsoft.com/office/drawing/2014/main" id="{47723EDA-1BC2-4D62-8DAD-D7E3AD78ACFF}"/>
               </a:ext>
             </a:extLst>
           </p:cNvPr>
@@ -1414,7 +1415,7 @@
           <p:cNvPr id="6" name="Footer Placeholder 5">
             <a:extLst>
               <a:ext uri="{FF2B5EF4-FFF2-40B4-BE49-F238E27FC236}">
-                <a16:creationId xmlns:a16="http://schemas.microsoft.com/office/drawing/2014/main" xmlns="" id="{C8545D37-62BF-4946-8A3B-1DA2E5C5E15B}"/>
+                <a16:creationId xmlns="" xmlns:a16="http://schemas.microsoft.com/office/drawing/2014/main" id="{C8545D37-62BF-4946-8A3B-1DA2E5C5E15B}"/>
               </a:ext>
             </a:extLst>
           </p:cNvPr>
@@ -1439,7 +1440,7 @@
           <p:cNvPr id="7" name="Slide Number Placeholder 6">
             <a:extLst>
               <a:ext uri="{FF2B5EF4-FFF2-40B4-BE49-F238E27FC236}">
-                <a16:creationId xmlns:a16="http://schemas.microsoft.com/office/drawing/2014/main" xmlns="" id="{5DA4060F-BACB-4B14-9637-EC49DAC87ED7}"/>
+                <a16:creationId xmlns="" xmlns:a16="http://schemas.microsoft.com/office/drawing/2014/main" id="{5DA4060F-BACB-4B14-9637-EC49DAC87ED7}"/>
               </a:ext>
             </a:extLst>
           </p:cNvPr>
@@ -1498,7 +1499,7 @@
           <p:cNvPr id="2" name="Title 1">
             <a:extLst>
               <a:ext uri="{FF2B5EF4-FFF2-40B4-BE49-F238E27FC236}">
-                <a16:creationId xmlns:a16="http://schemas.microsoft.com/office/drawing/2014/main" xmlns="" id="{9E38FC6E-D831-43A4-94B8-CE3AE4D9FDE3}"/>
+                <a16:creationId xmlns="" xmlns:a16="http://schemas.microsoft.com/office/drawing/2014/main" id="{9E38FC6E-D831-43A4-94B8-CE3AE4D9FDE3}"/>
               </a:ext>
             </a:extLst>
           </p:cNvPr>
@@ -1531,7 +1532,7 @@
           <p:cNvPr id="3" name="Text Placeholder 2">
             <a:extLst>
               <a:ext uri="{FF2B5EF4-FFF2-40B4-BE49-F238E27FC236}">
-                <a16:creationId xmlns:a16="http://schemas.microsoft.com/office/drawing/2014/main" xmlns="" id="{35ED6D55-1904-406D-80F3-E48AF0F9F6EA}"/>
+                <a16:creationId xmlns="" xmlns:a16="http://schemas.microsoft.com/office/drawing/2014/main" id="{35ED6D55-1904-406D-80F3-E48AF0F9F6EA}"/>
               </a:ext>
             </a:extLst>
           </p:cNvPr>
@@ -1602,7 +1603,7 @@
           <p:cNvPr id="4" name="Content Placeholder 3">
             <a:extLst>
               <a:ext uri="{FF2B5EF4-FFF2-40B4-BE49-F238E27FC236}">
-                <a16:creationId xmlns:a16="http://schemas.microsoft.com/office/drawing/2014/main" xmlns="" id="{28139AAF-9054-4481-B66A-5E67611DD577}"/>
+                <a16:creationId xmlns="" xmlns:a16="http://schemas.microsoft.com/office/drawing/2014/main" id="{28139AAF-9054-4481-B66A-5E67611DD577}"/>
               </a:ext>
             </a:extLst>
           </p:cNvPr>
@@ -1664,7 +1665,7 @@
           <p:cNvPr id="5" name="Text Placeholder 4">
             <a:extLst>
               <a:ext uri="{FF2B5EF4-FFF2-40B4-BE49-F238E27FC236}">
-                <a16:creationId xmlns:a16="http://schemas.microsoft.com/office/drawing/2014/main" xmlns="" id="{8DC609DC-EE0B-4824-87AB-7915EEDB46CD}"/>
+                <a16:creationId xmlns="" xmlns:a16="http://schemas.microsoft.com/office/drawing/2014/main" id="{8DC609DC-EE0B-4824-87AB-7915EEDB46CD}"/>
               </a:ext>
             </a:extLst>
           </p:cNvPr>
@@ -1735,7 +1736,7 @@
           <p:cNvPr id="6" name="Content Placeholder 5">
             <a:extLst>
               <a:ext uri="{FF2B5EF4-FFF2-40B4-BE49-F238E27FC236}">
-                <a16:creationId xmlns:a16="http://schemas.microsoft.com/office/drawing/2014/main" xmlns="" id="{9C55302B-A220-4723-865A-5A6FB505B3D9}"/>
+                <a16:creationId xmlns="" xmlns:a16="http://schemas.microsoft.com/office/drawing/2014/main" id="{9C55302B-A220-4723-865A-5A6FB505B3D9}"/>
               </a:ext>
             </a:extLst>
           </p:cNvPr>
@@ -1797,7 +1798,7 @@
           <p:cNvPr id="7" name="Date Placeholder 6">
             <a:extLst>
               <a:ext uri="{FF2B5EF4-FFF2-40B4-BE49-F238E27FC236}">
-                <a16:creationId xmlns:a16="http://schemas.microsoft.com/office/drawing/2014/main" xmlns="" id="{3ADD2295-3A62-4828-8966-31FF8B427FC3}"/>
+                <a16:creationId xmlns="" xmlns:a16="http://schemas.microsoft.com/office/drawing/2014/main" id="{3ADD2295-3A62-4828-8966-31FF8B427FC3}"/>
               </a:ext>
             </a:extLst>
           </p:cNvPr>
@@ -1826,7 +1827,7 @@
           <p:cNvPr id="8" name="Footer Placeholder 7">
             <a:extLst>
               <a:ext uri="{FF2B5EF4-FFF2-40B4-BE49-F238E27FC236}">
-                <a16:creationId xmlns:a16="http://schemas.microsoft.com/office/drawing/2014/main" xmlns="" id="{06439BC8-98CC-4A5B-A327-D7A9B9795E82}"/>
+                <a16:creationId xmlns="" xmlns:a16="http://schemas.microsoft.com/office/drawing/2014/main" id="{06439BC8-98CC-4A5B-A327-D7A9B9795E82}"/>
               </a:ext>
             </a:extLst>
           </p:cNvPr>
@@ -1851,7 +1852,7 @@
           <p:cNvPr id="9" name="Slide Number Placeholder 8">
             <a:extLst>
               <a:ext uri="{FF2B5EF4-FFF2-40B4-BE49-F238E27FC236}">
-                <a16:creationId xmlns:a16="http://schemas.microsoft.com/office/drawing/2014/main" xmlns="" id="{3E1645A4-F942-4626-A83B-2DAC19406CF1}"/>
+                <a16:creationId xmlns="" xmlns:a16="http://schemas.microsoft.com/office/drawing/2014/main" id="{3E1645A4-F942-4626-A83B-2DAC19406CF1}"/>
               </a:ext>
             </a:extLst>
           </p:cNvPr>
@@ -1910,7 +1911,7 @@
           <p:cNvPr id="2" name="Title 1">
             <a:extLst>
               <a:ext uri="{FF2B5EF4-FFF2-40B4-BE49-F238E27FC236}">
-                <a16:creationId xmlns:a16="http://schemas.microsoft.com/office/drawing/2014/main" xmlns="" id="{6DB746DB-D6E2-402E-88BC-E7B8F0436952}"/>
+                <a16:creationId xmlns="" xmlns:a16="http://schemas.microsoft.com/office/drawing/2014/main" id="{6DB746DB-D6E2-402E-88BC-E7B8F0436952}"/>
               </a:ext>
             </a:extLst>
           </p:cNvPr>
@@ -1938,7 +1939,7 @@
           <p:cNvPr id="3" name="Date Placeholder 2">
             <a:extLst>
               <a:ext uri="{FF2B5EF4-FFF2-40B4-BE49-F238E27FC236}">
-                <a16:creationId xmlns:a16="http://schemas.microsoft.com/office/drawing/2014/main" xmlns="" id="{269396D8-CD76-4115-8224-4D97137D0D4C}"/>
+                <a16:creationId xmlns="" xmlns:a16="http://schemas.microsoft.com/office/drawing/2014/main" id="{269396D8-CD76-4115-8224-4D97137D0D4C}"/>
               </a:ext>
             </a:extLst>
           </p:cNvPr>
@@ -1967,7 +1968,7 @@
           <p:cNvPr id="4" name="Footer Placeholder 3">
             <a:extLst>
               <a:ext uri="{FF2B5EF4-FFF2-40B4-BE49-F238E27FC236}">
-                <a16:creationId xmlns:a16="http://schemas.microsoft.com/office/drawing/2014/main" xmlns="" id="{EB645367-4F72-4FC7-B2CE-5B42D481793B}"/>
+                <a16:creationId xmlns="" xmlns:a16="http://schemas.microsoft.com/office/drawing/2014/main" id="{EB645367-4F72-4FC7-B2CE-5B42D481793B}"/>
               </a:ext>
             </a:extLst>
           </p:cNvPr>
@@ -1992,7 +1993,7 @@
           <p:cNvPr id="5" name="Slide Number Placeholder 4">
             <a:extLst>
               <a:ext uri="{FF2B5EF4-FFF2-40B4-BE49-F238E27FC236}">
-                <a16:creationId xmlns:a16="http://schemas.microsoft.com/office/drawing/2014/main" xmlns="" id="{51EC438D-718D-4E63-A88B-7FD00C5DCE18}"/>
+                <a16:creationId xmlns="" xmlns:a16="http://schemas.microsoft.com/office/drawing/2014/main" id="{51EC438D-718D-4E63-A88B-7FD00C5DCE18}"/>
               </a:ext>
             </a:extLst>
           </p:cNvPr>
@@ -2051,7 +2052,7 @@
           <p:cNvPr id="2" name="Date Placeholder 1">
             <a:extLst>
               <a:ext uri="{FF2B5EF4-FFF2-40B4-BE49-F238E27FC236}">
-                <a16:creationId xmlns:a16="http://schemas.microsoft.com/office/drawing/2014/main" xmlns="" id="{800C5CA5-B87C-4ACD-8A1E-0F79FC936625}"/>
+                <a16:creationId xmlns="" xmlns:a16="http://schemas.microsoft.com/office/drawing/2014/main" id="{800C5CA5-B87C-4ACD-8A1E-0F79FC936625}"/>
               </a:ext>
             </a:extLst>
           </p:cNvPr>
@@ -2080,7 +2081,7 @@
           <p:cNvPr id="3" name="Footer Placeholder 2">
             <a:extLst>
               <a:ext uri="{FF2B5EF4-FFF2-40B4-BE49-F238E27FC236}">
-                <a16:creationId xmlns:a16="http://schemas.microsoft.com/office/drawing/2014/main" xmlns="" id="{3C02CCB5-286F-4810-9A98-3D40A99DCF47}"/>
+                <a16:creationId xmlns="" xmlns:a16="http://schemas.microsoft.com/office/drawing/2014/main" id="{3C02CCB5-286F-4810-9A98-3D40A99DCF47}"/>
               </a:ext>
             </a:extLst>
           </p:cNvPr>
@@ -2105,7 +2106,7 @@
           <p:cNvPr id="4" name="Slide Number Placeholder 3">
             <a:extLst>
               <a:ext uri="{FF2B5EF4-FFF2-40B4-BE49-F238E27FC236}">
-                <a16:creationId xmlns:a16="http://schemas.microsoft.com/office/drawing/2014/main" xmlns="" id="{86AC2622-3286-4959-9218-423E80859CC2}"/>
+                <a16:creationId xmlns="" xmlns:a16="http://schemas.microsoft.com/office/drawing/2014/main" id="{86AC2622-3286-4959-9218-423E80859CC2}"/>
               </a:ext>
             </a:extLst>
           </p:cNvPr>
@@ -2164,7 +2165,7 @@
           <p:cNvPr id="2" name="Title 1">
             <a:extLst>
               <a:ext uri="{FF2B5EF4-FFF2-40B4-BE49-F238E27FC236}">
-                <a16:creationId xmlns:a16="http://schemas.microsoft.com/office/drawing/2014/main" xmlns="" id="{2947B44D-3019-4CB8-9C55-6A781B57104B}"/>
+                <a16:creationId xmlns="" xmlns:a16="http://schemas.microsoft.com/office/drawing/2014/main" id="{2947B44D-3019-4CB8-9C55-6A781B57104B}"/>
               </a:ext>
             </a:extLst>
           </p:cNvPr>
@@ -2201,7 +2202,7 @@
           <p:cNvPr id="3" name="Content Placeholder 2">
             <a:extLst>
               <a:ext uri="{FF2B5EF4-FFF2-40B4-BE49-F238E27FC236}">
-                <a16:creationId xmlns:a16="http://schemas.microsoft.com/office/drawing/2014/main" xmlns="" id="{63CFAB56-F0A1-403A-817D-A25A2D761684}"/>
+                <a16:creationId xmlns="" xmlns:a16="http://schemas.microsoft.com/office/drawing/2014/main" id="{63CFAB56-F0A1-403A-817D-A25A2D761684}"/>
               </a:ext>
             </a:extLst>
           </p:cNvPr>
@@ -2291,7 +2292,7 @@
           <p:cNvPr id="4" name="Text Placeholder 3">
             <a:extLst>
               <a:ext uri="{FF2B5EF4-FFF2-40B4-BE49-F238E27FC236}">
-                <a16:creationId xmlns:a16="http://schemas.microsoft.com/office/drawing/2014/main" xmlns="" id="{0D7E2C8C-1ECA-4176-92C7-69AF7104BA73}"/>
+                <a16:creationId xmlns="" xmlns:a16="http://schemas.microsoft.com/office/drawing/2014/main" id="{0D7E2C8C-1ECA-4176-92C7-69AF7104BA73}"/>
               </a:ext>
             </a:extLst>
           </p:cNvPr>
@@ -2362,7 +2363,7 @@
           <p:cNvPr id="5" name="Date Placeholder 4">
             <a:extLst>
               <a:ext uri="{FF2B5EF4-FFF2-40B4-BE49-F238E27FC236}">
-                <a16:creationId xmlns:a16="http://schemas.microsoft.com/office/drawing/2014/main" xmlns="" id="{6A81CE04-FAA3-4EBE-9870-0F63EF55DB5F}"/>
+                <a16:creationId xmlns="" xmlns:a16="http://schemas.microsoft.com/office/drawing/2014/main" id="{6A81CE04-FAA3-4EBE-9870-0F63EF55DB5F}"/>
               </a:ext>
             </a:extLst>
           </p:cNvPr>
@@ -2391,7 +2392,7 @@
           <p:cNvPr id="6" name="Footer Placeholder 5">
             <a:extLst>
               <a:ext uri="{FF2B5EF4-FFF2-40B4-BE49-F238E27FC236}">
-                <a16:creationId xmlns:a16="http://schemas.microsoft.com/office/drawing/2014/main" xmlns="" id="{5781019A-0AFA-48F7-BE12-0037B86DF3E5}"/>
+                <a16:creationId xmlns="" xmlns:a16="http://schemas.microsoft.com/office/drawing/2014/main" id="{5781019A-0AFA-48F7-BE12-0037B86DF3E5}"/>
               </a:ext>
             </a:extLst>
           </p:cNvPr>
@@ -2416,7 +2417,7 @@
           <p:cNvPr id="7" name="Slide Number Placeholder 6">
             <a:extLst>
               <a:ext uri="{FF2B5EF4-FFF2-40B4-BE49-F238E27FC236}">
-                <a16:creationId xmlns:a16="http://schemas.microsoft.com/office/drawing/2014/main" xmlns="" id="{38AC13B4-7128-494E-B07A-C8EEA3B7F03F}"/>
+                <a16:creationId xmlns="" xmlns:a16="http://schemas.microsoft.com/office/drawing/2014/main" id="{38AC13B4-7128-494E-B07A-C8EEA3B7F03F}"/>
               </a:ext>
             </a:extLst>
           </p:cNvPr>
@@ -2475,7 +2476,7 @@
           <p:cNvPr id="2" name="Title 1">
             <a:extLst>
               <a:ext uri="{FF2B5EF4-FFF2-40B4-BE49-F238E27FC236}">
-                <a16:creationId xmlns:a16="http://schemas.microsoft.com/office/drawing/2014/main" xmlns="" id="{B7241369-3772-4EF2-B3E9-82AD240E55FF}"/>
+                <a16:creationId xmlns="" xmlns:a16="http://schemas.microsoft.com/office/drawing/2014/main" id="{B7241369-3772-4EF2-B3E9-82AD240E55FF}"/>
               </a:ext>
             </a:extLst>
           </p:cNvPr>
@@ -2512,7 +2513,7 @@
           <p:cNvPr id="3" name="Picture Placeholder 2">
             <a:extLst>
               <a:ext uri="{FF2B5EF4-FFF2-40B4-BE49-F238E27FC236}">
-                <a16:creationId xmlns:a16="http://schemas.microsoft.com/office/drawing/2014/main" xmlns="" id="{3D3B8188-2AC8-4C0A-B34F-26AC3303417B}"/>
+                <a16:creationId xmlns="" xmlns:a16="http://schemas.microsoft.com/office/drawing/2014/main" id="{3D3B8188-2AC8-4C0A-B34F-26AC3303417B}"/>
               </a:ext>
             </a:extLst>
           </p:cNvPr>
@@ -2579,7 +2580,7 @@
           <p:cNvPr id="4" name="Text Placeholder 3">
             <a:extLst>
               <a:ext uri="{FF2B5EF4-FFF2-40B4-BE49-F238E27FC236}">
-                <a16:creationId xmlns:a16="http://schemas.microsoft.com/office/drawing/2014/main" xmlns="" id="{BC110D8D-A1DA-44B6-A031-5D4855CCF26A}"/>
+                <a16:creationId xmlns="" xmlns:a16="http://schemas.microsoft.com/office/drawing/2014/main" id="{BC110D8D-A1DA-44B6-A031-5D4855CCF26A}"/>
               </a:ext>
             </a:extLst>
           </p:cNvPr>
@@ -2650,7 +2651,7 @@
           <p:cNvPr id="5" name="Date Placeholder 4">
             <a:extLst>
               <a:ext uri="{FF2B5EF4-FFF2-40B4-BE49-F238E27FC236}">
-                <a16:creationId xmlns:a16="http://schemas.microsoft.com/office/drawing/2014/main" xmlns="" id="{6E96305F-30C5-4A04-BFA3-5B1A5104D792}"/>
+                <a16:creationId xmlns="" xmlns:a16="http://schemas.microsoft.com/office/drawing/2014/main" id="{6E96305F-30C5-4A04-BFA3-5B1A5104D792}"/>
               </a:ext>
             </a:extLst>
           </p:cNvPr>
@@ -2679,7 +2680,7 @@
           <p:cNvPr id="6" name="Footer Placeholder 5">
             <a:extLst>
               <a:ext uri="{FF2B5EF4-FFF2-40B4-BE49-F238E27FC236}">
-                <a16:creationId xmlns:a16="http://schemas.microsoft.com/office/drawing/2014/main" xmlns="" id="{F8BBF3D7-9407-4C82-BE46-A0D6DD8CAA48}"/>
+                <a16:creationId xmlns="" xmlns:a16="http://schemas.microsoft.com/office/drawing/2014/main" id="{F8BBF3D7-9407-4C82-BE46-A0D6DD8CAA48}"/>
               </a:ext>
             </a:extLst>
           </p:cNvPr>
@@ -2704,7 +2705,7 @@
           <p:cNvPr id="7" name="Slide Number Placeholder 6">
             <a:extLst>
               <a:ext uri="{FF2B5EF4-FFF2-40B4-BE49-F238E27FC236}">
-                <a16:creationId xmlns:a16="http://schemas.microsoft.com/office/drawing/2014/main" xmlns="" id="{21E5A576-2069-44D1-B1F2-D1F2092CC851}"/>
+                <a16:creationId xmlns="" xmlns:a16="http://schemas.microsoft.com/office/drawing/2014/main" id="{21E5A576-2069-44D1-B1F2-D1F2092CC851}"/>
               </a:ext>
             </a:extLst>
           </p:cNvPr>
@@ -2768,7 +2769,7 @@
           <p:cNvPr id="2" name="Title Placeholder 1">
             <a:extLst>
               <a:ext uri="{FF2B5EF4-FFF2-40B4-BE49-F238E27FC236}">
-                <a16:creationId xmlns:a16="http://schemas.microsoft.com/office/drawing/2014/main" xmlns="" id="{CB966E71-4E7A-42F9-95BE-66444C76AB3A}"/>
+                <a16:creationId xmlns="" xmlns:a16="http://schemas.microsoft.com/office/drawing/2014/main" id="{CB966E71-4E7A-42F9-95BE-66444C76AB3A}"/>
               </a:ext>
             </a:extLst>
           </p:cNvPr>
@@ -2806,7 +2807,7 @@
           <p:cNvPr id="3" name="Text Placeholder 2">
             <a:extLst>
               <a:ext uri="{FF2B5EF4-FFF2-40B4-BE49-F238E27FC236}">
-                <a16:creationId xmlns:a16="http://schemas.microsoft.com/office/drawing/2014/main" xmlns="" id="{68CB17D8-96AC-4025-B1F1-28CD15DC809F}"/>
+                <a16:creationId xmlns="" xmlns:a16="http://schemas.microsoft.com/office/drawing/2014/main" id="{68CB17D8-96AC-4025-B1F1-28CD15DC809F}"/>
               </a:ext>
             </a:extLst>
           </p:cNvPr>
@@ -2873,7 +2874,7 @@
           <p:cNvPr id="4" name="Date Placeholder 3">
             <a:extLst>
               <a:ext uri="{FF2B5EF4-FFF2-40B4-BE49-F238E27FC236}">
-                <a16:creationId xmlns:a16="http://schemas.microsoft.com/office/drawing/2014/main" xmlns="" id="{76CB2B13-80DF-4249-9335-DE6C01D257AC}"/>
+                <a16:creationId xmlns="" xmlns:a16="http://schemas.microsoft.com/office/drawing/2014/main" id="{76CB2B13-80DF-4249-9335-DE6C01D257AC}"/>
               </a:ext>
             </a:extLst>
           </p:cNvPr>
@@ -2920,7 +2921,7 @@
           <p:cNvPr id="5" name="Footer Placeholder 4">
             <a:extLst>
               <a:ext uri="{FF2B5EF4-FFF2-40B4-BE49-F238E27FC236}">
-                <a16:creationId xmlns:a16="http://schemas.microsoft.com/office/drawing/2014/main" xmlns="" id="{487018D9-A310-4C9B-8236-13CA128C8046}"/>
+                <a16:creationId xmlns="" xmlns:a16="http://schemas.microsoft.com/office/drawing/2014/main" id="{487018D9-A310-4C9B-8236-13CA128C8046}"/>
               </a:ext>
             </a:extLst>
           </p:cNvPr>
@@ -2963,7 +2964,7 @@
           <p:cNvPr id="6" name="Slide Number Placeholder 5">
             <a:extLst>
               <a:ext uri="{FF2B5EF4-FFF2-40B4-BE49-F238E27FC236}">
-                <a16:creationId xmlns:a16="http://schemas.microsoft.com/office/drawing/2014/main" xmlns="" id="{530E3B4F-A585-42A4-B5F1-4E67F1EE58E7}"/>
+                <a16:creationId xmlns="" xmlns:a16="http://schemas.microsoft.com/office/drawing/2014/main" id="{530E3B4F-A585-42A4-B5F1-4E67F1EE58E7}"/>
               </a:ext>
             </a:extLst>
           </p:cNvPr>
@@ -3335,9 +3336,9 @@
         <p:grpSpPr>
           <a:xfrm>
             <a:off x="84220" y="-12067"/>
-            <a:ext cx="12031579" cy="6702049"/>
+            <a:ext cx="12031579" cy="6651936"/>
             <a:chOff x="84220" y="-12067"/>
-            <a:chExt cx="12031579" cy="6702049"/>
+            <a:chExt cx="12031579" cy="6651936"/>
           </a:xfrm>
         </p:grpSpPr>
         <p:grpSp>
@@ -3349,9 +3350,9 @@
           <p:grpSpPr>
             <a:xfrm>
               <a:off x="84220" y="1118937"/>
-              <a:ext cx="12031579" cy="5571045"/>
+              <a:ext cx="12031579" cy="5520932"/>
               <a:chOff x="510224" y="177507"/>
-              <a:chExt cx="10872479" cy="6476379"/>
+              <a:chExt cx="10872479" cy="6418125"/>
             </a:xfrm>
           </p:grpSpPr>
           <p:sp>
@@ -3359,7 +3360,7 @@
               <p:cNvPr id="4" name="Oval 3">
                 <a:extLst>
                   <a:ext uri="{FF2B5EF4-FFF2-40B4-BE49-F238E27FC236}">
-                    <a16:creationId xmlns:a16="http://schemas.microsoft.com/office/drawing/2014/main" xmlns="" id="{C5313E0B-547C-4E04-B979-0792C2A89D2E}"/>
+                    <a16:creationId xmlns="" xmlns:a16="http://schemas.microsoft.com/office/drawing/2014/main" id="{C5313E0B-547C-4E04-B979-0792C2A89D2E}"/>
                   </a:ext>
                 </a:extLst>
               </p:cNvPr>
@@ -3408,7 +3409,7 @@
               <p:cNvPr id="7" name="Arrow: Right 6">
                 <a:extLst>
                   <a:ext uri="{FF2B5EF4-FFF2-40B4-BE49-F238E27FC236}">
-                    <a16:creationId xmlns:a16="http://schemas.microsoft.com/office/drawing/2014/main" xmlns="" id="{0EBEE394-3906-42E6-A819-4359192806D5}"/>
+                    <a16:creationId xmlns="" xmlns:a16="http://schemas.microsoft.com/office/drawing/2014/main" id="{0EBEE394-3906-42E6-A819-4359192806D5}"/>
                   </a:ext>
                 </a:extLst>
               </p:cNvPr>
@@ -3457,7 +3458,7 @@
               <p:cNvPr id="8" name="Arrow: Right 7">
                 <a:extLst>
                   <a:ext uri="{FF2B5EF4-FFF2-40B4-BE49-F238E27FC236}">
-                    <a16:creationId xmlns:a16="http://schemas.microsoft.com/office/drawing/2014/main" xmlns="" id="{47C041F1-21A4-4E98-8AA6-D169B5D634DF}"/>
+                    <a16:creationId xmlns="" xmlns:a16="http://schemas.microsoft.com/office/drawing/2014/main" id="{47C041F1-21A4-4E98-8AA6-D169B5D634DF}"/>
                   </a:ext>
                 </a:extLst>
               </p:cNvPr>
@@ -3506,7 +3507,7 @@
               <p:cNvPr id="10" name="Oval 9">
                 <a:extLst>
                   <a:ext uri="{FF2B5EF4-FFF2-40B4-BE49-F238E27FC236}">
-                    <a16:creationId xmlns:a16="http://schemas.microsoft.com/office/drawing/2014/main" xmlns="" id="{95BDDDFF-5E13-441C-BA28-8704AADF3220}"/>
+                    <a16:creationId xmlns="" xmlns:a16="http://schemas.microsoft.com/office/drawing/2014/main" id="{95BDDDFF-5E13-441C-BA28-8704AADF3220}"/>
                   </a:ext>
                 </a:extLst>
               </p:cNvPr>
@@ -3515,8 +3516,8 @@
             </p:nvSpPr>
             <p:spPr>
               <a:xfrm>
-                <a:off x="7869811" y="417136"/>
-                <a:ext cx="1302470" cy="1015736"/>
+                <a:off x="7869811" y="315194"/>
+                <a:ext cx="1302470" cy="1117679"/>
               </a:xfrm>
               <a:prstGeom prst="ellipse">
                 <a:avLst/>
@@ -3544,12 +3545,9 @@
               <a:p>
                 <a:pPr algn="ctr"/>
                 <a:r>
-                  <a:rPr lang="en-US" dirty="0"/>
-                  <a:t>Display Module</a:t>
+                  <a:rPr lang="en-US" dirty="0" smtClean="0"/>
+                  <a:t>Touch Screen Module</a:t>
                 </a:r>
-              </a:p>
-              <a:p>
-                <a:pPr algn="ctr"/>
                 <a:endParaRPr lang="en-US" dirty="0"/>
               </a:p>
             </p:txBody>
@@ -3559,7 +3557,7 @@
               <p:cNvPr id="11" name="Arrow: Right 10">
                 <a:extLst>
                   <a:ext uri="{FF2B5EF4-FFF2-40B4-BE49-F238E27FC236}">
-                    <a16:creationId xmlns:a16="http://schemas.microsoft.com/office/drawing/2014/main" xmlns="" id="{A9AE702D-41B2-451D-8979-7C43757D9DF8}"/>
+                    <a16:creationId xmlns="" xmlns:a16="http://schemas.microsoft.com/office/drawing/2014/main" id="{A9AE702D-41B2-451D-8979-7C43757D9DF8}"/>
                   </a:ext>
                 </a:extLst>
               </p:cNvPr>
@@ -3608,7 +3606,7 @@
               <p:cNvPr id="12" name="Arrow: Right 11">
                 <a:extLst>
                   <a:ext uri="{FF2B5EF4-FFF2-40B4-BE49-F238E27FC236}">
-                    <a16:creationId xmlns:a16="http://schemas.microsoft.com/office/drawing/2014/main" xmlns="" id="{8D289C19-E9A8-4101-B8D9-0FA055B78844}"/>
+                    <a16:creationId xmlns="" xmlns:a16="http://schemas.microsoft.com/office/drawing/2014/main" id="{8D289C19-E9A8-4101-B8D9-0FA055B78844}"/>
                   </a:ext>
                 </a:extLst>
               </p:cNvPr>
@@ -3657,7 +3655,7 @@
               <p:cNvPr id="13" name="Oval 12">
                 <a:extLst>
                   <a:ext uri="{FF2B5EF4-FFF2-40B4-BE49-F238E27FC236}">
-                    <a16:creationId xmlns:a16="http://schemas.microsoft.com/office/drawing/2014/main" xmlns="" id="{5F0A5D71-78F8-4DBF-B682-5C39CA16E58F}"/>
+                    <a16:creationId xmlns="" xmlns:a16="http://schemas.microsoft.com/office/drawing/2014/main" id="{5F0A5D71-78F8-4DBF-B682-5C39CA16E58F}"/>
                   </a:ext>
                 </a:extLst>
               </p:cNvPr>
@@ -3666,7 +3664,7 @@
             </p:nvSpPr>
             <p:spPr>
               <a:xfrm>
-                <a:off x="8909280" y="4581537"/>
+                <a:off x="8909280" y="4385715"/>
                 <a:ext cx="1756528" cy="1015736"/>
               </a:xfrm>
               <a:prstGeom prst="ellipse">
@@ -3706,7 +3704,7 @@
               <p:cNvPr id="15" name="Arrow: Right 14">
                 <a:extLst>
                   <a:ext uri="{FF2B5EF4-FFF2-40B4-BE49-F238E27FC236}">
-                    <a16:creationId xmlns:a16="http://schemas.microsoft.com/office/drawing/2014/main" xmlns="" id="{20CA004A-E8E9-4432-B816-F13D1FD9E527}"/>
+                    <a16:creationId xmlns="" xmlns:a16="http://schemas.microsoft.com/office/drawing/2014/main" id="{20CA004A-E8E9-4432-B816-F13D1FD9E527}"/>
                   </a:ext>
                 </a:extLst>
               </p:cNvPr>
@@ -3714,8 +3712,8 @@
               <p:nvPr/>
             </p:nvSpPr>
             <p:spPr>
-              <a:xfrm rot="1387462">
-                <a:off x="6682618" y="4315219"/>
+              <a:xfrm rot="1060758">
+                <a:off x="6660871" y="4203322"/>
                 <a:ext cx="2323663" cy="580369"/>
               </a:xfrm>
               <a:prstGeom prst="rightArrow">
@@ -3755,7 +3753,7 @@
               <p:cNvPr id="16" name="Arrow: Right 15">
                 <a:extLst>
                   <a:ext uri="{FF2B5EF4-FFF2-40B4-BE49-F238E27FC236}">
-                    <a16:creationId xmlns:a16="http://schemas.microsoft.com/office/drawing/2014/main" xmlns="" id="{19ADEE23-9535-4B7C-8E9E-FAC5D7910C2B}"/>
+                    <a16:creationId xmlns="" xmlns:a16="http://schemas.microsoft.com/office/drawing/2014/main" id="{19ADEE23-9535-4B7C-8E9E-FAC5D7910C2B}"/>
                   </a:ext>
                 </a:extLst>
               </p:cNvPr>
@@ -3804,7 +3802,7 @@
               <p:cNvPr id="18" name="Arrow: Right 17">
                 <a:extLst>
                   <a:ext uri="{FF2B5EF4-FFF2-40B4-BE49-F238E27FC236}">
-                    <a16:creationId xmlns:a16="http://schemas.microsoft.com/office/drawing/2014/main" xmlns="" id="{B8E7918F-A836-4578-9571-907A74812FCA}"/>
+                    <a16:creationId xmlns="" xmlns:a16="http://schemas.microsoft.com/office/drawing/2014/main" id="{B8E7918F-A836-4578-9571-907A74812FCA}"/>
                   </a:ext>
                 </a:extLst>
               </p:cNvPr>
@@ -3853,7 +3851,7 @@
               <p:cNvPr id="19" name="Oval 18">
                 <a:extLst>
                   <a:ext uri="{FF2B5EF4-FFF2-40B4-BE49-F238E27FC236}">
-                    <a16:creationId xmlns:a16="http://schemas.microsoft.com/office/drawing/2014/main" xmlns="" id="{269FB962-68FD-40A9-9DAC-2C9ADB046A5C}"/>
+                    <a16:creationId xmlns="" xmlns:a16="http://schemas.microsoft.com/office/drawing/2014/main" id="{269FB962-68FD-40A9-9DAC-2C9ADB046A5C}"/>
                   </a:ext>
                 </a:extLst>
               </p:cNvPr>
@@ -3902,7 +3900,7 @@
               <p:cNvPr id="20" name="Arrow: Right 19">
                 <a:extLst>
                   <a:ext uri="{FF2B5EF4-FFF2-40B4-BE49-F238E27FC236}">
-                    <a16:creationId xmlns:a16="http://schemas.microsoft.com/office/drawing/2014/main" xmlns="" id="{1E83FAAC-28F9-46B8-AFB2-F5CA5F7AD5F0}"/>
+                    <a16:creationId xmlns="" xmlns:a16="http://schemas.microsoft.com/office/drawing/2014/main" id="{1E83FAAC-28F9-46B8-AFB2-F5CA5F7AD5F0}"/>
                   </a:ext>
                 </a:extLst>
               </p:cNvPr>
@@ -3951,7 +3949,7 @@
               <p:cNvPr id="37" name="Oval 36">
                 <a:extLst>
                   <a:ext uri="{FF2B5EF4-FFF2-40B4-BE49-F238E27FC236}">
-                    <a16:creationId xmlns:a16="http://schemas.microsoft.com/office/drawing/2014/main" xmlns="" id="{75DB43E7-A0F6-415F-99E0-28B7156098E2}"/>
+                    <a16:creationId xmlns="" xmlns:a16="http://schemas.microsoft.com/office/drawing/2014/main" id="{75DB43E7-A0F6-415F-99E0-28B7156098E2}"/>
                   </a:ext>
                 </a:extLst>
               </p:cNvPr>
@@ -4004,7 +4002,7 @@
               <p:cNvPr id="41" name="Arrow: Right 40">
                 <a:extLst>
                   <a:ext uri="{FF2B5EF4-FFF2-40B4-BE49-F238E27FC236}">
-                    <a16:creationId xmlns:a16="http://schemas.microsoft.com/office/drawing/2014/main" xmlns="" id="{BA985AC9-CD5E-44E7-96A1-2A2FB11CF07F}"/>
+                    <a16:creationId xmlns="" xmlns:a16="http://schemas.microsoft.com/office/drawing/2014/main" id="{BA985AC9-CD5E-44E7-96A1-2A2FB11CF07F}"/>
                   </a:ext>
                 </a:extLst>
               </p:cNvPr>
@@ -4531,8 +4529,8 @@
             </p:nvSpPr>
             <p:spPr>
               <a:xfrm>
-                <a:off x="8333487" y="5880208"/>
-                <a:ext cx="1583429" cy="773678"/>
+                <a:off x="8355232" y="5670403"/>
+                <a:ext cx="1583429" cy="925229"/>
               </a:xfrm>
               <a:prstGeom prst="rect">
                 <a:avLst/>
@@ -4575,7 +4573,7 @@
             </p:nvSpPr>
             <p:spPr>
               <a:xfrm rot="7419508">
-                <a:off x="8661630" y="5495436"/>
+                <a:off x="8802975" y="5285628"/>
                 <a:ext cx="510172" cy="306453"/>
               </a:xfrm>
               <a:prstGeom prst="rightArrow">
@@ -4968,29 +4966,7 @@
                     </a:outerShdw>
                   </a:effectLst>
                 </a:rPr>
-                <a:t>DFD </a:t>
-              </a:r>
-              <a:r>
-                <a:rPr lang="en-US" sz="7200" b="1" cap="none" spc="0" dirty="0" smtClean="0">
-                  <a:ln w="13462">
-                    <a:solidFill>
-                      <a:schemeClr val="bg1"/>
-                    </a:solidFill>
-                    <a:prstDash val="solid"/>
-                  </a:ln>
-                  <a:solidFill>
-                    <a:schemeClr val="tx1">
-                      <a:lumMod val="85000"/>
-                      <a:lumOff val="15000"/>
-                    </a:schemeClr>
-                  </a:solidFill>
-                  <a:effectLst>
-                    <a:outerShdw dist="38100" dir="2700000" algn="bl" rotWithShape="0">
-                      <a:schemeClr val="accent5"/>
-                    </a:outerShdw>
-                  </a:effectLst>
-                </a:rPr>
-                <a:t>1</a:t>
+                <a:t>DFD 1</a:t>
               </a:r>
               <a:endParaRPr lang="en-US" sz="7200" b="1" cap="none" spc="0" dirty="0">
                 <a:ln w="13462">
@@ -5032,6 +5008,78 @@
       </p:par>
     </p:tnLst>
   </p:timing>
+</p:sld>
+</file>
+
+<file path=ppt/slides/slide2.xml><?xml version="1.0" encoding="utf-8"?>
+<p:sld xmlns:a="http://schemas.openxmlformats.org/drawingml/2006/main" xmlns:r="http://schemas.openxmlformats.org/officeDocument/2006/relationships" xmlns:p="http://schemas.openxmlformats.org/presentationml/2006/main">
+  <p:cSld>
+    <p:spTree>
+      <p:nvGrpSpPr>
+        <p:cNvPr id="1" name=""/>
+        <p:cNvGrpSpPr/>
+        <p:nvPr/>
+      </p:nvGrpSpPr>
+      <p:grpSpPr>
+        <a:xfrm>
+          <a:off x="0" y="0"/>
+          <a:ext cx="0" cy="0"/>
+          <a:chOff x="0" y="0"/>
+          <a:chExt cx="0" cy="0"/>
+        </a:xfrm>
+      </p:grpSpPr>
+      <p:sp>
+        <p:nvSpPr>
+          <p:cNvPr id="4" name="Rectangle 3"/>
+          <p:cNvSpPr/>
+          <p:nvPr/>
+        </p:nvSpPr>
+        <p:spPr>
+          <a:xfrm>
+            <a:off x="5053263" y="2586790"/>
+            <a:ext cx="1997242" cy="1155031"/>
+          </a:xfrm>
+          <a:prstGeom prst="rect">
+            <a:avLst/>
+          </a:prstGeom>
+        </p:spPr>
+        <p:style>
+          <a:lnRef idx="1">
+            <a:schemeClr val="accent5"/>
+          </a:lnRef>
+          <a:fillRef idx="2">
+            <a:schemeClr val="accent5"/>
+          </a:fillRef>
+          <a:effectRef idx="1">
+            <a:schemeClr val="accent5"/>
+          </a:effectRef>
+          <a:fontRef idx="minor">
+            <a:schemeClr val="dk1"/>
+          </a:fontRef>
+        </p:style>
+        <p:txBody>
+          <a:bodyPr rtlCol="0" anchor="ctr"/>
+          <a:lstStyle/>
+          <a:p>
+            <a:pPr algn="ctr"/>
+            <a:r>
+              <a:rPr lang="en-US" dirty="0" smtClean="0"/>
+              <a:t>CDS</a:t>
+            </a:r>
+            <a:endParaRPr lang="en-US" dirty="0"/>
+          </a:p>
+        </p:txBody>
+      </p:sp>
+    </p:spTree>
+    <p:extLst>
+      <p:ext uri="{BB962C8B-B14F-4D97-AF65-F5344CB8AC3E}">
+        <p14:creationId xmlns:p14="http://schemas.microsoft.com/office/powerpoint/2010/main" val="685620043"/>
+      </p:ext>
+    </p:extLst>
+  </p:cSld>
+  <p:clrMapOvr>
+    <a:masterClrMapping/>
+  </p:clrMapOvr>
 </p:sld>
 </file>
 

--- a/Misc/Powerpoints/DFD1.pptx
+++ b/Misc/Powerpoints/DFD1.pptx
@@ -135,7 +135,7 @@
           <p:cNvPr id="2" name="Title 1">
             <a:extLst>
               <a:ext uri="{FF2B5EF4-FFF2-40B4-BE49-F238E27FC236}">
-                <a16:creationId xmlns="" xmlns:a16="http://schemas.microsoft.com/office/drawing/2014/main" id="{1D1F8109-BF83-442C-8C2C-AC444E2B7D52}"/>
+                <a16:creationId xmlns:a16="http://schemas.microsoft.com/office/drawing/2014/main" xmlns="" id="{1D1F8109-BF83-442C-8C2C-AC444E2B7D52}"/>
               </a:ext>
             </a:extLst>
           </p:cNvPr>
@@ -172,7 +172,7 @@
           <p:cNvPr id="3" name="Subtitle 2">
             <a:extLst>
               <a:ext uri="{FF2B5EF4-FFF2-40B4-BE49-F238E27FC236}">
-                <a16:creationId xmlns="" xmlns:a16="http://schemas.microsoft.com/office/drawing/2014/main" id="{716E4A13-0990-465A-8A03-0E9877E5B8BB}"/>
+                <a16:creationId xmlns:a16="http://schemas.microsoft.com/office/drawing/2014/main" xmlns="" id="{716E4A13-0990-465A-8A03-0E9877E5B8BB}"/>
               </a:ext>
             </a:extLst>
           </p:cNvPr>
@@ -242,7 +242,7 @@
           <p:cNvPr id="4" name="Date Placeholder 3">
             <a:extLst>
               <a:ext uri="{FF2B5EF4-FFF2-40B4-BE49-F238E27FC236}">
-                <a16:creationId xmlns="" xmlns:a16="http://schemas.microsoft.com/office/drawing/2014/main" id="{4DDB4DF9-F714-4EA2-97BC-859A9FF23A6D}"/>
+                <a16:creationId xmlns:a16="http://schemas.microsoft.com/office/drawing/2014/main" xmlns="" id="{4DDB4DF9-F714-4EA2-97BC-859A9FF23A6D}"/>
               </a:ext>
             </a:extLst>
           </p:cNvPr>
@@ -260,7 +260,7 @@
           <a:p>
             <a:fld id="{D310E9F0-CEA3-4C94-9E93-8FB6D6024B87}" type="datetimeFigureOut">
               <a:rPr lang="en-US" smtClean="0"/>
-              <a:t>4/7/2018</a:t>
+              <a:t>4/28/2018</a:t>
             </a:fld>
             <a:endParaRPr lang="en-US"/>
           </a:p>
@@ -271,7 +271,7 @@
           <p:cNvPr id="5" name="Footer Placeholder 4">
             <a:extLst>
               <a:ext uri="{FF2B5EF4-FFF2-40B4-BE49-F238E27FC236}">
-                <a16:creationId xmlns="" xmlns:a16="http://schemas.microsoft.com/office/drawing/2014/main" id="{D3877583-566F-43AB-B691-A9D223C2032B}"/>
+                <a16:creationId xmlns:a16="http://schemas.microsoft.com/office/drawing/2014/main" xmlns="" id="{D3877583-566F-43AB-B691-A9D223C2032B}"/>
               </a:ext>
             </a:extLst>
           </p:cNvPr>
@@ -296,7 +296,7 @@
           <p:cNvPr id="6" name="Slide Number Placeholder 5">
             <a:extLst>
               <a:ext uri="{FF2B5EF4-FFF2-40B4-BE49-F238E27FC236}">
-                <a16:creationId xmlns="" xmlns:a16="http://schemas.microsoft.com/office/drawing/2014/main" id="{68E6C277-D4F5-48E8-8686-761913D38ECE}"/>
+                <a16:creationId xmlns:a16="http://schemas.microsoft.com/office/drawing/2014/main" xmlns="" id="{68E6C277-D4F5-48E8-8686-761913D38ECE}"/>
               </a:ext>
             </a:extLst>
           </p:cNvPr>
@@ -355,7 +355,7 @@
           <p:cNvPr id="2" name="Title 1">
             <a:extLst>
               <a:ext uri="{FF2B5EF4-FFF2-40B4-BE49-F238E27FC236}">
-                <a16:creationId xmlns="" xmlns:a16="http://schemas.microsoft.com/office/drawing/2014/main" id="{8D907813-C022-4AB7-947D-4D6DC76C8EF1}"/>
+                <a16:creationId xmlns:a16="http://schemas.microsoft.com/office/drawing/2014/main" xmlns="" id="{8D907813-C022-4AB7-947D-4D6DC76C8EF1}"/>
               </a:ext>
             </a:extLst>
           </p:cNvPr>
@@ -383,7 +383,7 @@
           <p:cNvPr id="3" name="Vertical Text Placeholder 2">
             <a:extLst>
               <a:ext uri="{FF2B5EF4-FFF2-40B4-BE49-F238E27FC236}">
-                <a16:creationId xmlns="" xmlns:a16="http://schemas.microsoft.com/office/drawing/2014/main" id="{23329B80-74FC-4FD3-8D8F-9A21E576F65B}"/>
+                <a16:creationId xmlns:a16="http://schemas.microsoft.com/office/drawing/2014/main" xmlns="" id="{23329B80-74FC-4FD3-8D8F-9A21E576F65B}"/>
               </a:ext>
             </a:extLst>
           </p:cNvPr>
@@ -440,7 +440,7 @@
           <p:cNvPr id="4" name="Date Placeholder 3">
             <a:extLst>
               <a:ext uri="{FF2B5EF4-FFF2-40B4-BE49-F238E27FC236}">
-                <a16:creationId xmlns="" xmlns:a16="http://schemas.microsoft.com/office/drawing/2014/main" id="{0C8EC651-8165-4AC6-86BE-E0DC0E6AABCA}"/>
+                <a16:creationId xmlns:a16="http://schemas.microsoft.com/office/drawing/2014/main" xmlns="" id="{0C8EC651-8165-4AC6-86BE-E0DC0E6AABCA}"/>
               </a:ext>
             </a:extLst>
           </p:cNvPr>
@@ -458,7 +458,7 @@
           <a:p>
             <a:fld id="{D310E9F0-CEA3-4C94-9E93-8FB6D6024B87}" type="datetimeFigureOut">
               <a:rPr lang="en-US" smtClean="0"/>
-              <a:t>4/7/2018</a:t>
+              <a:t>4/28/2018</a:t>
             </a:fld>
             <a:endParaRPr lang="en-US"/>
           </a:p>
@@ -469,7 +469,7 @@
           <p:cNvPr id="5" name="Footer Placeholder 4">
             <a:extLst>
               <a:ext uri="{FF2B5EF4-FFF2-40B4-BE49-F238E27FC236}">
-                <a16:creationId xmlns="" xmlns:a16="http://schemas.microsoft.com/office/drawing/2014/main" id="{12C0EC95-B8BF-49E6-B572-DC7121158659}"/>
+                <a16:creationId xmlns:a16="http://schemas.microsoft.com/office/drawing/2014/main" xmlns="" id="{12C0EC95-B8BF-49E6-B572-DC7121158659}"/>
               </a:ext>
             </a:extLst>
           </p:cNvPr>
@@ -494,7 +494,7 @@
           <p:cNvPr id="6" name="Slide Number Placeholder 5">
             <a:extLst>
               <a:ext uri="{FF2B5EF4-FFF2-40B4-BE49-F238E27FC236}">
-                <a16:creationId xmlns="" xmlns:a16="http://schemas.microsoft.com/office/drawing/2014/main" id="{C82CB5B1-0BA2-4F4B-BCBE-4B969EA1362C}"/>
+                <a16:creationId xmlns:a16="http://schemas.microsoft.com/office/drawing/2014/main" xmlns="" id="{C82CB5B1-0BA2-4F4B-BCBE-4B969EA1362C}"/>
               </a:ext>
             </a:extLst>
           </p:cNvPr>
@@ -553,7 +553,7 @@
           <p:cNvPr id="2" name="Vertical Title 1">
             <a:extLst>
               <a:ext uri="{FF2B5EF4-FFF2-40B4-BE49-F238E27FC236}">
-                <a16:creationId xmlns="" xmlns:a16="http://schemas.microsoft.com/office/drawing/2014/main" id="{62D28341-79C7-4D70-A1EC-6CBC41251FD5}"/>
+                <a16:creationId xmlns:a16="http://schemas.microsoft.com/office/drawing/2014/main" xmlns="" id="{62D28341-79C7-4D70-A1EC-6CBC41251FD5}"/>
               </a:ext>
             </a:extLst>
           </p:cNvPr>
@@ -586,7 +586,7 @@
           <p:cNvPr id="3" name="Vertical Text Placeholder 2">
             <a:extLst>
               <a:ext uri="{FF2B5EF4-FFF2-40B4-BE49-F238E27FC236}">
-                <a16:creationId xmlns="" xmlns:a16="http://schemas.microsoft.com/office/drawing/2014/main" id="{74F1F345-564F-42D8-BFF9-64DAD0EF52C5}"/>
+                <a16:creationId xmlns:a16="http://schemas.microsoft.com/office/drawing/2014/main" xmlns="" id="{74F1F345-564F-42D8-BFF9-64DAD0EF52C5}"/>
               </a:ext>
             </a:extLst>
           </p:cNvPr>
@@ -648,7 +648,7 @@
           <p:cNvPr id="4" name="Date Placeholder 3">
             <a:extLst>
               <a:ext uri="{FF2B5EF4-FFF2-40B4-BE49-F238E27FC236}">
-                <a16:creationId xmlns="" xmlns:a16="http://schemas.microsoft.com/office/drawing/2014/main" id="{C9DC4D96-FF45-484E-ADB8-23094671A727}"/>
+                <a16:creationId xmlns:a16="http://schemas.microsoft.com/office/drawing/2014/main" xmlns="" id="{C9DC4D96-FF45-484E-ADB8-23094671A727}"/>
               </a:ext>
             </a:extLst>
           </p:cNvPr>
@@ -666,7 +666,7 @@
           <a:p>
             <a:fld id="{D310E9F0-CEA3-4C94-9E93-8FB6D6024B87}" type="datetimeFigureOut">
               <a:rPr lang="en-US" smtClean="0"/>
-              <a:t>4/7/2018</a:t>
+              <a:t>4/28/2018</a:t>
             </a:fld>
             <a:endParaRPr lang="en-US"/>
           </a:p>
@@ -677,7 +677,7 @@
           <p:cNvPr id="5" name="Footer Placeholder 4">
             <a:extLst>
               <a:ext uri="{FF2B5EF4-FFF2-40B4-BE49-F238E27FC236}">
-                <a16:creationId xmlns="" xmlns:a16="http://schemas.microsoft.com/office/drawing/2014/main" id="{C098A996-6093-457C-A0C1-A384AD990A9A}"/>
+                <a16:creationId xmlns:a16="http://schemas.microsoft.com/office/drawing/2014/main" xmlns="" id="{C098A996-6093-457C-A0C1-A384AD990A9A}"/>
               </a:ext>
             </a:extLst>
           </p:cNvPr>
@@ -702,7 +702,7 @@
           <p:cNvPr id="6" name="Slide Number Placeholder 5">
             <a:extLst>
               <a:ext uri="{FF2B5EF4-FFF2-40B4-BE49-F238E27FC236}">
-                <a16:creationId xmlns="" xmlns:a16="http://schemas.microsoft.com/office/drawing/2014/main" id="{9592C434-7268-4014-9D41-4DBC5B99D826}"/>
+                <a16:creationId xmlns:a16="http://schemas.microsoft.com/office/drawing/2014/main" xmlns="" id="{9592C434-7268-4014-9D41-4DBC5B99D826}"/>
               </a:ext>
             </a:extLst>
           </p:cNvPr>
@@ -761,7 +761,7 @@
           <p:cNvPr id="2" name="Title 1">
             <a:extLst>
               <a:ext uri="{FF2B5EF4-FFF2-40B4-BE49-F238E27FC236}">
-                <a16:creationId xmlns="" xmlns:a16="http://schemas.microsoft.com/office/drawing/2014/main" id="{F269823C-1AE1-46FF-9ED9-24786157F282}"/>
+                <a16:creationId xmlns:a16="http://schemas.microsoft.com/office/drawing/2014/main" xmlns="" id="{F269823C-1AE1-46FF-9ED9-24786157F282}"/>
               </a:ext>
             </a:extLst>
           </p:cNvPr>
@@ -789,7 +789,7 @@
           <p:cNvPr id="3" name="Content Placeholder 2">
             <a:extLst>
               <a:ext uri="{FF2B5EF4-FFF2-40B4-BE49-F238E27FC236}">
-                <a16:creationId xmlns="" xmlns:a16="http://schemas.microsoft.com/office/drawing/2014/main" id="{D98D0993-918B-4897-B459-CC10CBB8DC41}"/>
+                <a16:creationId xmlns:a16="http://schemas.microsoft.com/office/drawing/2014/main" xmlns="" id="{D98D0993-918B-4897-B459-CC10CBB8DC41}"/>
               </a:ext>
             </a:extLst>
           </p:cNvPr>
@@ -846,7 +846,7 @@
           <p:cNvPr id="4" name="Date Placeholder 3">
             <a:extLst>
               <a:ext uri="{FF2B5EF4-FFF2-40B4-BE49-F238E27FC236}">
-                <a16:creationId xmlns="" xmlns:a16="http://schemas.microsoft.com/office/drawing/2014/main" id="{1F87F25E-9EEF-4D7E-ACED-D0EE17C24FA4}"/>
+                <a16:creationId xmlns:a16="http://schemas.microsoft.com/office/drawing/2014/main" xmlns="" id="{1F87F25E-9EEF-4D7E-ACED-D0EE17C24FA4}"/>
               </a:ext>
             </a:extLst>
           </p:cNvPr>
@@ -864,7 +864,7 @@
           <a:p>
             <a:fld id="{D310E9F0-CEA3-4C94-9E93-8FB6D6024B87}" type="datetimeFigureOut">
               <a:rPr lang="en-US" smtClean="0"/>
-              <a:t>4/7/2018</a:t>
+              <a:t>4/28/2018</a:t>
             </a:fld>
             <a:endParaRPr lang="en-US"/>
           </a:p>
@@ -875,7 +875,7 @@
           <p:cNvPr id="5" name="Footer Placeholder 4">
             <a:extLst>
               <a:ext uri="{FF2B5EF4-FFF2-40B4-BE49-F238E27FC236}">
-                <a16:creationId xmlns="" xmlns:a16="http://schemas.microsoft.com/office/drawing/2014/main" id="{A6DCE8E9-5564-4E2D-8AD2-CBAE5FA4A77E}"/>
+                <a16:creationId xmlns:a16="http://schemas.microsoft.com/office/drawing/2014/main" xmlns="" id="{A6DCE8E9-5564-4E2D-8AD2-CBAE5FA4A77E}"/>
               </a:ext>
             </a:extLst>
           </p:cNvPr>
@@ -900,7 +900,7 @@
           <p:cNvPr id="6" name="Slide Number Placeholder 5">
             <a:extLst>
               <a:ext uri="{FF2B5EF4-FFF2-40B4-BE49-F238E27FC236}">
-                <a16:creationId xmlns="" xmlns:a16="http://schemas.microsoft.com/office/drawing/2014/main" id="{FC765DAD-4508-491D-89E3-98E51DF232AF}"/>
+                <a16:creationId xmlns:a16="http://schemas.microsoft.com/office/drawing/2014/main" xmlns="" id="{FC765DAD-4508-491D-89E3-98E51DF232AF}"/>
               </a:ext>
             </a:extLst>
           </p:cNvPr>
@@ -959,7 +959,7 @@
           <p:cNvPr id="2" name="Title 1">
             <a:extLst>
               <a:ext uri="{FF2B5EF4-FFF2-40B4-BE49-F238E27FC236}">
-                <a16:creationId xmlns="" xmlns:a16="http://schemas.microsoft.com/office/drawing/2014/main" id="{343E3C78-897F-492B-9456-E7D0BE875F35}"/>
+                <a16:creationId xmlns:a16="http://schemas.microsoft.com/office/drawing/2014/main" xmlns="" id="{343E3C78-897F-492B-9456-E7D0BE875F35}"/>
               </a:ext>
             </a:extLst>
           </p:cNvPr>
@@ -996,7 +996,7 @@
           <p:cNvPr id="3" name="Text Placeholder 2">
             <a:extLst>
               <a:ext uri="{FF2B5EF4-FFF2-40B4-BE49-F238E27FC236}">
-                <a16:creationId xmlns="" xmlns:a16="http://schemas.microsoft.com/office/drawing/2014/main" id="{49D40687-0276-45CA-80CA-B018C501040F}"/>
+                <a16:creationId xmlns:a16="http://schemas.microsoft.com/office/drawing/2014/main" xmlns="" id="{49D40687-0276-45CA-80CA-B018C501040F}"/>
               </a:ext>
             </a:extLst>
           </p:cNvPr>
@@ -1121,7 +1121,7 @@
           <p:cNvPr id="4" name="Date Placeholder 3">
             <a:extLst>
               <a:ext uri="{FF2B5EF4-FFF2-40B4-BE49-F238E27FC236}">
-                <a16:creationId xmlns="" xmlns:a16="http://schemas.microsoft.com/office/drawing/2014/main" id="{FA724557-794B-4B58-BEF3-1797D214830E}"/>
+                <a16:creationId xmlns:a16="http://schemas.microsoft.com/office/drawing/2014/main" xmlns="" id="{FA724557-794B-4B58-BEF3-1797D214830E}"/>
               </a:ext>
             </a:extLst>
           </p:cNvPr>
@@ -1139,7 +1139,7 @@
           <a:p>
             <a:fld id="{D310E9F0-CEA3-4C94-9E93-8FB6D6024B87}" type="datetimeFigureOut">
               <a:rPr lang="en-US" smtClean="0"/>
-              <a:t>4/7/2018</a:t>
+              <a:t>4/28/2018</a:t>
             </a:fld>
             <a:endParaRPr lang="en-US"/>
           </a:p>
@@ -1150,7 +1150,7 @@
           <p:cNvPr id="5" name="Footer Placeholder 4">
             <a:extLst>
               <a:ext uri="{FF2B5EF4-FFF2-40B4-BE49-F238E27FC236}">
-                <a16:creationId xmlns="" xmlns:a16="http://schemas.microsoft.com/office/drawing/2014/main" id="{28EF3AA9-946F-47F9-8E60-F2A83394CB37}"/>
+                <a16:creationId xmlns:a16="http://schemas.microsoft.com/office/drawing/2014/main" xmlns="" id="{28EF3AA9-946F-47F9-8E60-F2A83394CB37}"/>
               </a:ext>
             </a:extLst>
           </p:cNvPr>
@@ -1175,7 +1175,7 @@
           <p:cNvPr id="6" name="Slide Number Placeholder 5">
             <a:extLst>
               <a:ext uri="{FF2B5EF4-FFF2-40B4-BE49-F238E27FC236}">
-                <a16:creationId xmlns="" xmlns:a16="http://schemas.microsoft.com/office/drawing/2014/main" id="{0EF475AE-DC8D-4837-ABE5-A5B08243B815}"/>
+                <a16:creationId xmlns:a16="http://schemas.microsoft.com/office/drawing/2014/main" xmlns="" id="{0EF475AE-DC8D-4837-ABE5-A5B08243B815}"/>
               </a:ext>
             </a:extLst>
           </p:cNvPr>
@@ -1234,7 +1234,7 @@
           <p:cNvPr id="2" name="Title 1">
             <a:extLst>
               <a:ext uri="{FF2B5EF4-FFF2-40B4-BE49-F238E27FC236}">
-                <a16:creationId xmlns="" xmlns:a16="http://schemas.microsoft.com/office/drawing/2014/main" id="{F2FA577A-32A8-4C7F-9809-AA51B545123F}"/>
+                <a16:creationId xmlns:a16="http://schemas.microsoft.com/office/drawing/2014/main" xmlns="" id="{F2FA577A-32A8-4C7F-9809-AA51B545123F}"/>
               </a:ext>
             </a:extLst>
           </p:cNvPr>
@@ -1262,7 +1262,7 @@
           <p:cNvPr id="3" name="Content Placeholder 2">
             <a:extLst>
               <a:ext uri="{FF2B5EF4-FFF2-40B4-BE49-F238E27FC236}">
-                <a16:creationId xmlns="" xmlns:a16="http://schemas.microsoft.com/office/drawing/2014/main" id="{25E424AD-4247-46F3-A164-9D1DC24DE70F}"/>
+                <a16:creationId xmlns:a16="http://schemas.microsoft.com/office/drawing/2014/main" xmlns="" id="{25E424AD-4247-46F3-A164-9D1DC24DE70F}"/>
               </a:ext>
             </a:extLst>
           </p:cNvPr>
@@ -1324,7 +1324,7 @@
           <p:cNvPr id="4" name="Content Placeholder 3">
             <a:extLst>
               <a:ext uri="{FF2B5EF4-FFF2-40B4-BE49-F238E27FC236}">
-                <a16:creationId xmlns="" xmlns:a16="http://schemas.microsoft.com/office/drawing/2014/main" id="{40820605-B179-499D-A5B0-45803B4CF2D5}"/>
+                <a16:creationId xmlns:a16="http://schemas.microsoft.com/office/drawing/2014/main" xmlns="" id="{40820605-B179-499D-A5B0-45803B4CF2D5}"/>
               </a:ext>
             </a:extLst>
           </p:cNvPr>
@@ -1386,7 +1386,7 @@
           <p:cNvPr id="5" name="Date Placeholder 4">
             <a:extLst>
               <a:ext uri="{FF2B5EF4-FFF2-40B4-BE49-F238E27FC236}">
-                <a16:creationId xmlns="" xmlns:a16="http://schemas.microsoft.com/office/drawing/2014/main" id="{47723EDA-1BC2-4D62-8DAD-D7E3AD78ACFF}"/>
+                <a16:creationId xmlns:a16="http://schemas.microsoft.com/office/drawing/2014/main" xmlns="" id="{47723EDA-1BC2-4D62-8DAD-D7E3AD78ACFF}"/>
               </a:ext>
             </a:extLst>
           </p:cNvPr>
@@ -1404,7 +1404,7 @@
           <a:p>
             <a:fld id="{D310E9F0-CEA3-4C94-9E93-8FB6D6024B87}" type="datetimeFigureOut">
               <a:rPr lang="en-US" smtClean="0"/>
-              <a:t>4/7/2018</a:t>
+              <a:t>4/28/2018</a:t>
             </a:fld>
             <a:endParaRPr lang="en-US"/>
           </a:p>
@@ -1415,7 +1415,7 @@
           <p:cNvPr id="6" name="Footer Placeholder 5">
             <a:extLst>
               <a:ext uri="{FF2B5EF4-FFF2-40B4-BE49-F238E27FC236}">
-                <a16:creationId xmlns="" xmlns:a16="http://schemas.microsoft.com/office/drawing/2014/main" id="{C8545D37-62BF-4946-8A3B-1DA2E5C5E15B}"/>
+                <a16:creationId xmlns:a16="http://schemas.microsoft.com/office/drawing/2014/main" xmlns="" id="{C8545D37-62BF-4946-8A3B-1DA2E5C5E15B}"/>
               </a:ext>
             </a:extLst>
           </p:cNvPr>
@@ -1440,7 +1440,7 @@
           <p:cNvPr id="7" name="Slide Number Placeholder 6">
             <a:extLst>
               <a:ext uri="{FF2B5EF4-FFF2-40B4-BE49-F238E27FC236}">
-                <a16:creationId xmlns="" xmlns:a16="http://schemas.microsoft.com/office/drawing/2014/main" id="{5DA4060F-BACB-4B14-9637-EC49DAC87ED7}"/>
+                <a16:creationId xmlns:a16="http://schemas.microsoft.com/office/drawing/2014/main" xmlns="" id="{5DA4060F-BACB-4B14-9637-EC49DAC87ED7}"/>
               </a:ext>
             </a:extLst>
           </p:cNvPr>
@@ -1499,7 +1499,7 @@
           <p:cNvPr id="2" name="Title 1">
             <a:extLst>
               <a:ext uri="{FF2B5EF4-FFF2-40B4-BE49-F238E27FC236}">
-                <a16:creationId xmlns="" xmlns:a16="http://schemas.microsoft.com/office/drawing/2014/main" id="{9E38FC6E-D831-43A4-94B8-CE3AE4D9FDE3}"/>
+                <a16:creationId xmlns:a16="http://schemas.microsoft.com/office/drawing/2014/main" xmlns="" id="{9E38FC6E-D831-43A4-94B8-CE3AE4D9FDE3}"/>
               </a:ext>
             </a:extLst>
           </p:cNvPr>
@@ -1532,7 +1532,7 @@
           <p:cNvPr id="3" name="Text Placeholder 2">
             <a:extLst>
               <a:ext uri="{FF2B5EF4-FFF2-40B4-BE49-F238E27FC236}">
-                <a16:creationId xmlns="" xmlns:a16="http://schemas.microsoft.com/office/drawing/2014/main" id="{35ED6D55-1904-406D-80F3-E48AF0F9F6EA}"/>
+                <a16:creationId xmlns:a16="http://schemas.microsoft.com/office/drawing/2014/main" xmlns="" id="{35ED6D55-1904-406D-80F3-E48AF0F9F6EA}"/>
               </a:ext>
             </a:extLst>
           </p:cNvPr>
@@ -1603,7 +1603,7 @@
           <p:cNvPr id="4" name="Content Placeholder 3">
             <a:extLst>
               <a:ext uri="{FF2B5EF4-FFF2-40B4-BE49-F238E27FC236}">
-                <a16:creationId xmlns="" xmlns:a16="http://schemas.microsoft.com/office/drawing/2014/main" id="{28139AAF-9054-4481-B66A-5E67611DD577}"/>
+                <a16:creationId xmlns:a16="http://schemas.microsoft.com/office/drawing/2014/main" xmlns="" id="{28139AAF-9054-4481-B66A-5E67611DD577}"/>
               </a:ext>
             </a:extLst>
           </p:cNvPr>
@@ -1665,7 +1665,7 @@
           <p:cNvPr id="5" name="Text Placeholder 4">
             <a:extLst>
               <a:ext uri="{FF2B5EF4-FFF2-40B4-BE49-F238E27FC236}">
-                <a16:creationId xmlns="" xmlns:a16="http://schemas.microsoft.com/office/drawing/2014/main" id="{8DC609DC-EE0B-4824-87AB-7915EEDB46CD}"/>
+                <a16:creationId xmlns:a16="http://schemas.microsoft.com/office/drawing/2014/main" xmlns="" id="{8DC609DC-EE0B-4824-87AB-7915EEDB46CD}"/>
               </a:ext>
             </a:extLst>
           </p:cNvPr>
@@ -1736,7 +1736,7 @@
           <p:cNvPr id="6" name="Content Placeholder 5">
             <a:extLst>
               <a:ext uri="{FF2B5EF4-FFF2-40B4-BE49-F238E27FC236}">
-                <a16:creationId xmlns="" xmlns:a16="http://schemas.microsoft.com/office/drawing/2014/main" id="{9C55302B-A220-4723-865A-5A6FB505B3D9}"/>
+                <a16:creationId xmlns:a16="http://schemas.microsoft.com/office/drawing/2014/main" xmlns="" id="{9C55302B-A220-4723-865A-5A6FB505B3D9}"/>
               </a:ext>
             </a:extLst>
           </p:cNvPr>
@@ -1798,7 +1798,7 @@
           <p:cNvPr id="7" name="Date Placeholder 6">
             <a:extLst>
               <a:ext uri="{FF2B5EF4-FFF2-40B4-BE49-F238E27FC236}">
-                <a16:creationId xmlns="" xmlns:a16="http://schemas.microsoft.com/office/drawing/2014/main" id="{3ADD2295-3A62-4828-8966-31FF8B427FC3}"/>
+                <a16:creationId xmlns:a16="http://schemas.microsoft.com/office/drawing/2014/main" xmlns="" id="{3ADD2295-3A62-4828-8966-31FF8B427FC3}"/>
               </a:ext>
             </a:extLst>
           </p:cNvPr>
@@ -1816,7 +1816,7 @@
           <a:p>
             <a:fld id="{D310E9F0-CEA3-4C94-9E93-8FB6D6024B87}" type="datetimeFigureOut">
               <a:rPr lang="en-US" smtClean="0"/>
-              <a:t>4/7/2018</a:t>
+              <a:t>4/28/2018</a:t>
             </a:fld>
             <a:endParaRPr lang="en-US"/>
           </a:p>
@@ -1827,7 +1827,7 @@
           <p:cNvPr id="8" name="Footer Placeholder 7">
             <a:extLst>
               <a:ext uri="{FF2B5EF4-FFF2-40B4-BE49-F238E27FC236}">
-                <a16:creationId xmlns="" xmlns:a16="http://schemas.microsoft.com/office/drawing/2014/main" id="{06439BC8-98CC-4A5B-A327-D7A9B9795E82}"/>
+                <a16:creationId xmlns:a16="http://schemas.microsoft.com/office/drawing/2014/main" xmlns="" id="{06439BC8-98CC-4A5B-A327-D7A9B9795E82}"/>
               </a:ext>
             </a:extLst>
           </p:cNvPr>
@@ -1852,7 +1852,7 @@
           <p:cNvPr id="9" name="Slide Number Placeholder 8">
             <a:extLst>
               <a:ext uri="{FF2B5EF4-FFF2-40B4-BE49-F238E27FC236}">
-                <a16:creationId xmlns="" xmlns:a16="http://schemas.microsoft.com/office/drawing/2014/main" id="{3E1645A4-F942-4626-A83B-2DAC19406CF1}"/>
+                <a16:creationId xmlns:a16="http://schemas.microsoft.com/office/drawing/2014/main" xmlns="" id="{3E1645A4-F942-4626-A83B-2DAC19406CF1}"/>
               </a:ext>
             </a:extLst>
           </p:cNvPr>
@@ -1911,7 +1911,7 @@
           <p:cNvPr id="2" name="Title 1">
             <a:extLst>
               <a:ext uri="{FF2B5EF4-FFF2-40B4-BE49-F238E27FC236}">
-                <a16:creationId xmlns="" xmlns:a16="http://schemas.microsoft.com/office/drawing/2014/main" id="{6DB746DB-D6E2-402E-88BC-E7B8F0436952}"/>
+                <a16:creationId xmlns:a16="http://schemas.microsoft.com/office/drawing/2014/main" xmlns="" id="{6DB746DB-D6E2-402E-88BC-E7B8F0436952}"/>
               </a:ext>
             </a:extLst>
           </p:cNvPr>
@@ -1939,7 +1939,7 @@
           <p:cNvPr id="3" name="Date Placeholder 2">
             <a:extLst>
               <a:ext uri="{FF2B5EF4-FFF2-40B4-BE49-F238E27FC236}">
-                <a16:creationId xmlns="" xmlns:a16="http://schemas.microsoft.com/office/drawing/2014/main" id="{269396D8-CD76-4115-8224-4D97137D0D4C}"/>
+                <a16:creationId xmlns:a16="http://schemas.microsoft.com/office/drawing/2014/main" xmlns="" id="{269396D8-CD76-4115-8224-4D97137D0D4C}"/>
               </a:ext>
             </a:extLst>
           </p:cNvPr>
@@ -1957,7 +1957,7 @@
           <a:p>
             <a:fld id="{D310E9F0-CEA3-4C94-9E93-8FB6D6024B87}" type="datetimeFigureOut">
               <a:rPr lang="en-US" smtClean="0"/>
-              <a:t>4/7/2018</a:t>
+              <a:t>4/28/2018</a:t>
             </a:fld>
             <a:endParaRPr lang="en-US"/>
           </a:p>
@@ -1968,7 +1968,7 @@
           <p:cNvPr id="4" name="Footer Placeholder 3">
             <a:extLst>
               <a:ext uri="{FF2B5EF4-FFF2-40B4-BE49-F238E27FC236}">
-                <a16:creationId xmlns="" xmlns:a16="http://schemas.microsoft.com/office/drawing/2014/main" id="{EB645367-4F72-4FC7-B2CE-5B42D481793B}"/>
+                <a16:creationId xmlns:a16="http://schemas.microsoft.com/office/drawing/2014/main" xmlns="" id="{EB645367-4F72-4FC7-B2CE-5B42D481793B}"/>
               </a:ext>
             </a:extLst>
           </p:cNvPr>
@@ -1993,7 +1993,7 @@
           <p:cNvPr id="5" name="Slide Number Placeholder 4">
             <a:extLst>
               <a:ext uri="{FF2B5EF4-FFF2-40B4-BE49-F238E27FC236}">
-                <a16:creationId xmlns="" xmlns:a16="http://schemas.microsoft.com/office/drawing/2014/main" id="{51EC438D-718D-4E63-A88B-7FD00C5DCE18}"/>
+                <a16:creationId xmlns:a16="http://schemas.microsoft.com/office/drawing/2014/main" xmlns="" id="{51EC438D-718D-4E63-A88B-7FD00C5DCE18}"/>
               </a:ext>
             </a:extLst>
           </p:cNvPr>
@@ -2052,7 +2052,7 @@
           <p:cNvPr id="2" name="Date Placeholder 1">
             <a:extLst>
               <a:ext uri="{FF2B5EF4-FFF2-40B4-BE49-F238E27FC236}">
-                <a16:creationId xmlns="" xmlns:a16="http://schemas.microsoft.com/office/drawing/2014/main" id="{800C5CA5-B87C-4ACD-8A1E-0F79FC936625}"/>
+                <a16:creationId xmlns:a16="http://schemas.microsoft.com/office/drawing/2014/main" xmlns="" id="{800C5CA5-B87C-4ACD-8A1E-0F79FC936625}"/>
               </a:ext>
             </a:extLst>
           </p:cNvPr>
@@ -2070,7 +2070,7 @@
           <a:p>
             <a:fld id="{D310E9F0-CEA3-4C94-9E93-8FB6D6024B87}" type="datetimeFigureOut">
               <a:rPr lang="en-US" smtClean="0"/>
-              <a:t>4/7/2018</a:t>
+              <a:t>4/28/2018</a:t>
             </a:fld>
             <a:endParaRPr lang="en-US"/>
           </a:p>
@@ -2081,7 +2081,7 @@
           <p:cNvPr id="3" name="Footer Placeholder 2">
             <a:extLst>
               <a:ext uri="{FF2B5EF4-FFF2-40B4-BE49-F238E27FC236}">
-                <a16:creationId xmlns="" xmlns:a16="http://schemas.microsoft.com/office/drawing/2014/main" id="{3C02CCB5-286F-4810-9A98-3D40A99DCF47}"/>
+                <a16:creationId xmlns:a16="http://schemas.microsoft.com/office/drawing/2014/main" xmlns="" id="{3C02CCB5-286F-4810-9A98-3D40A99DCF47}"/>
               </a:ext>
             </a:extLst>
           </p:cNvPr>
@@ -2106,7 +2106,7 @@
           <p:cNvPr id="4" name="Slide Number Placeholder 3">
             <a:extLst>
               <a:ext uri="{FF2B5EF4-FFF2-40B4-BE49-F238E27FC236}">
-                <a16:creationId xmlns="" xmlns:a16="http://schemas.microsoft.com/office/drawing/2014/main" id="{86AC2622-3286-4959-9218-423E80859CC2}"/>
+                <a16:creationId xmlns:a16="http://schemas.microsoft.com/office/drawing/2014/main" xmlns="" id="{86AC2622-3286-4959-9218-423E80859CC2}"/>
               </a:ext>
             </a:extLst>
           </p:cNvPr>
@@ -2165,7 +2165,7 @@
           <p:cNvPr id="2" name="Title 1">
             <a:extLst>
               <a:ext uri="{FF2B5EF4-FFF2-40B4-BE49-F238E27FC236}">
-                <a16:creationId xmlns="" xmlns:a16="http://schemas.microsoft.com/office/drawing/2014/main" id="{2947B44D-3019-4CB8-9C55-6A781B57104B}"/>
+                <a16:creationId xmlns:a16="http://schemas.microsoft.com/office/drawing/2014/main" xmlns="" id="{2947B44D-3019-4CB8-9C55-6A781B57104B}"/>
               </a:ext>
             </a:extLst>
           </p:cNvPr>
@@ -2202,7 +2202,7 @@
           <p:cNvPr id="3" name="Content Placeholder 2">
             <a:extLst>
               <a:ext uri="{FF2B5EF4-FFF2-40B4-BE49-F238E27FC236}">
-                <a16:creationId xmlns="" xmlns:a16="http://schemas.microsoft.com/office/drawing/2014/main" id="{63CFAB56-F0A1-403A-817D-A25A2D761684}"/>
+                <a16:creationId xmlns:a16="http://schemas.microsoft.com/office/drawing/2014/main" xmlns="" id="{63CFAB56-F0A1-403A-817D-A25A2D761684}"/>
               </a:ext>
             </a:extLst>
           </p:cNvPr>
@@ -2292,7 +2292,7 @@
           <p:cNvPr id="4" name="Text Placeholder 3">
             <a:extLst>
               <a:ext uri="{FF2B5EF4-FFF2-40B4-BE49-F238E27FC236}">
-                <a16:creationId xmlns="" xmlns:a16="http://schemas.microsoft.com/office/drawing/2014/main" id="{0D7E2C8C-1ECA-4176-92C7-69AF7104BA73}"/>
+                <a16:creationId xmlns:a16="http://schemas.microsoft.com/office/drawing/2014/main" xmlns="" id="{0D7E2C8C-1ECA-4176-92C7-69AF7104BA73}"/>
               </a:ext>
             </a:extLst>
           </p:cNvPr>
@@ -2363,7 +2363,7 @@
           <p:cNvPr id="5" name="Date Placeholder 4">
             <a:extLst>
               <a:ext uri="{FF2B5EF4-FFF2-40B4-BE49-F238E27FC236}">
-                <a16:creationId xmlns="" xmlns:a16="http://schemas.microsoft.com/office/drawing/2014/main" id="{6A81CE04-FAA3-4EBE-9870-0F63EF55DB5F}"/>
+                <a16:creationId xmlns:a16="http://schemas.microsoft.com/office/drawing/2014/main" xmlns="" id="{6A81CE04-FAA3-4EBE-9870-0F63EF55DB5F}"/>
               </a:ext>
             </a:extLst>
           </p:cNvPr>
@@ -2381,7 +2381,7 @@
           <a:p>
             <a:fld id="{D310E9F0-CEA3-4C94-9E93-8FB6D6024B87}" type="datetimeFigureOut">
               <a:rPr lang="en-US" smtClean="0"/>
-              <a:t>4/7/2018</a:t>
+              <a:t>4/28/2018</a:t>
             </a:fld>
             <a:endParaRPr lang="en-US"/>
           </a:p>
@@ -2392,7 +2392,7 @@
           <p:cNvPr id="6" name="Footer Placeholder 5">
             <a:extLst>
               <a:ext uri="{FF2B5EF4-FFF2-40B4-BE49-F238E27FC236}">
-                <a16:creationId xmlns="" xmlns:a16="http://schemas.microsoft.com/office/drawing/2014/main" id="{5781019A-0AFA-48F7-BE12-0037B86DF3E5}"/>
+                <a16:creationId xmlns:a16="http://schemas.microsoft.com/office/drawing/2014/main" xmlns="" id="{5781019A-0AFA-48F7-BE12-0037B86DF3E5}"/>
               </a:ext>
             </a:extLst>
           </p:cNvPr>
@@ -2417,7 +2417,7 @@
           <p:cNvPr id="7" name="Slide Number Placeholder 6">
             <a:extLst>
               <a:ext uri="{FF2B5EF4-FFF2-40B4-BE49-F238E27FC236}">
-                <a16:creationId xmlns="" xmlns:a16="http://schemas.microsoft.com/office/drawing/2014/main" id="{38AC13B4-7128-494E-B07A-C8EEA3B7F03F}"/>
+                <a16:creationId xmlns:a16="http://schemas.microsoft.com/office/drawing/2014/main" xmlns="" id="{38AC13B4-7128-494E-B07A-C8EEA3B7F03F}"/>
               </a:ext>
             </a:extLst>
           </p:cNvPr>
@@ -2476,7 +2476,7 @@
           <p:cNvPr id="2" name="Title 1">
             <a:extLst>
               <a:ext uri="{FF2B5EF4-FFF2-40B4-BE49-F238E27FC236}">
-                <a16:creationId xmlns="" xmlns:a16="http://schemas.microsoft.com/office/drawing/2014/main" id="{B7241369-3772-4EF2-B3E9-82AD240E55FF}"/>
+                <a16:creationId xmlns:a16="http://schemas.microsoft.com/office/drawing/2014/main" xmlns="" id="{B7241369-3772-4EF2-B3E9-82AD240E55FF}"/>
               </a:ext>
             </a:extLst>
           </p:cNvPr>
@@ -2513,7 +2513,7 @@
           <p:cNvPr id="3" name="Picture Placeholder 2">
             <a:extLst>
               <a:ext uri="{FF2B5EF4-FFF2-40B4-BE49-F238E27FC236}">
-                <a16:creationId xmlns="" xmlns:a16="http://schemas.microsoft.com/office/drawing/2014/main" id="{3D3B8188-2AC8-4C0A-B34F-26AC3303417B}"/>
+                <a16:creationId xmlns:a16="http://schemas.microsoft.com/office/drawing/2014/main" xmlns="" id="{3D3B8188-2AC8-4C0A-B34F-26AC3303417B}"/>
               </a:ext>
             </a:extLst>
           </p:cNvPr>
@@ -2580,7 +2580,7 @@
           <p:cNvPr id="4" name="Text Placeholder 3">
             <a:extLst>
               <a:ext uri="{FF2B5EF4-FFF2-40B4-BE49-F238E27FC236}">
-                <a16:creationId xmlns="" xmlns:a16="http://schemas.microsoft.com/office/drawing/2014/main" id="{BC110D8D-A1DA-44B6-A031-5D4855CCF26A}"/>
+                <a16:creationId xmlns:a16="http://schemas.microsoft.com/office/drawing/2014/main" xmlns="" id="{BC110D8D-A1DA-44B6-A031-5D4855CCF26A}"/>
               </a:ext>
             </a:extLst>
           </p:cNvPr>
@@ -2651,7 +2651,7 @@
           <p:cNvPr id="5" name="Date Placeholder 4">
             <a:extLst>
               <a:ext uri="{FF2B5EF4-FFF2-40B4-BE49-F238E27FC236}">
-                <a16:creationId xmlns="" xmlns:a16="http://schemas.microsoft.com/office/drawing/2014/main" id="{6E96305F-30C5-4A04-BFA3-5B1A5104D792}"/>
+                <a16:creationId xmlns:a16="http://schemas.microsoft.com/office/drawing/2014/main" xmlns="" id="{6E96305F-30C5-4A04-BFA3-5B1A5104D792}"/>
               </a:ext>
             </a:extLst>
           </p:cNvPr>
@@ -2669,7 +2669,7 @@
           <a:p>
             <a:fld id="{D310E9F0-CEA3-4C94-9E93-8FB6D6024B87}" type="datetimeFigureOut">
               <a:rPr lang="en-US" smtClean="0"/>
-              <a:t>4/7/2018</a:t>
+              <a:t>4/28/2018</a:t>
             </a:fld>
             <a:endParaRPr lang="en-US"/>
           </a:p>
@@ -2680,7 +2680,7 @@
           <p:cNvPr id="6" name="Footer Placeholder 5">
             <a:extLst>
               <a:ext uri="{FF2B5EF4-FFF2-40B4-BE49-F238E27FC236}">
-                <a16:creationId xmlns="" xmlns:a16="http://schemas.microsoft.com/office/drawing/2014/main" id="{F8BBF3D7-9407-4C82-BE46-A0D6DD8CAA48}"/>
+                <a16:creationId xmlns:a16="http://schemas.microsoft.com/office/drawing/2014/main" xmlns="" id="{F8BBF3D7-9407-4C82-BE46-A0D6DD8CAA48}"/>
               </a:ext>
             </a:extLst>
           </p:cNvPr>
@@ -2705,7 +2705,7 @@
           <p:cNvPr id="7" name="Slide Number Placeholder 6">
             <a:extLst>
               <a:ext uri="{FF2B5EF4-FFF2-40B4-BE49-F238E27FC236}">
-                <a16:creationId xmlns="" xmlns:a16="http://schemas.microsoft.com/office/drawing/2014/main" id="{21E5A576-2069-44D1-B1F2-D1F2092CC851}"/>
+                <a16:creationId xmlns:a16="http://schemas.microsoft.com/office/drawing/2014/main" xmlns="" id="{21E5A576-2069-44D1-B1F2-D1F2092CC851}"/>
               </a:ext>
             </a:extLst>
           </p:cNvPr>
@@ -2769,7 +2769,7 @@
           <p:cNvPr id="2" name="Title Placeholder 1">
             <a:extLst>
               <a:ext uri="{FF2B5EF4-FFF2-40B4-BE49-F238E27FC236}">
-                <a16:creationId xmlns="" xmlns:a16="http://schemas.microsoft.com/office/drawing/2014/main" id="{CB966E71-4E7A-42F9-95BE-66444C76AB3A}"/>
+                <a16:creationId xmlns:a16="http://schemas.microsoft.com/office/drawing/2014/main" xmlns="" id="{CB966E71-4E7A-42F9-95BE-66444C76AB3A}"/>
               </a:ext>
             </a:extLst>
           </p:cNvPr>
@@ -2807,7 +2807,7 @@
           <p:cNvPr id="3" name="Text Placeholder 2">
             <a:extLst>
               <a:ext uri="{FF2B5EF4-FFF2-40B4-BE49-F238E27FC236}">
-                <a16:creationId xmlns="" xmlns:a16="http://schemas.microsoft.com/office/drawing/2014/main" id="{68CB17D8-96AC-4025-B1F1-28CD15DC809F}"/>
+                <a16:creationId xmlns:a16="http://schemas.microsoft.com/office/drawing/2014/main" xmlns="" id="{68CB17D8-96AC-4025-B1F1-28CD15DC809F}"/>
               </a:ext>
             </a:extLst>
           </p:cNvPr>
@@ -2874,7 +2874,7 @@
           <p:cNvPr id="4" name="Date Placeholder 3">
             <a:extLst>
               <a:ext uri="{FF2B5EF4-FFF2-40B4-BE49-F238E27FC236}">
-                <a16:creationId xmlns="" xmlns:a16="http://schemas.microsoft.com/office/drawing/2014/main" id="{76CB2B13-80DF-4249-9335-DE6C01D257AC}"/>
+                <a16:creationId xmlns:a16="http://schemas.microsoft.com/office/drawing/2014/main" xmlns="" id="{76CB2B13-80DF-4249-9335-DE6C01D257AC}"/>
               </a:ext>
             </a:extLst>
           </p:cNvPr>
@@ -2910,7 +2910,7 @@
           <a:p>
             <a:fld id="{D310E9F0-CEA3-4C94-9E93-8FB6D6024B87}" type="datetimeFigureOut">
               <a:rPr lang="en-US" smtClean="0"/>
-              <a:t>4/7/2018</a:t>
+              <a:t>4/28/2018</a:t>
             </a:fld>
             <a:endParaRPr lang="en-US"/>
           </a:p>
@@ -2921,7 +2921,7 @@
           <p:cNvPr id="5" name="Footer Placeholder 4">
             <a:extLst>
               <a:ext uri="{FF2B5EF4-FFF2-40B4-BE49-F238E27FC236}">
-                <a16:creationId xmlns="" xmlns:a16="http://schemas.microsoft.com/office/drawing/2014/main" id="{487018D9-A310-4C9B-8236-13CA128C8046}"/>
+                <a16:creationId xmlns:a16="http://schemas.microsoft.com/office/drawing/2014/main" xmlns="" id="{487018D9-A310-4C9B-8236-13CA128C8046}"/>
               </a:ext>
             </a:extLst>
           </p:cNvPr>
@@ -2964,7 +2964,7 @@
           <p:cNvPr id="6" name="Slide Number Placeholder 5">
             <a:extLst>
               <a:ext uri="{FF2B5EF4-FFF2-40B4-BE49-F238E27FC236}">
-                <a16:creationId xmlns="" xmlns:a16="http://schemas.microsoft.com/office/drawing/2014/main" id="{530E3B4F-A585-42A4-B5F1-4E67F1EE58E7}"/>
+                <a16:creationId xmlns:a16="http://schemas.microsoft.com/office/drawing/2014/main" xmlns="" id="{530E3B4F-A585-42A4-B5F1-4E67F1EE58E7}"/>
               </a:ext>
             </a:extLst>
           </p:cNvPr>
@@ -3360,7 +3360,7 @@
               <p:cNvPr id="4" name="Oval 3">
                 <a:extLst>
                   <a:ext uri="{FF2B5EF4-FFF2-40B4-BE49-F238E27FC236}">
-                    <a16:creationId xmlns="" xmlns:a16="http://schemas.microsoft.com/office/drawing/2014/main" id="{C5313E0B-547C-4E04-B979-0792C2A89D2E}"/>
+                    <a16:creationId xmlns:a16="http://schemas.microsoft.com/office/drawing/2014/main" xmlns="" id="{C5313E0B-547C-4E04-B979-0792C2A89D2E}"/>
                   </a:ext>
                 </a:extLst>
               </p:cNvPr>
@@ -3409,7 +3409,7 @@
               <p:cNvPr id="7" name="Arrow: Right 6">
                 <a:extLst>
                   <a:ext uri="{FF2B5EF4-FFF2-40B4-BE49-F238E27FC236}">
-                    <a16:creationId xmlns="" xmlns:a16="http://schemas.microsoft.com/office/drawing/2014/main" id="{0EBEE394-3906-42E6-A819-4359192806D5}"/>
+                    <a16:creationId xmlns:a16="http://schemas.microsoft.com/office/drawing/2014/main" xmlns="" id="{0EBEE394-3906-42E6-A819-4359192806D5}"/>
                   </a:ext>
                 </a:extLst>
               </p:cNvPr>
@@ -3458,7 +3458,7 @@
               <p:cNvPr id="8" name="Arrow: Right 7">
                 <a:extLst>
                   <a:ext uri="{FF2B5EF4-FFF2-40B4-BE49-F238E27FC236}">
-                    <a16:creationId xmlns="" xmlns:a16="http://schemas.microsoft.com/office/drawing/2014/main" id="{47C041F1-21A4-4E98-8AA6-D169B5D634DF}"/>
+                    <a16:creationId xmlns:a16="http://schemas.microsoft.com/office/drawing/2014/main" xmlns="" id="{47C041F1-21A4-4E98-8AA6-D169B5D634DF}"/>
                   </a:ext>
                 </a:extLst>
               </p:cNvPr>
@@ -3507,7 +3507,7 @@
               <p:cNvPr id="10" name="Oval 9">
                 <a:extLst>
                   <a:ext uri="{FF2B5EF4-FFF2-40B4-BE49-F238E27FC236}">
-                    <a16:creationId xmlns="" xmlns:a16="http://schemas.microsoft.com/office/drawing/2014/main" id="{95BDDDFF-5E13-441C-BA28-8704AADF3220}"/>
+                    <a16:creationId xmlns:a16="http://schemas.microsoft.com/office/drawing/2014/main" xmlns="" id="{95BDDDFF-5E13-441C-BA28-8704AADF3220}"/>
                   </a:ext>
                 </a:extLst>
               </p:cNvPr>
@@ -3557,7 +3557,7 @@
               <p:cNvPr id="11" name="Arrow: Right 10">
                 <a:extLst>
                   <a:ext uri="{FF2B5EF4-FFF2-40B4-BE49-F238E27FC236}">
-                    <a16:creationId xmlns="" xmlns:a16="http://schemas.microsoft.com/office/drawing/2014/main" id="{A9AE702D-41B2-451D-8979-7C43757D9DF8}"/>
+                    <a16:creationId xmlns:a16="http://schemas.microsoft.com/office/drawing/2014/main" xmlns="" id="{A9AE702D-41B2-451D-8979-7C43757D9DF8}"/>
                   </a:ext>
                 </a:extLst>
               </p:cNvPr>
@@ -3606,7 +3606,7 @@
               <p:cNvPr id="12" name="Arrow: Right 11">
                 <a:extLst>
                   <a:ext uri="{FF2B5EF4-FFF2-40B4-BE49-F238E27FC236}">
-                    <a16:creationId xmlns="" xmlns:a16="http://schemas.microsoft.com/office/drawing/2014/main" id="{8D289C19-E9A8-4101-B8D9-0FA055B78844}"/>
+                    <a16:creationId xmlns:a16="http://schemas.microsoft.com/office/drawing/2014/main" xmlns="" id="{8D289C19-E9A8-4101-B8D9-0FA055B78844}"/>
                   </a:ext>
                 </a:extLst>
               </p:cNvPr>
@@ -3655,7 +3655,7 @@
               <p:cNvPr id="13" name="Oval 12">
                 <a:extLst>
                   <a:ext uri="{FF2B5EF4-FFF2-40B4-BE49-F238E27FC236}">
-                    <a16:creationId xmlns="" xmlns:a16="http://schemas.microsoft.com/office/drawing/2014/main" id="{5F0A5D71-78F8-4DBF-B682-5C39CA16E58F}"/>
+                    <a16:creationId xmlns:a16="http://schemas.microsoft.com/office/drawing/2014/main" xmlns="" id="{5F0A5D71-78F8-4DBF-B682-5C39CA16E58F}"/>
                   </a:ext>
                 </a:extLst>
               </p:cNvPr>
@@ -3704,7 +3704,7 @@
               <p:cNvPr id="15" name="Arrow: Right 14">
                 <a:extLst>
                   <a:ext uri="{FF2B5EF4-FFF2-40B4-BE49-F238E27FC236}">
-                    <a16:creationId xmlns="" xmlns:a16="http://schemas.microsoft.com/office/drawing/2014/main" id="{20CA004A-E8E9-4432-B816-F13D1FD9E527}"/>
+                    <a16:creationId xmlns:a16="http://schemas.microsoft.com/office/drawing/2014/main" xmlns="" id="{20CA004A-E8E9-4432-B816-F13D1FD9E527}"/>
                   </a:ext>
                 </a:extLst>
               </p:cNvPr>
@@ -3753,7 +3753,7 @@
               <p:cNvPr id="16" name="Arrow: Right 15">
                 <a:extLst>
                   <a:ext uri="{FF2B5EF4-FFF2-40B4-BE49-F238E27FC236}">
-                    <a16:creationId xmlns="" xmlns:a16="http://schemas.microsoft.com/office/drawing/2014/main" id="{19ADEE23-9535-4B7C-8E9E-FAC5D7910C2B}"/>
+                    <a16:creationId xmlns:a16="http://schemas.microsoft.com/office/drawing/2014/main" xmlns="" id="{19ADEE23-9535-4B7C-8E9E-FAC5D7910C2B}"/>
                   </a:ext>
                 </a:extLst>
               </p:cNvPr>
@@ -3802,7 +3802,7 @@
               <p:cNvPr id="18" name="Arrow: Right 17">
                 <a:extLst>
                   <a:ext uri="{FF2B5EF4-FFF2-40B4-BE49-F238E27FC236}">
-                    <a16:creationId xmlns="" xmlns:a16="http://schemas.microsoft.com/office/drawing/2014/main" id="{B8E7918F-A836-4578-9571-907A74812FCA}"/>
+                    <a16:creationId xmlns:a16="http://schemas.microsoft.com/office/drawing/2014/main" xmlns="" id="{B8E7918F-A836-4578-9571-907A74812FCA}"/>
                   </a:ext>
                 </a:extLst>
               </p:cNvPr>
@@ -3851,7 +3851,7 @@
               <p:cNvPr id="19" name="Oval 18">
                 <a:extLst>
                   <a:ext uri="{FF2B5EF4-FFF2-40B4-BE49-F238E27FC236}">
-                    <a16:creationId xmlns="" xmlns:a16="http://schemas.microsoft.com/office/drawing/2014/main" id="{269FB962-68FD-40A9-9DAC-2C9ADB046A5C}"/>
+                    <a16:creationId xmlns:a16="http://schemas.microsoft.com/office/drawing/2014/main" xmlns="" id="{269FB962-68FD-40A9-9DAC-2C9ADB046A5C}"/>
                   </a:ext>
                 </a:extLst>
               </p:cNvPr>
@@ -3900,7 +3900,7 @@
               <p:cNvPr id="20" name="Arrow: Right 19">
                 <a:extLst>
                   <a:ext uri="{FF2B5EF4-FFF2-40B4-BE49-F238E27FC236}">
-                    <a16:creationId xmlns="" xmlns:a16="http://schemas.microsoft.com/office/drawing/2014/main" id="{1E83FAAC-28F9-46B8-AFB2-F5CA5F7AD5F0}"/>
+                    <a16:creationId xmlns:a16="http://schemas.microsoft.com/office/drawing/2014/main" xmlns="" id="{1E83FAAC-28F9-46B8-AFB2-F5CA5F7AD5F0}"/>
                   </a:ext>
                 </a:extLst>
               </p:cNvPr>
@@ -3949,7 +3949,7 @@
               <p:cNvPr id="37" name="Oval 36">
                 <a:extLst>
                   <a:ext uri="{FF2B5EF4-FFF2-40B4-BE49-F238E27FC236}">
-                    <a16:creationId xmlns="" xmlns:a16="http://schemas.microsoft.com/office/drawing/2014/main" id="{75DB43E7-A0F6-415F-99E0-28B7156098E2}"/>
+                    <a16:creationId xmlns:a16="http://schemas.microsoft.com/office/drawing/2014/main" xmlns="" id="{75DB43E7-A0F6-415F-99E0-28B7156098E2}"/>
                   </a:ext>
                 </a:extLst>
               </p:cNvPr>
@@ -4002,7 +4002,7 @@
               <p:cNvPr id="41" name="Arrow: Right 40">
                 <a:extLst>
                   <a:ext uri="{FF2B5EF4-FFF2-40B4-BE49-F238E27FC236}">
-                    <a16:creationId xmlns="" xmlns:a16="http://schemas.microsoft.com/office/drawing/2014/main" id="{BA985AC9-CD5E-44E7-96A1-2A2FB11CF07F}"/>
+                    <a16:creationId xmlns:a16="http://schemas.microsoft.com/office/drawing/2014/main" xmlns="" id="{BA985AC9-CD5E-44E7-96A1-2A2FB11CF07F}"/>
                   </a:ext>
                 </a:extLst>
               </p:cNvPr>
@@ -5030,43 +5030,1421 @@
       </p:grpSpPr>
       <p:sp>
         <p:nvSpPr>
-          <p:cNvPr id="4" name="Rectangle 3"/>
+          <p:cNvPr id="4" name="Oval 3"/>
           <p:cNvSpPr/>
           <p:nvPr/>
         </p:nvSpPr>
         <p:spPr>
           <a:xfrm>
-            <a:off x="5053263" y="2586790"/>
-            <a:ext cx="1997242" cy="1155031"/>
+            <a:off x="5137485" y="962539"/>
+            <a:ext cx="1937085" cy="1441782"/>
+          </a:xfrm>
+          <a:prstGeom prst="ellipse">
+            <a:avLst/>
+          </a:prstGeom>
+          <a:ln/>
+        </p:spPr>
+        <p:style>
+          <a:lnRef idx="1">
+            <a:schemeClr val="accent5"/>
+          </a:lnRef>
+          <a:fillRef idx="3">
+            <a:schemeClr val="accent5"/>
+          </a:fillRef>
+          <a:effectRef idx="2">
+            <a:schemeClr val="accent5"/>
+          </a:effectRef>
+          <a:fontRef idx="minor">
+            <a:schemeClr val="lt1"/>
+          </a:fontRef>
+        </p:style>
+        <p:txBody>
+          <a:bodyPr rtlCol="0" anchor="ctr"/>
+          <a:lstStyle/>
+          <a:p>
+            <a:pPr algn="ctr"/>
+            <a:r>
+              <a:rPr lang="en-US" dirty="0" smtClean="0">
+                <a:solidFill>
+                  <a:schemeClr val="tx1"/>
+                </a:solidFill>
+                <a:latin typeface="+mj-lt"/>
+              </a:rPr>
+              <a:t>Main Control Module</a:t>
+            </a:r>
+            <a:endParaRPr lang="en-US" dirty="0">
+              <a:solidFill>
+                <a:schemeClr val="tx1"/>
+              </a:solidFill>
+              <a:latin typeface="+mj-lt"/>
+            </a:endParaRPr>
+          </a:p>
+        </p:txBody>
+      </p:sp>
+      <p:sp>
+        <p:nvSpPr>
+          <p:cNvPr id="3" name="Oval 2"/>
+          <p:cNvSpPr/>
+          <p:nvPr/>
+        </p:nvSpPr>
+        <p:spPr>
+          <a:xfrm>
+            <a:off x="1479886" y="1973190"/>
+            <a:ext cx="1973180" cy="986588"/>
+          </a:xfrm>
+          <a:prstGeom prst="ellipse">
+            <a:avLst/>
+          </a:prstGeom>
+          <a:ln/>
+        </p:spPr>
+        <p:style>
+          <a:lnRef idx="1">
+            <a:schemeClr val="accent5"/>
+          </a:lnRef>
+          <a:fillRef idx="3">
+            <a:schemeClr val="accent5"/>
+          </a:fillRef>
+          <a:effectRef idx="2">
+            <a:schemeClr val="accent5"/>
+          </a:effectRef>
+          <a:fontRef idx="minor">
+            <a:schemeClr val="lt1"/>
+          </a:fontRef>
+        </p:style>
+        <p:txBody>
+          <a:bodyPr rtlCol="0" anchor="ctr"/>
+          <a:lstStyle/>
+          <a:p>
+            <a:pPr algn="ctr"/>
+            <a:r>
+              <a:rPr lang="en-US" dirty="0" smtClean="0">
+                <a:solidFill>
+                  <a:schemeClr val="tx1"/>
+                </a:solidFill>
+                <a:latin typeface="+mj-lt"/>
+              </a:rPr>
+              <a:t>Touch Screen Module</a:t>
+            </a:r>
+            <a:endParaRPr lang="en-US" dirty="0">
+              <a:solidFill>
+                <a:schemeClr val="tx1"/>
+              </a:solidFill>
+              <a:latin typeface="+mj-lt"/>
+            </a:endParaRPr>
+          </a:p>
+        </p:txBody>
+      </p:sp>
+      <p:sp>
+        <p:nvSpPr>
+          <p:cNvPr id="5" name="Oval 4"/>
+          <p:cNvSpPr/>
+          <p:nvPr/>
+        </p:nvSpPr>
+        <p:spPr>
+          <a:xfrm>
+            <a:off x="8758989" y="1973188"/>
+            <a:ext cx="1973180" cy="986590"/>
+          </a:xfrm>
+          <a:prstGeom prst="ellipse">
+            <a:avLst/>
+          </a:prstGeom>
+          <a:ln/>
+        </p:spPr>
+        <p:style>
+          <a:lnRef idx="1">
+            <a:schemeClr val="accent5"/>
+          </a:lnRef>
+          <a:fillRef idx="3">
+            <a:schemeClr val="accent5"/>
+          </a:fillRef>
+          <a:effectRef idx="2">
+            <a:schemeClr val="accent5"/>
+          </a:effectRef>
+          <a:fontRef idx="minor">
+            <a:schemeClr val="lt1"/>
+          </a:fontRef>
+        </p:style>
+        <p:txBody>
+          <a:bodyPr rtlCol="0" anchor="ctr"/>
+          <a:lstStyle/>
+          <a:p>
+            <a:pPr algn="ctr"/>
+            <a:r>
+              <a:rPr lang="en-US" dirty="0" smtClean="0">
+                <a:solidFill>
+                  <a:schemeClr val="tx1"/>
+                </a:solidFill>
+                <a:latin typeface="+mj-lt"/>
+              </a:rPr>
+              <a:t>Response Module</a:t>
+            </a:r>
+            <a:endParaRPr lang="en-US" dirty="0">
+              <a:solidFill>
+                <a:schemeClr val="tx1"/>
+              </a:solidFill>
+              <a:latin typeface="+mj-lt"/>
+            </a:endParaRPr>
+          </a:p>
+        </p:txBody>
+      </p:sp>
+      <p:sp>
+        <p:nvSpPr>
+          <p:cNvPr id="6" name="Oval 5"/>
+          <p:cNvSpPr/>
+          <p:nvPr/>
+        </p:nvSpPr>
+        <p:spPr>
+          <a:xfrm>
+            <a:off x="3745835" y="2959778"/>
+            <a:ext cx="1973180" cy="986588"/>
+          </a:xfrm>
+          <a:prstGeom prst="ellipse">
+            <a:avLst/>
+          </a:prstGeom>
+          <a:ln/>
+        </p:spPr>
+        <p:style>
+          <a:lnRef idx="1">
+            <a:schemeClr val="accent5"/>
+          </a:lnRef>
+          <a:fillRef idx="3">
+            <a:schemeClr val="accent5"/>
+          </a:fillRef>
+          <a:effectRef idx="2">
+            <a:schemeClr val="accent5"/>
+          </a:effectRef>
+          <a:fontRef idx="minor">
+            <a:schemeClr val="lt1"/>
+          </a:fontRef>
+        </p:style>
+        <p:txBody>
+          <a:bodyPr rtlCol="0" anchor="ctr"/>
+          <a:lstStyle/>
+          <a:p>
+            <a:pPr algn="ctr"/>
+            <a:r>
+              <a:rPr lang="en-US" dirty="0" smtClean="0">
+                <a:solidFill>
+                  <a:schemeClr val="tx1"/>
+                </a:solidFill>
+                <a:latin typeface="+mj-lt"/>
+              </a:rPr>
+              <a:t>Milk Dispensing Module</a:t>
+            </a:r>
+            <a:endParaRPr lang="en-US" dirty="0">
+              <a:solidFill>
+                <a:schemeClr val="tx1"/>
+              </a:solidFill>
+              <a:latin typeface="+mj-lt"/>
+            </a:endParaRPr>
+          </a:p>
+        </p:txBody>
+      </p:sp>
+      <p:sp>
+        <p:nvSpPr>
+          <p:cNvPr id="7" name="Oval 6"/>
+          <p:cNvSpPr/>
+          <p:nvPr/>
+        </p:nvSpPr>
+        <p:spPr>
+          <a:xfrm>
+            <a:off x="6493040" y="2959778"/>
+            <a:ext cx="1973180" cy="986588"/>
+          </a:xfrm>
+          <a:prstGeom prst="ellipse">
+            <a:avLst/>
+          </a:prstGeom>
+          <a:ln/>
+        </p:spPr>
+        <p:style>
+          <a:lnRef idx="1">
+            <a:schemeClr val="accent5"/>
+          </a:lnRef>
+          <a:fillRef idx="3">
+            <a:schemeClr val="accent5"/>
+          </a:fillRef>
+          <a:effectRef idx="2">
+            <a:schemeClr val="accent5"/>
+          </a:effectRef>
+          <a:fontRef idx="minor">
+            <a:schemeClr val="lt1"/>
+          </a:fontRef>
+        </p:style>
+        <p:txBody>
+          <a:bodyPr rtlCol="0" anchor="ctr"/>
+          <a:lstStyle/>
+          <a:p>
+            <a:pPr algn="ctr"/>
+            <a:r>
+              <a:rPr lang="en-US" dirty="0" smtClean="0">
+                <a:solidFill>
+                  <a:schemeClr val="tx1"/>
+                </a:solidFill>
+                <a:latin typeface="+mj-lt"/>
+              </a:rPr>
+              <a:t>Cereal Dispensing Module</a:t>
+            </a:r>
+            <a:endParaRPr lang="en-US" dirty="0">
+              <a:solidFill>
+                <a:schemeClr val="tx1"/>
+              </a:solidFill>
+              <a:latin typeface="+mj-lt"/>
+            </a:endParaRPr>
+          </a:p>
+        </p:txBody>
+      </p:sp>
+      <p:sp>
+        <p:nvSpPr>
+          <p:cNvPr id="8" name="Rectangle 7"/>
+          <p:cNvSpPr/>
+          <p:nvPr/>
+        </p:nvSpPr>
+        <p:spPr>
+          <a:xfrm>
+            <a:off x="1022689" y="3826044"/>
+            <a:ext cx="1696451" cy="505336"/>
+          </a:xfrm>
+          <a:prstGeom prst="rect">
+            <a:avLst/>
+          </a:prstGeom>
+          <a:ln/>
+        </p:spPr>
+        <p:style>
+          <a:lnRef idx="1">
+            <a:schemeClr val="accent5"/>
+          </a:lnRef>
+          <a:fillRef idx="3">
+            <a:schemeClr val="accent5"/>
+          </a:fillRef>
+          <a:effectRef idx="2">
+            <a:schemeClr val="accent5"/>
+          </a:effectRef>
+          <a:fontRef idx="minor">
+            <a:schemeClr val="lt1"/>
+          </a:fontRef>
+        </p:style>
+        <p:txBody>
+          <a:bodyPr rtlCol="0" anchor="ctr"/>
+          <a:lstStyle/>
+          <a:p>
+            <a:pPr algn="ctr"/>
+            <a:r>
+              <a:rPr lang="en-US" dirty="0" smtClean="0">
+                <a:solidFill>
+                  <a:schemeClr val="tx1"/>
+                </a:solidFill>
+                <a:latin typeface="+mj-lt"/>
+              </a:rPr>
+              <a:t>Display</a:t>
+            </a:r>
+            <a:endParaRPr lang="en-US" dirty="0">
+              <a:solidFill>
+                <a:schemeClr val="tx1"/>
+              </a:solidFill>
+              <a:latin typeface="+mj-lt"/>
+            </a:endParaRPr>
+          </a:p>
+        </p:txBody>
+      </p:sp>
+      <p:sp>
+        <p:nvSpPr>
+          <p:cNvPr id="9" name="Rectangle 8"/>
+          <p:cNvSpPr/>
+          <p:nvPr/>
+        </p:nvSpPr>
+        <p:spPr>
+          <a:xfrm>
+            <a:off x="9310568" y="3826044"/>
+            <a:ext cx="1696453" cy="505336"/>
+          </a:xfrm>
+          <a:prstGeom prst="rect">
+            <a:avLst/>
+          </a:prstGeom>
+          <a:ln/>
+        </p:spPr>
+        <p:style>
+          <a:lnRef idx="1">
+            <a:schemeClr val="accent5"/>
+          </a:lnRef>
+          <a:fillRef idx="3">
+            <a:schemeClr val="accent5"/>
+          </a:fillRef>
+          <a:effectRef idx="2">
+            <a:schemeClr val="accent5"/>
+          </a:effectRef>
+          <a:fontRef idx="minor">
+            <a:schemeClr val="lt1"/>
+          </a:fontRef>
+        </p:style>
+        <p:txBody>
+          <a:bodyPr rtlCol="0" anchor="ctr"/>
+          <a:lstStyle/>
+          <a:p>
+            <a:pPr algn="ctr"/>
+            <a:r>
+              <a:rPr lang="en-US" dirty="0" smtClean="0">
+                <a:solidFill>
+                  <a:schemeClr val="tx1"/>
+                </a:solidFill>
+                <a:latin typeface="+mj-lt"/>
+              </a:rPr>
+              <a:t>Speaker</a:t>
+            </a:r>
+            <a:endParaRPr lang="en-US" dirty="0">
+              <a:solidFill>
+                <a:schemeClr val="tx1"/>
+              </a:solidFill>
+              <a:latin typeface="+mj-lt"/>
+            </a:endParaRPr>
+          </a:p>
+        </p:txBody>
+      </p:sp>
+      <p:sp>
+        <p:nvSpPr>
+          <p:cNvPr id="10" name="Rectangle 9"/>
+          <p:cNvSpPr/>
+          <p:nvPr/>
+        </p:nvSpPr>
+        <p:spPr>
+          <a:xfrm>
+            <a:off x="3573373" y="4936942"/>
+            <a:ext cx="1688436" cy="541432"/>
+          </a:xfrm>
+          <a:prstGeom prst="rect">
+            <a:avLst/>
+          </a:prstGeom>
+          <a:ln/>
+        </p:spPr>
+        <p:style>
+          <a:lnRef idx="1">
+            <a:schemeClr val="accent5"/>
+          </a:lnRef>
+          <a:fillRef idx="3">
+            <a:schemeClr val="accent5"/>
+          </a:fillRef>
+          <a:effectRef idx="2">
+            <a:schemeClr val="accent5"/>
+          </a:effectRef>
+          <a:fontRef idx="minor">
+            <a:schemeClr val="lt1"/>
+          </a:fontRef>
+        </p:style>
+        <p:txBody>
+          <a:bodyPr rtlCol="0" anchor="ctr"/>
+          <a:lstStyle/>
+          <a:p>
+            <a:pPr algn="ctr"/>
+            <a:r>
+              <a:rPr lang="en-US" dirty="0" smtClean="0">
+                <a:solidFill>
+                  <a:schemeClr val="tx1"/>
+                </a:solidFill>
+                <a:latin typeface="+mj-lt"/>
+              </a:rPr>
+              <a:t>Milk Pump</a:t>
+            </a:r>
+            <a:endParaRPr lang="en-US" dirty="0">
+              <a:solidFill>
+                <a:schemeClr val="tx1"/>
+              </a:solidFill>
+              <a:latin typeface="+mj-lt"/>
+            </a:endParaRPr>
+          </a:p>
+        </p:txBody>
+      </p:sp>
+      <p:sp>
+        <p:nvSpPr>
+          <p:cNvPr id="11" name="Rectangle 10"/>
+          <p:cNvSpPr/>
+          <p:nvPr/>
+        </p:nvSpPr>
+        <p:spPr>
+          <a:xfrm>
+            <a:off x="6777784" y="4936942"/>
+            <a:ext cx="1688436" cy="541432"/>
+          </a:xfrm>
+          <a:prstGeom prst="rect">
+            <a:avLst/>
+          </a:prstGeom>
+          <a:ln/>
+        </p:spPr>
+        <p:style>
+          <a:lnRef idx="1">
+            <a:schemeClr val="accent5"/>
+          </a:lnRef>
+          <a:fillRef idx="3">
+            <a:schemeClr val="accent5"/>
+          </a:fillRef>
+          <a:effectRef idx="2">
+            <a:schemeClr val="accent5"/>
+          </a:effectRef>
+          <a:fontRef idx="minor">
+            <a:schemeClr val="lt1"/>
+          </a:fontRef>
+        </p:style>
+        <p:txBody>
+          <a:bodyPr rtlCol="0" anchor="ctr"/>
+          <a:lstStyle/>
+          <a:p>
+            <a:pPr algn="ctr"/>
+            <a:r>
+              <a:rPr lang="en-US" dirty="0" smtClean="0">
+                <a:solidFill>
+                  <a:schemeClr val="tx1"/>
+                </a:solidFill>
+                <a:latin typeface="+mj-lt"/>
+              </a:rPr>
+              <a:t>Servo Setup</a:t>
+            </a:r>
+            <a:endParaRPr lang="en-US" dirty="0">
+              <a:solidFill>
+                <a:schemeClr val="tx1"/>
+              </a:solidFill>
+              <a:latin typeface="+mj-lt"/>
+            </a:endParaRPr>
+          </a:p>
+        </p:txBody>
+      </p:sp>
+      <p:sp>
+        <p:nvSpPr>
+          <p:cNvPr id="13" name="Rectangle 12"/>
+          <p:cNvSpPr/>
+          <p:nvPr/>
+        </p:nvSpPr>
+        <p:spPr>
+          <a:xfrm>
+            <a:off x="5252211" y="5981988"/>
+            <a:ext cx="1688436" cy="541432"/>
+          </a:xfrm>
+          <a:prstGeom prst="rect">
+            <a:avLst/>
+          </a:prstGeom>
+          <a:ln/>
+        </p:spPr>
+        <p:style>
+          <a:lnRef idx="1">
+            <a:schemeClr val="accent5"/>
+          </a:lnRef>
+          <a:fillRef idx="3">
+            <a:schemeClr val="accent5"/>
+          </a:fillRef>
+          <a:effectRef idx="2">
+            <a:schemeClr val="accent5"/>
+          </a:effectRef>
+          <a:fontRef idx="minor">
+            <a:schemeClr val="lt1"/>
+          </a:fontRef>
+        </p:style>
+        <p:txBody>
+          <a:bodyPr rtlCol="0" anchor="ctr"/>
+          <a:lstStyle/>
+          <a:p>
+            <a:pPr algn="ctr"/>
+            <a:r>
+              <a:rPr lang="en-US" dirty="0" smtClean="0">
+                <a:solidFill>
+                  <a:schemeClr val="tx1"/>
+                </a:solidFill>
+                <a:latin typeface="+mj-lt"/>
+              </a:rPr>
+              <a:t>Bowl</a:t>
+            </a:r>
+            <a:endParaRPr lang="en-US" dirty="0">
+              <a:solidFill>
+                <a:schemeClr val="tx1"/>
+              </a:solidFill>
+              <a:latin typeface="+mj-lt"/>
+            </a:endParaRPr>
+          </a:p>
+        </p:txBody>
+      </p:sp>
+      <p:sp>
+        <p:nvSpPr>
+          <p:cNvPr id="14" name="Right Arrow 13"/>
+          <p:cNvSpPr/>
+          <p:nvPr/>
+        </p:nvSpPr>
+        <p:spPr>
+          <a:xfrm rot="843889">
+            <a:off x="6995798" y="1864965"/>
+            <a:ext cx="1984930" cy="464153"/>
+          </a:xfrm>
+          <a:prstGeom prst="rightArrow">
+            <a:avLst/>
+          </a:prstGeom>
+        </p:spPr>
+        <p:style>
+          <a:lnRef idx="0">
+            <a:schemeClr val="accent6"/>
+          </a:lnRef>
+          <a:fillRef idx="3">
+            <a:schemeClr val="accent6"/>
+          </a:fillRef>
+          <a:effectRef idx="3">
+            <a:schemeClr val="accent6"/>
+          </a:effectRef>
+          <a:fontRef idx="minor">
+            <a:schemeClr val="lt1"/>
+          </a:fontRef>
+        </p:style>
+        <p:txBody>
+          <a:bodyPr rtlCol="0" anchor="ctr"/>
+          <a:lstStyle/>
+          <a:p>
+            <a:pPr algn="ctr"/>
+            <a:r>
+              <a:rPr lang="en-US" sz="1400" dirty="0" smtClean="0"/>
+              <a:t>Sound Data</a:t>
+            </a:r>
+            <a:endParaRPr lang="en-US" sz="1400" dirty="0"/>
+          </a:p>
+        </p:txBody>
+      </p:sp>
+      <p:sp>
+        <p:nvSpPr>
+          <p:cNvPr id="15" name="Left Arrow 14"/>
+          <p:cNvSpPr/>
+          <p:nvPr/>
+        </p:nvSpPr>
+        <p:spPr>
+          <a:xfrm rot="20556773">
+            <a:off x="3233145" y="1849597"/>
+            <a:ext cx="1990600" cy="494891"/>
+          </a:xfrm>
+          <a:prstGeom prst="leftArrow">
+            <a:avLst/>
+          </a:prstGeom>
+        </p:spPr>
+        <p:style>
+          <a:lnRef idx="0">
+            <a:schemeClr val="accent6"/>
+          </a:lnRef>
+          <a:fillRef idx="3">
+            <a:schemeClr val="accent6"/>
+          </a:fillRef>
+          <a:effectRef idx="3">
+            <a:schemeClr val="accent6"/>
+          </a:effectRef>
+          <a:fontRef idx="minor">
+            <a:schemeClr val="lt1"/>
+          </a:fontRef>
+        </p:style>
+        <p:txBody>
+          <a:bodyPr rtlCol="0" anchor="ctr"/>
+          <a:lstStyle/>
+          <a:p>
+            <a:pPr algn="ctr"/>
+            <a:r>
+              <a:rPr lang="en-US" sz="1400" dirty="0" smtClean="0"/>
+              <a:t>Database information</a:t>
+            </a:r>
+            <a:endParaRPr lang="en-US" sz="1400" dirty="0"/>
+          </a:p>
+        </p:txBody>
+      </p:sp>
+      <p:sp>
+        <p:nvSpPr>
+          <p:cNvPr id="16" name="Right Arrow 15"/>
+          <p:cNvSpPr/>
+          <p:nvPr/>
+        </p:nvSpPr>
+        <p:spPr>
+          <a:xfrm rot="20599545">
+            <a:off x="3050376" y="1558189"/>
+            <a:ext cx="2181101" cy="464153"/>
+          </a:xfrm>
+          <a:prstGeom prst="rightArrow">
+            <a:avLst/>
+          </a:prstGeom>
+        </p:spPr>
+        <p:style>
+          <a:lnRef idx="0">
+            <a:schemeClr val="accent2"/>
+          </a:lnRef>
+          <a:fillRef idx="3">
+            <a:schemeClr val="accent2"/>
+          </a:fillRef>
+          <a:effectRef idx="3">
+            <a:schemeClr val="accent2"/>
+          </a:effectRef>
+          <a:fontRef idx="minor">
+            <a:schemeClr val="lt1"/>
+          </a:fontRef>
+        </p:style>
+        <p:txBody>
+          <a:bodyPr rtlCol="0" anchor="ctr"/>
+          <a:lstStyle/>
+          <a:p>
+            <a:pPr algn="ctr"/>
+            <a:r>
+              <a:rPr lang="en-US" sz="1400" dirty="0" smtClean="0"/>
+              <a:t>User Order Data</a:t>
+            </a:r>
+            <a:endParaRPr lang="en-US" sz="1400" dirty="0"/>
+          </a:p>
+        </p:txBody>
+      </p:sp>
+      <p:sp>
+        <p:nvSpPr>
+          <p:cNvPr id="17" name="Right Arrow 16"/>
+          <p:cNvSpPr/>
+          <p:nvPr/>
+        </p:nvSpPr>
+        <p:spPr>
+          <a:xfrm rot="2518209">
+            <a:off x="6616429" y="2450472"/>
+            <a:ext cx="1968894" cy="555457"/>
+          </a:xfrm>
+          <a:prstGeom prst="rightArrow">
+            <a:avLst/>
+          </a:prstGeom>
+        </p:spPr>
+        <p:style>
+          <a:lnRef idx="0">
+            <a:schemeClr val="accent6"/>
+          </a:lnRef>
+          <a:fillRef idx="3">
+            <a:schemeClr val="accent6"/>
+          </a:fillRef>
+          <a:effectRef idx="3">
+            <a:schemeClr val="accent6"/>
+          </a:effectRef>
+          <a:fontRef idx="minor">
+            <a:schemeClr val="lt1"/>
+          </a:fontRef>
+        </p:style>
+        <p:txBody>
+          <a:bodyPr rtlCol="0" anchor="ctr"/>
+          <a:lstStyle/>
+          <a:p>
+            <a:pPr algn="ctr"/>
+            <a:r>
+              <a:rPr lang="en-US" sz="1400" dirty="0" smtClean="0"/>
+              <a:t>Cereal Choice, Serving</a:t>
+            </a:r>
+            <a:endParaRPr lang="en-US" sz="1400" dirty="0"/>
+          </a:p>
+        </p:txBody>
+      </p:sp>
+      <p:sp>
+        <p:nvSpPr>
+          <p:cNvPr id="18" name="Left Arrow 17"/>
+          <p:cNvSpPr/>
+          <p:nvPr/>
+        </p:nvSpPr>
+        <p:spPr>
+          <a:xfrm rot="19074325">
+            <a:off x="3736261" y="2364693"/>
+            <a:ext cx="1806998" cy="591070"/>
+          </a:xfrm>
+          <a:prstGeom prst="leftArrow">
+            <a:avLst/>
+          </a:prstGeom>
+        </p:spPr>
+        <p:style>
+          <a:lnRef idx="0">
+            <a:schemeClr val="accent6"/>
+          </a:lnRef>
+          <a:fillRef idx="3">
+            <a:schemeClr val="accent6"/>
+          </a:fillRef>
+          <a:effectRef idx="3">
+            <a:schemeClr val="accent6"/>
+          </a:effectRef>
+          <a:fontRef idx="minor">
+            <a:schemeClr val="lt1"/>
+          </a:fontRef>
+        </p:style>
+        <p:txBody>
+          <a:bodyPr rtlCol="0" anchor="ctr"/>
+          <a:lstStyle/>
+          <a:p>
+            <a:pPr algn="ctr"/>
+            <a:r>
+              <a:rPr lang="en-US" sz="1400" dirty="0" smtClean="0"/>
+              <a:t>Milk Choice, Serving</a:t>
+            </a:r>
+            <a:endParaRPr lang="en-US" sz="1400" dirty="0"/>
+          </a:p>
+        </p:txBody>
+      </p:sp>
+      <p:grpSp>
+        <p:nvGrpSpPr>
+          <p:cNvPr id="21" name="Group 20"/>
+          <p:cNvGrpSpPr/>
+          <p:nvPr/>
+        </p:nvGrpSpPr>
+        <p:grpSpPr>
+          <a:xfrm>
+            <a:off x="6692440" y="3909244"/>
+            <a:ext cx="1295823" cy="1143003"/>
+            <a:chOff x="3930104" y="3248523"/>
+            <a:chExt cx="1295823" cy="1143003"/>
+          </a:xfrm>
+        </p:grpSpPr>
+        <p:sp>
+          <p:nvSpPr>
+            <p:cNvPr id="19" name="Down Arrow 18"/>
+            <p:cNvSpPr/>
+            <p:nvPr/>
+          </p:nvSpPr>
+          <p:spPr>
+            <a:xfrm>
+              <a:off x="4271211" y="3248523"/>
+              <a:ext cx="613610" cy="1143003"/>
+            </a:xfrm>
+            <a:prstGeom prst="downArrow">
+              <a:avLst/>
+            </a:prstGeom>
+          </p:spPr>
+          <p:style>
+            <a:lnRef idx="0">
+              <a:schemeClr val="accent6"/>
+            </a:lnRef>
+            <a:fillRef idx="3">
+              <a:schemeClr val="accent6"/>
+            </a:fillRef>
+            <a:effectRef idx="3">
+              <a:schemeClr val="accent6"/>
+            </a:effectRef>
+            <a:fontRef idx="minor">
+              <a:schemeClr val="lt1"/>
+            </a:fontRef>
+          </p:style>
+          <p:txBody>
+            <a:bodyPr rtlCol="0" anchor="ctr"/>
+            <a:lstStyle/>
+            <a:p>
+              <a:pPr algn="ctr"/>
+              <a:endParaRPr lang="en-US" dirty="0"/>
+            </a:p>
+          </p:txBody>
+        </p:sp>
+        <p:sp>
+          <p:nvSpPr>
+            <p:cNvPr id="20" name="TextBox 19"/>
+            <p:cNvSpPr txBox="1"/>
+            <p:nvPr/>
+          </p:nvSpPr>
+          <p:spPr>
+            <a:xfrm>
+              <a:off x="3930104" y="3584274"/>
+              <a:ext cx="1295823" cy="307777"/>
+            </a:xfrm>
+            <a:prstGeom prst="rect">
+              <a:avLst/>
+            </a:prstGeom>
+          </p:spPr>
+          <p:style>
+            <a:lnRef idx="0">
+              <a:schemeClr val="accent6"/>
+            </a:lnRef>
+            <a:fillRef idx="3">
+              <a:schemeClr val="accent6"/>
+            </a:fillRef>
+            <a:effectRef idx="3">
+              <a:schemeClr val="accent6"/>
+            </a:effectRef>
+            <a:fontRef idx="minor">
+              <a:schemeClr val="lt1"/>
+            </a:fontRef>
+          </p:style>
+          <p:txBody>
+            <a:bodyPr wrap="square" rtlCol="0">
+              <a:spAutoFit/>
+            </a:bodyPr>
+            <a:lstStyle/>
+            <a:p>
+              <a:r>
+                <a:rPr lang="en-US" sz="1400" dirty="0" smtClean="0"/>
+                <a:t>Servo Number</a:t>
+              </a:r>
+              <a:endParaRPr lang="en-US" sz="1400" dirty="0"/>
+            </a:p>
+          </p:txBody>
+        </p:sp>
+      </p:grpSp>
+      <p:grpSp>
+        <p:nvGrpSpPr>
+          <p:cNvPr id="22" name="Group 21"/>
+          <p:cNvGrpSpPr/>
+          <p:nvPr/>
+        </p:nvGrpSpPr>
+        <p:grpSpPr>
+          <a:xfrm>
+            <a:off x="4040602" y="3909244"/>
+            <a:ext cx="1295823" cy="1143003"/>
+            <a:chOff x="3919559" y="3248523"/>
+            <a:chExt cx="1295823" cy="1143003"/>
+          </a:xfrm>
+        </p:grpSpPr>
+        <p:sp>
+          <p:nvSpPr>
+            <p:cNvPr id="23" name="Down Arrow 22"/>
+            <p:cNvSpPr/>
+            <p:nvPr/>
+          </p:nvSpPr>
+          <p:spPr>
+            <a:xfrm>
+              <a:off x="4271211" y="3248523"/>
+              <a:ext cx="613610" cy="1143003"/>
+            </a:xfrm>
+            <a:prstGeom prst="downArrow">
+              <a:avLst/>
+            </a:prstGeom>
+          </p:spPr>
+          <p:style>
+            <a:lnRef idx="0">
+              <a:schemeClr val="accent6"/>
+            </a:lnRef>
+            <a:fillRef idx="3">
+              <a:schemeClr val="accent6"/>
+            </a:fillRef>
+            <a:effectRef idx="3">
+              <a:schemeClr val="accent6"/>
+            </a:effectRef>
+            <a:fontRef idx="minor">
+              <a:schemeClr val="lt1"/>
+            </a:fontRef>
+          </p:style>
+          <p:txBody>
+            <a:bodyPr rtlCol="0" anchor="ctr"/>
+            <a:lstStyle/>
+            <a:p>
+              <a:pPr algn="ctr"/>
+              <a:endParaRPr lang="en-US" dirty="0"/>
+            </a:p>
+          </p:txBody>
+        </p:sp>
+        <p:sp>
+          <p:nvSpPr>
+            <p:cNvPr id="24" name="TextBox 23"/>
+            <p:cNvSpPr txBox="1"/>
+            <p:nvPr/>
+          </p:nvSpPr>
+          <p:spPr>
+            <a:xfrm>
+              <a:off x="3919559" y="3572610"/>
+              <a:ext cx="1295823" cy="307777"/>
+            </a:xfrm>
+            <a:prstGeom prst="rect">
+              <a:avLst/>
+            </a:prstGeom>
+          </p:spPr>
+          <p:style>
+            <a:lnRef idx="0">
+              <a:schemeClr val="accent6"/>
+            </a:lnRef>
+            <a:fillRef idx="3">
+              <a:schemeClr val="accent6"/>
+            </a:fillRef>
+            <a:effectRef idx="3">
+              <a:schemeClr val="accent6"/>
+            </a:effectRef>
+            <a:fontRef idx="minor">
+              <a:schemeClr val="lt1"/>
+            </a:fontRef>
+          </p:style>
+          <p:txBody>
+            <a:bodyPr wrap="square" rtlCol="0">
+              <a:spAutoFit/>
+            </a:bodyPr>
+            <a:lstStyle/>
+            <a:p>
+              <a:r>
+                <a:rPr lang="en-US" sz="1400" dirty="0" smtClean="0"/>
+                <a:t>Pump Number</a:t>
+              </a:r>
+              <a:endParaRPr lang="en-US" sz="1400" dirty="0"/>
+            </a:p>
+          </p:txBody>
+        </p:sp>
+      </p:grpSp>
+      <p:sp>
+        <p:nvSpPr>
+          <p:cNvPr id="25" name="Right Arrow 24"/>
+          <p:cNvSpPr/>
+          <p:nvPr/>
+        </p:nvSpPr>
+        <p:spPr>
+          <a:xfrm rot="2924150">
+            <a:off x="4288603" y="5649146"/>
+            <a:ext cx="1241297" cy="464153"/>
+          </a:xfrm>
+          <a:prstGeom prst="rightArrow">
+            <a:avLst/>
+          </a:prstGeom>
+        </p:spPr>
+        <p:style>
+          <a:lnRef idx="0">
+            <a:schemeClr val="accent6"/>
+          </a:lnRef>
+          <a:fillRef idx="3">
+            <a:schemeClr val="accent6"/>
+          </a:fillRef>
+          <a:effectRef idx="3">
+            <a:schemeClr val="accent6"/>
+          </a:effectRef>
+          <a:fontRef idx="minor">
+            <a:schemeClr val="lt1"/>
+          </a:fontRef>
+        </p:style>
+        <p:txBody>
+          <a:bodyPr rtlCol="0" anchor="ctr"/>
+          <a:lstStyle/>
+          <a:p>
+            <a:pPr algn="ctr"/>
+            <a:r>
+              <a:rPr lang="en-US" sz="1400" dirty="0" smtClean="0"/>
+              <a:t>Milk</a:t>
+            </a:r>
+            <a:endParaRPr lang="en-US" sz="1400" dirty="0"/>
+          </a:p>
+        </p:txBody>
+      </p:sp>
+      <p:sp>
+        <p:nvSpPr>
+          <p:cNvPr id="26" name="Left Arrow 25"/>
+          <p:cNvSpPr/>
+          <p:nvPr/>
+        </p:nvSpPr>
+        <p:spPr>
+          <a:xfrm rot="18649222">
+            <a:off x="6675342" y="5657453"/>
+            <a:ext cx="1224351" cy="444018"/>
+          </a:xfrm>
+          <a:prstGeom prst="leftArrow">
+            <a:avLst/>
+          </a:prstGeom>
+        </p:spPr>
+        <p:style>
+          <a:lnRef idx="0">
+            <a:schemeClr val="accent6"/>
+          </a:lnRef>
+          <a:fillRef idx="3">
+            <a:schemeClr val="accent6"/>
+          </a:fillRef>
+          <a:effectRef idx="3">
+            <a:schemeClr val="accent6"/>
+          </a:effectRef>
+          <a:fontRef idx="minor">
+            <a:schemeClr val="lt1"/>
+          </a:fontRef>
+        </p:style>
+        <p:txBody>
+          <a:bodyPr rtlCol="0" anchor="ctr"/>
+          <a:lstStyle/>
+          <a:p>
+            <a:pPr algn="ctr"/>
+            <a:r>
+              <a:rPr lang="en-US" sz="1400" dirty="0" smtClean="0"/>
+              <a:t>Cereal</a:t>
+            </a:r>
+            <a:endParaRPr lang="en-US" sz="1400" dirty="0"/>
+          </a:p>
+        </p:txBody>
+      </p:sp>
+      <p:sp>
+        <p:nvSpPr>
+          <p:cNvPr id="27" name="Left Arrow 26"/>
+          <p:cNvSpPr/>
+          <p:nvPr/>
+        </p:nvSpPr>
+        <p:spPr>
+          <a:xfrm rot="16200000">
+            <a:off x="1720725" y="3181092"/>
+            <a:ext cx="996718" cy="487877"/>
+          </a:xfrm>
+          <a:prstGeom prst="leftArrow">
+            <a:avLst/>
+          </a:prstGeom>
+        </p:spPr>
+        <p:style>
+          <a:lnRef idx="0">
+            <a:schemeClr val="accent6"/>
+          </a:lnRef>
+          <a:fillRef idx="3">
+            <a:schemeClr val="accent6"/>
+          </a:fillRef>
+          <a:effectRef idx="3">
+            <a:schemeClr val="accent6"/>
+          </a:effectRef>
+          <a:fontRef idx="minor">
+            <a:schemeClr val="lt1"/>
+          </a:fontRef>
+        </p:style>
+        <p:txBody>
+          <a:bodyPr rtlCol="0" anchor="ctr"/>
+          <a:lstStyle/>
+          <a:p>
+            <a:pPr algn="ctr"/>
+            <a:endParaRPr lang="en-US" sz="1400" dirty="0"/>
+          </a:p>
+        </p:txBody>
+      </p:sp>
+      <p:sp>
+        <p:nvSpPr>
+          <p:cNvPr id="28" name="Left Arrow 27"/>
+          <p:cNvSpPr/>
+          <p:nvPr/>
+        </p:nvSpPr>
+        <p:spPr>
+          <a:xfrm rot="16200000">
+            <a:off x="9492951" y="3177587"/>
+            <a:ext cx="996718" cy="494891"/>
+          </a:xfrm>
+          <a:prstGeom prst="leftArrow">
+            <a:avLst/>
+          </a:prstGeom>
+        </p:spPr>
+        <p:style>
+          <a:lnRef idx="0">
+            <a:schemeClr val="accent6"/>
+          </a:lnRef>
+          <a:fillRef idx="3">
+            <a:schemeClr val="accent6"/>
+          </a:fillRef>
+          <a:effectRef idx="3">
+            <a:schemeClr val="accent6"/>
+          </a:effectRef>
+          <a:fontRef idx="minor">
+            <a:schemeClr val="lt1"/>
+          </a:fontRef>
+        </p:style>
+        <p:txBody>
+          <a:bodyPr rtlCol="0" anchor="ctr"/>
+          <a:lstStyle/>
+          <a:p>
+            <a:pPr algn="ctr"/>
+            <a:endParaRPr lang="en-US" sz="1400" dirty="0"/>
+          </a:p>
+        </p:txBody>
+      </p:sp>
+      <p:sp>
+        <p:nvSpPr>
+          <p:cNvPr id="29" name="TextBox 28"/>
+          <p:cNvSpPr txBox="1"/>
+          <p:nvPr/>
+        </p:nvSpPr>
+        <p:spPr>
+          <a:xfrm>
+            <a:off x="1982159" y="3239022"/>
+            <a:ext cx="480861" cy="307777"/>
           </a:xfrm>
           <a:prstGeom prst="rect">
             <a:avLst/>
           </a:prstGeom>
         </p:spPr>
         <p:style>
-          <a:lnRef idx="1">
-            <a:schemeClr val="accent5"/>
+          <a:lnRef idx="0">
+            <a:schemeClr val="accent6"/>
           </a:lnRef>
-          <a:fillRef idx="2">
-            <a:schemeClr val="accent5"/>
+          <a:fillRef idx="3">
+            <a:schemeClr val="accent6"/>
           </a:fillRef>
-          <a:effectRef idx="1">
-            <a:schemeClr val="accent5"/>
+          <a:effectRef idx="3">
+            <a:schemeClr val="accent6"/>
           </a:effectRef>
           <a:fontRef idx="minor">
-            <a:schemeClr val="dk1"/>
+            <a:schemeClr val="lt1"/>
           </a:fontRef>
         </p:style>
         <p:txBody>
+          <a:bodyPr wrap="square" rtlCol="0">
+            <a:spAutoFit/>
+          </a:bodyPr>
+          <a:lstStyle/>
+          <a:p>
+            <a:r>
+              <a:rPr lang="en-US" sz="1400" dirty="0" smtClean="0"/>
+              <a:t>GUI</a:t>
+            </a:r>
+            <a:endParaRPr lang="en-US" sz="1400" dirty="0"/>
+          </a:p>
+        </p:txBody>
+      </p:sp>
+      <p:sp>
+        <p:nvSpPr>
+          <p:cNvPr id="30" name="TextBox 29"/>
+          <p:cNvSpPr txBox="1"/>
+          <p:nvPr/>
+        </p:nvSpPr>
+        <p:spPr>
+          <a:xfrm>
+            <a:off x="9378626" y="3243541"/>
+            <a:ext cx="1197134" cy="307777"/>
+          </a:xfrm>
+          <a:prstGeom prst="rect">
+            <a:avLst/>
+          </a:prstGeom>
+        </p:spPr>
+        <p:style>
+          <a:lnRef idx="0">
+            <a:schemeClr val="accent6"/>
+          </a:lnRef>
+          <a:fillRef idx="3">
+            <a:schemeClr val="accent6"/>
+          </a:fillRef>
+          <a:effectRef idx="3">
+            <a:schemeClr val="accent6"/>
+          </a:effectRef>
+          <a:fontRef idx="minor">
+            <a:schemeClr val="lt1"/>
+          </a:fontRef>
+        </p:style>
+        <p:txBody>
+          <a:bodyPr wrap="square" rtlCol="0">
+            <a:spAutoFit/>
+          </a:bodyPr>
+          <a:lstStyle/>
+          <a:p>
+            <a:r>
+              <a:rPr lang="en-US" sz="1400" dirty="0" smtClean="0"/>
+              <a:t>Analog Sound</a:t>
+            </a:r>
+            <a:endParaRPr lang="en-US" sz="1400" dirty="0"/>
+          </a:p>
+        </p:txBody>
+      </p:sp>
+      <p:sp>
+        <p:nvSpPr>
+          <p:cNvPr id="31" name="Up Arrow 30"/>
+          <p:cNvSpPr/>
+          <p:nvPr/>
+        </p:nvSpPr>
+        <p:spPr>
+          <a:xfrm rot="748249">
+            <a:off x="1305338" y="2719799"/>
+            <a:ext cx="499314" cy="1149088"/>
+          </a:xfrm>
+          <a:prstGeom prst="upArrow">
+            <a:avLst/>
+          </a:prstGeom>
+        </p:spPr>
+        <p:style>
+          <a:lnRef idx="0">
+            <a:schemeClr val="accent2"/>
+          </a:lnRef>
+          <a:fillRef idx="3">
+            <a:schemeClr val="accent2"/>
+          </a:fillRef>
+          <a:effectRef idx="3">
+            <a:schemeClr val="accent2"/>
+          </a:effectRef>
+          <a:fontRef idx="minor">
+            <a:schemeClr val="lt1"/>
+          </a:fontRef>
+        </p:style>
+        <p:txBody>
           <a:bodyPr rtlCol="0" anchor="ctr"/>
           <a:lstStyle/>
           <a:p>
             <a:pPr algn="ctr"/>
-            <a:r>
-              <a:rPr lang="en-US" dirty="0" smtClean="0"/>
-              <a:t>CDS</a:t>
-            </a:r>
-            <a:endParaRPr lang="en-US" dirty="0"/>
+            <a:endParaRPr lang="en-US"/>
+          </a:p>
+        </p:txBody>
+      </p:sp>
+      <p:sp>
+        <p:nvSpPr>
+          <p:cNvPr id="32" name="TextBox 31"/>
+          <p:cNvSpPr txBox="1"/>
+          <p:nvPr/>
+        </p:nvSpPr>
+        <p:spPr>
+          <a:xfrm>
+            <a:off x="938919" y="3234063"/>
+            <a:ext cx="1023070" cy="307777"/>
+          </a:xfrm>
+          <a:prstGeom prst="rect">
+            <a:avLst/>
+          </a:prstGeom>
+        </p:spPr>
+        <p:style>
+          <a:lnRef idx="0">
+            <a:schemeClr val="accent2"/>
+          </a:lnRef>
+          <a:fillRef idx="3">
+            <a:schemeClr val="accent2"/>
+          </a:fillRef>
+          <a:effectRef idx="3">
+            <a:schemeClr val="accent2"/>
+          </a:effectRef>
+          <a:fontRef idx="minor">
+            <a:schemeClr val="lt1"/>
+          </a:fontRef>
+        </p:style>
+        <p:txBody>
+          <a:bodyPr wrap="square" rtlCol="0">
+            <a:spAutoFit/>
+          </a:bodyPr>
+          <a:lstStyle/>
+          <a:p>
+            <a:r>
+              <a:rPr lang="en-US" sz="1400" dirty="0" smtClean="0"/>
+              <a:t>Touch Data</a:t>
+            </a:r>
+            <a:endParaRPr lang="en-US" sz="1400" dirty="0"/>
+          </a:p>
+        </p:txBody>
+      </p:sp>
+      <p:sp>
+        <p:nvSpPr>
+          <p:cNvPr id="33" name="Rectangle 32"/>
+          <p:cNvSpPr/>
+          <p:nvPr/>
+        </p:nvSpPr>
+        <p:spPr>
+          <a:xfrm>
+            <a:off x="4943954" y="-11989"/>
+            <a:ext cx="2324146" cy="1107996"/>
+          </a:xfrm>
+          <a:prstGeom prst="rect">
+            <a:avLst/>
+          </a:prstGeom>
+          <a:noFill/>
+        </p:spPr>
+        <p:txBody>
+          <a:bodyPr wrap="square" lIns="91440" tIns="45720" rIns="91440" bIns="45720">
+            <a:spAutoFit/>
+          </a:bodyPr>
+          <a:lstStyle>
+            <a:defPPr>
+              <a:defRPr lang="en-US"/>
+            </a:defPPr>
+            <a:lvl1pPr marL="0" algn="l" defTabSz="914400" rtl="0" eaLnBrk="1" latinLnBrk="0" hangingPunct="1">
+              <a:defRPr sz="1800" kern="1200">
+                <a:solidFill>
+                  <a:schemeClr val="tx1"/>
+                </a:solidFill>
+                <a:latin typeface="+mn-lt"/>
+                <a:ea typeface="+mn-ea"/>
+                <a:cs typeface="+mn-cs"/>
+              </a:defRPr>
+            </a:lvl1pPr>
+            <a:lvl2pPr marL="457200" algn="l" defTabSz="914400" rtl="0" eaLnBrk="1" latinLnBrk="0" hangingPunct="1">
+              <a:defRPr sz="1800" kern="1200">
+                <a:solidFill>
+                  <a:schemeClr val="tx1"/>
+                </a:solidFill>
+                <a:latin typeface="+mn-lt"/>
+                <a:ea typeface="+mn-ea"/>
+                <a:cs typeface="+mn-cs"/>
+              </a:defRPr>
+            </a:lvl2pPr>
+            <a:lvl3pPr marL="914400" algn="l" defTabSz="914400" rtl="0" eaLnBrk="1" latinLnBrk="0" hangingPunct="1">
+              <a:defRPr sz="1800" kern="1200">
+                <a:solidFill>
+                  <a:schemeClr val="tx1"/>
+                </a:solidFill>
+                <a:latin typeface="+mn-lt"/>
+                <a:ea typeface="+mn-ea"/>
+                <a:cs typeface="+mn-cs"/>
+              </a:defRPr>
+            </a:lvl3pPr>
+            <a:lvl4pPr marL="1371600" algn="l" defTabSz="914400" rtl="0" eaLnBrk="1" latinLnBrk="0" hangingPunct="1">
+              <a:defRPr sz="1800" kern="1200">
+                <a:solidFill>
+                  <a:schemeClr val="tx1"/>
+                </a:solidFill>
+                <a:latin typeface="+mn-lt"/>
+                <a:ea typeface="+mn-ea"/>
+                <a:cs typeface="+mn-cs"/>
+              </a:defRPr>
+            </a:lvl4pPr>
+            <a:lvl5pPr marL="1828800" algn="l" defTabSz="914400" rtl="0" eaLnBrk="1" latinLnBrk="0" hangingPunct="1">
+              <a:defRPr sz="1800" kern="1200">
+                <a:solidFill>
+                  <a:schemeClr val="tx1"/>
+                </a:solidFill>
+                <a:latin typeface="+mn-lt"/>
+                <a:ea typeface="+mn-ea"/>
+                <a:cs typeface="+mn-cs"/>
+              </a:defRPr>
+            </a:lvl5pPr>
+            <a:lvl6pPr marL="2286000" algn="l" defTabSz="914400" rtl="0" eaLnBrk="1" latinLnBrk="0" hangingPunct="1">
+              <a:defRPr sz="1800" kern="1200">
+                <a:solidFill>
+                  <a:schemeClr val="tx1"/>
+                </a:solidFill>
+                <a:latin typeface="+mn-lt"/>
+                <a:ea typeface="+mn-ea"/>
+                <a:cs typeface="+mn-cs"/>
+              </a:defRPr>
+            </a:lvl6pPr>
+            <a:lvl7pPr marL="2743200" algn="l" defTabSz="914400" rtl="0" eaLnBrk="1" latinLnBrk="0" hangingPunct="1">
+              <a:defRPr sz="1800" kern="1200">
+                <a:solidFill>
+                  <a:schemeClr val="tx1"/>
+                </a:solidFill>
+                <a:latin typeface="+mn-lt"/>
+                <a:ea typeface="+mn-ea"/>
+                <a:cs typeface="+mn-cs"/>
+              </a:defRPr>
+            </a:lvl7pPr>
+            <a:lvl8pPr marL="3200400" algn="l" defTabSz="914400" rtl="0" eaLnBrk="1" latinLnBrk="0" hangingPunct="1">
+              <a:defRPr sz="1800" kern="1200">
+                <a:solidFill>
+                  <a:schemeClr val="tx1"/>
+                </a:solidFill>
+                <a:latin typeface="+mn-lt"/>
+                <a:ea typeface="+mn-ea"/>
+                <a:cs typeface="+mn-cs"/>
+              </a:defRPr>
+            </a:lvl8pPr>
+            <a:lvl9pPr marL="3657600" algn="l" defTabSz="914400" rtl="0" eaLnBrk="1" latinLnBrk="0" hangingPunct="1">
+              <a:defRPr sz="1800" kern="1200">
+                <a:solidFill>
+                  <a:schemeClr val="tx1"/>
+                </a:solidFill>
+                <a:latin typeface="+mn-lt"/>
+                <a:ea typeface="+mn-ea"/>
+                <a:cs typeface="+mn-cs"/>
+              </a:defRPr>
+            </a:lvl9pPr>
+          </a:lstStyle>
+          <a:p>
+            <a:pPr algn="ctr"/>
+            <a:r>
+              <a:rPr lang="en-US" sz="6600" b="1" cap="none" spc="0" dirty="0" smtClean="0">
+                <a:ln w="13462">
+                  <a:solidFill>
+                    <a:schemeClr val="bg1"/>
+                  </a:solidFill>
+                  <a:prstDash val="solid"/>
+                </a:ln>
+                <a:solidFill>
+                  <a:schemeClr val="tx1">
+                    <a:lumMod val="85000"/>
+                    <a:lumOff val="15000"/>
+                  </a:schemeClr>
+                </a:solidFill>
+                <a:effectLst>
+                  <a:outerShdw dist="38100" dir="2700000" algn="bl" rotWithShape="0">
+                    <a:schemeClr val="accent5"/>
+                  </a:outerShdw>
+                </a:effectLst>
+              </a:rPr>
+              <a:t>DFD 1</a:t>
+            </a:r>
+            <a:endParaRPr lang="en-US" sz="6600" b="1" cap="none" spc="0" dirty="0">
+              <a:ln w="13462">
+                <a:solidFill>
+                  <a:schemeClr val="bg1"/>
+                </a:solidFill>
+                <a:prstDash val="solid"/>
+              </a:ln>
+              <a:solidFill>
+                <a:schemeClr val="tx1">
+                  <a:lumMod val="85000"/>
+                  <a:lumOff val="15000"/>
+                </a:schemeClr>
+              </a:solidFill>
+              <a:effectLst>
+                <a:outerShdw dist="38100" dir="2700000" algn="bl" rotWithShape="0">
+                  <a:schemeClr val="accent5"/>
+                </a:outerShdw>
+              </a:effectLst>
+            </a:endParaRPr>
           </a:p>
         </p:txBody>
       </p:sp>
@@ -5080,6 +6458,13 @@
   <p:clrMapOvr>
     <a:masterClrMapping/>
   </p:clrMapOvr>
+  <p:timing>
+    <p:tnLst>
+      <p:par>
+        <p:cTn id="1" dur="indefinite" restart="never" nodeType="tmRoot"/>
+      </p:par>
+    </p:tnLst>
+  </p:timing>
 </p:sld>
 </file>
 
